--- a/Apresentacao/ApresentacaoBD_Final.pptx
+++ b/Apresentacao/ApresentacaoBD_Final.pptx
@@ -5,7 +5,7 @@
     <p:sldMasterId id="2147483699" r:id="rId1"/>
   </p:sldMasterIdLst>
   <p:notesMasterIdLst>
-    <p:notesMasterId r:id="rId18"/>
+    <p:notesMasterId r:id="rId17"/>
   </p:notesMasterIdLst>
   <p:sldIdLst>
     <p:sldId id="256" r:id="rId2"/>
@@ -23,19 +23,18 @@
     <p:sldId id="271" r:id="rId14"/>
     <p:sldId id="272" r:id="rId15"/>
     <p:sldId id="273" r:id="rId16"/>
-    <p:sldId id="265" r:id="rId17"/>
   </p:sldIdLst>
   <p:sldSz cx="9144000" cy="5143500" type="screen16x9"/>
   <p:notesSz cx="6858000" cy="9144000"/>
   <p:embeddedFontLst>
     <p:embeddedFont>
       <p:font typeface="Hammersmith One" panose="02010703030501060504" pitchFamily="2" charset="0"/>
-      <p:regular r:id="rId19"/>
+      <p:regular r:id="rId18"/>
     </p:embeddedFont>
     <p:embeddedFont>
       <p:font typeface="Roboto Condensed Light" panose="02000000000000000000" pitchFamily="2" charset="0"/>
-      <p:regular r:id="rId20"/>
-      <p:italic r:id="rId21"/>
+      <p:regular r:id="rId19"/>
+      <p:italic r:id="rId20"/>
     </p:embeddedFont>
   </p:embeddedFontLst>
   <p:defaultTextStyle>
@@ -1469,110 +1468,6 @@
 </p:notes>
 </file>
 
-<file path=ppt/notesSlides/notesSlide16.xml><?xml version="1.0" encoding="utf-8"?>
-<p:notes xmlns:a="http://schemas.openxmlformats.org/drawingml/2006/main" xmlns:r="http://schemas.openxmlformats.org/officeDocument/2006/relationships" xmlns:p="http://schemas.openxmlformats.org/presentationml/2006/main" showMasterSp="0" showMasterPhAnim="0">
-  <p:cSld>
-    <p:spTree>
-      <p:nvGrpSpPr>
-        <p:cNvPr id="1" name="Shape 1394"/>
-        <p:cNvGrpSpPr/>
-        <p:nvPr/>
-      </p:nvGrpSpPr>
-      <p:grpSpPr>
-        <a:xfrm>
-          <a:off x="0" y="0"/>
-          <a:ext cx="0" cy="0"/>
-          <a:chOff x="0" y="0"/>
-          <a:chExt cx="0" cy="0"/>
-        </a:xfrm>
-      </p:grpSpPr>
-      <p:sp>
-        <p:nvSpPr>
-          <p:cNvPr id="1395" name="Google Shape;1395;gc72ba98ae8_1_456:notes"/>
-          <p:cNvSpPr>
-            <a:spLocks noGrp="1" noRot="1" noChangeAspect="1"/>
-          </p:cNvSpPr>
-          <p:nvPr>
-            <p:ph type="sldImg" idx="2"/>
-          </p:nvPr>
-        </p:nvSpPr>
-        <p:spPr>
-          <a:xfrm>
-            <a:off x="381000" y="685800"/>
-            <a:ext cx="6096000" cy="3429000"/>
-          </a:xfrm>
-          <a:custGeom>
-            <a:avLst/>
-            <a:gdLst/>
-            <a:ahLst/>
-            <a:cxnLst/>
-            <a:rect l="l" t="t" r="r" b="b"/>
-            <a:pathLst>
-              <a:path w="120000" h="120000" extrusionOk="0">
-                <a:moveTo>
-                  <a:pt x="0" y="0"/>
-                </a:moveTo>
-                <a:lnTo>
-                  <a:pt x="120000" y="0"/>
-                </a:lnTo>
-                <a:lnTo>
-                  <a:pt x="120000" y="120000"/>
-                </a:lnTo>
-                <a:lnTo>
-                  <a:pt x="0" y="120000"/>
-                </a:lnTo>
-                <a:close/>
-              </a:path>
-            </a:pathLst>
-          </a:custGeom>
-        </p:spPr>
-      </p:sp>
-      <p:sp>
-        <p:nvSpPr>
-          <p:cNvPr id="1396" name="Google Shape;1396;gc72ba98ae8_1_456:notes"/>
-          <p:cNvSpPr txBox="1">
-            <a:spLocks noGrp="1"/>
-          </p:cNvSpPr>
-          <p:nvPr>
-            <p:ph type="body" idx="1"/>
-          </p:nvPr>
-        </p:nvSpPr>
-        <p:spPr>
-          <a:xfrm>
-            <a:off x="685800" y="4343400"/>
-            <a:ext cx="5486400" cy="4114800"/>
-          </a:xfrm>
-          <a:prstGeom prst="rect">
-            <a:avLst/>
-          </a:prstGeom>
-        </p:spPr>
-        <p:txBody>
-          <a:bodyPr spcFirstLastPara="1" wrap="square" lIns="91425" tIns="91425" rIns="91425" bIns="91425" anchor="t" anchorCtr="0">
-            <a:noAutofit/>
-          </a:bodyPr>
-          <a:lstStyle/>
-          <a:p>
-            <a:pPr marL="0" lvl="0" indent="0" algn="l" rtl="0">
-              <a:spcBef>
-                <a:spcPts val="0"/>
-              </a:spcBef>
-              <a:spcAft>
-                <a:spcPts val="0"/>
-              </a:spcAft>
-              <a:buNone/>
-            </a:pPr>
-            <a:endParaRPr/>
-          </a:p>
-        </p:txBody>
-      </p:sp>
-    </p:spTree>
-  </p:cSld>
-  <p:clrMapOvr>
-    <a:masterClrMapping/>
-  </p:clrMapOvr>
-</p:notes>
-</file>
-
 <file path=ppt/notesSlides/notesSlide2.xml><?xml version="1.0" encoding="utf-8"?>
 <p:notes xmlns:a="http://schemas.openxmlformats.org/drawingml/2006/main" xmlns:r="http://schemas.openxmlformats.org/officeDocument/2006/relationships" xmlns:p="http://schemas.openxmlformats.org/presentationml/2006/main" showMasterSp="0" showMasterPhAnim="0">
   <p:cSld>
@@ -10374,4460 +10269,6 @@
 </p:sldLayout>
 </file>
 
-<file path=ppt/slideLayouts/slideLayout5.xml><?xml version="1.0" encoding="utf-8"?>
-<p:sldLayout xmlns:a="http://schemas.openxmlformats.org/drawingml/2006/main" xmlns:r="http://schemas.openxmlformats.org/officeDocument/2006/relationships" xmlns:p="http://schemas.openxmlformats.org/presentationml/2006/main" matchingName="Background">
-  <p:cSld name="CUSTOM">
-    <p:spTree>
-      <p:nvGrpSpPr>
-        <p:cNvPr id="1" name="Shape 1188"/>
-        <p:cNvGrpSpPr/>
-        <p:nvPr/>
-      </p:nvGrpSpPr>
-      <p:grpSpPr>
-        <a:xfrm>
-          <a:off x="0" y="0"/>
-          <a:ext cx="0" cy="0"/>
-          <a:chOff x="0" y="0"/>
-          <a:chExt cx="0" cy="0"/>
-        </a:xfrm>
-      </p:grpSpPr>
-      <p:sp>
-        <p:nvSpPr>
-          <p:cNvPr id="1189" name="Google Shape;1189;p48"/>
-          <p:cNvSpPr/>
-          <p:nvPr/>
-        </p:nvSpPr>
-        <p:spPr>
-          <a:xfrm rot="288678" flipH="1">
-            <a:off x="-1270417" y="553336"/>
-            <a:ext cx="4658411" cy="4765187"/>
-          </a:xfrm>
-          <a:custGeom>
-            <a:avLst/>
-            <a:gdLst/>
-            <a:ahLst/>
-            <a:cxnLst/>
-            <a:rect l="l" t="t" r="r" b="b"/>
-            <a:pathLst>
-              <a:path w="142469" h="136664" extrusionOk="0">
-                <a:moveTo>
-                  <a:pt x="97052" y="0"/>
-                </a:moveTo>
-                <a:cubicBezTo>
-                  <a:pt x="94985" y="0"/>
-                  <a:pt x="92658" y="685"/>
-                  <a:pt x="89955" y="2065"/>
-                </a:cubicBezTo>
-                <a:cubicBezTo>
-                  <a:pt x="76197" y="9104"/>
-                  <a:pt x="81149" y="14564"/>
-                  <a:pt x="82755" y="40634"/>
-                </a:cubicBezTo>
-                <a:cubicBezTo>
-                  <a:pt x="85458" y="83646"/>
-                  <a:pt x="12896" y="58112"/>
-                  <a:pt x="4519" y="103881"/>
-                </a:cubicBezTo>
-                <a:cubicBezTo>
-                  <a:pt x="0" y="128495"/>
-                  <a:pt x="10558" y="136664"/>
-                  <a:pt x="39417" y="136664"/>
-                </a:cubicBezTo>
-                <a:cubicBezTo>
-                  <a:pt x="47997" y="136664"/>
-                  <a:pt x="58195" y="135942"/>
-                  <a:pt x="70095" y="134715"/>
-                </a:cubicBezTo>
-                <a:cubicBezTo>
-                  <a:pt x="122047" y="129389"/>
-                  <a:pt x="142469" y="101392"/>
-                  <a:pt x="125767" y="56907"/>
-                </a:cubicBezTo>
-                <a:cubicBezTo>
-                  <a:pt x="111706" y="19432"/>
-                  <a:pt x="108060" y="0"/>
-                  <a:pt x="97052" y="0"/>
-                </a:cubicBezTo>
-                <a:close/>
-              </a:path>
-            </a:pathLst>
-          </a:custGeom>
-          <a:solidFill>
-            <a:schemeClr val="dk2"/>
-          </a:solidFill>
-          <a:ln>
-            <a:noFill/>
-          </a:ln>
-        </p:spPr>
-        <p:txBody>
-          <a:bodyPr spcFirstLastPara="1" wrap="square" lIns="91425" tIns="91425" rIns="91425" bIns="91425" anchor="ctr" anchorCtr="0">
-            <a:noAutofit/>
-          </a:bodyPr>
-          <a:lstStyle/>
-          <a:p>
-            <a:pPr marL="0" lvl="0" indent="0" algn="l" rtl="0">
-              <a:spcBef>
-                <a:spcPts val="0"/>
-              </a:spcBef>
-              <a:spcAft>
-                <a:spcPts val="0"/>
-              </a:spcAft>
-              <a:buNone/>
-            </a:pPr>
-            <a:endParaRPr/>
-          </a:p>
-        </p:txBody>
-      </p:sp>
-      <p:sp>
-        <p:nvSpPr>
-          <p:cNvPr id="1190" name="Google Shape;1190;p48"/>
-          <p:cNvSpPr/>
-          <p:nvPr/>
-        </p:nvSpPr>
-        <p:spPr>
-          <a:xfrm>
-            <a:off x="1334050" y="1127073"/>
-            <a:ext cx="1522302" cy="1342795"/>
-          </a:xfrm>
-          <a:custGeom>
-            <a:avLst/>
-            <a:gdLst/>
-            <a:ahLst/>
-            <a:cxnLst/>
-            <a:rect l="l" t="t" r="r" b="b"/>
-            <a:pathLst>
-              <a:path w="13679" h="12066" extrusionOk="0">
-                <a:moveTo>
-                  <a:pt x="7541" y="1"/>
-                </a:moveTo>
-                <a:cubicBezTo>
-                  <a:pt x="7109" y="1"/>
-                  <a:pt x="6648" y="24"/>
-                  <a:pt x="6157" y="68"/>
-                </a:cubicBezTo>
-                <a:cubicBezTo>
-                  <a:pt x="1981" y="443"/>
-                  <a:pt x="28" y="3173"/>
-                  <a:pt x="1" y="6385"/>
-                </a:cubicBezTo>
-                <a:cubicBezTo>
-                  <a:pt x="598" y="10109"/>
-                  <a:pt x="2003" y="12066"/>
-                  <a:pt x="5300" y="12066"/>
-                </a:cubicBezTo>
-                <a:cubicBezTo>
-                  <a:pt x="5700" y="12066"/>
-                  <a:pt x="6128" y="12037"/>
-                  <a:pt x="6585" y="11979"/>
-                </a:cubicBezTo>
-                <a:cubicBezTo>
-                  <a:pt x="10680" y="11470"/>
-                  <a:pt x="13678" y="9516"/>
-                  <a:pt x="12822" y="4297"/>
-                </a:cubicBezTo>
-                <a:cubicBezTo>
-                  <a:pt x="12326" y="1256"/>
-                  <a:pt x="10731" y="1"/>
-                  <a:pt x="7541" y="1"/>
-                </a:cubicBezTo>
-                <a:close/>
-              </a:path>
-            </a:pathLst>
-          </a:custGeom>
-          <a:solidFill>
-            <a:schemeClr val="accent1"/>
-          </a:solidFill>
-          <a:ln>
-            <a:noFill/>
-          </a:ln>
-        </p:spPr>
-        <p:txBody>
-          <a:bodyPr spcFirstLastPara="1" wrap="square" lIns="91425" tIns="91425" rIns="91425" bIns="91425" anchor="ctr" anchorCtr="0">
-            <a:noAutofit/>
-          </a:bodyPr>
-          <a:lstStyle/>
-          <a:p>
-            <a:pPr marL="0" lvl="0" indent="0" algn="l" rtl="0">
-              <a:spcBef>
-                <a:spcPts val="0"/>
-              </a:spcBef>
-              <a:spcAft>
-                <a:spcPts val="0"/>
-              </a:spcAft>
-              <a:buNone/>
-            </a:pPr>
-            <a:endParaRPr/>
-          </a:p>
-        </p:txBody>
-      </p:sp>
-      <p:grpSp>
-        <p:nvGrpSpPr>
-          <p:cNvPr id="1191" name="Google Shape;1191;p48"/>
-          <p:cNvGrpSpPr/>
-          <p:nvPr/>
-        </p:nvGrpSpPr>
-        <p:grpSpPr>
-          <a:xfrm>
-            <a:off x="5119018" y="713081"/>
-            <a:ext cx="2270935" cy="2260334"/>
-            <a:chOff x="6762468" y="1386456"/>
-            <a:chExt cx="2270935" cy="2260334"/>
-          </a:xfrm>
-        </p:grpSpPr>
-        <p:sp>
-          <p:nvSpPr>
-            <p:cNvPr id="1192" name="Google Shape;1192;p48"/>
-            <p:cNvSpPr/>
-            <p:nvPr/>
-          </p:nvSpPr>
-          <p:spPr>
-            <a:xfrm>
-              <a:off x="6762468" y="1386456"/>
-              <a:ext cx="2270935" cy="2260292"/>
-            </a:xfrm>
-            <a:custGeom>
-              <a:avLst/>
-              <a:gdLst/>
-              <a:ahLst/>
-              <a:cxnLst/>
-              <a:rect l="l" t="t" r="r" b="b"/>
-              <a:pathLst>
-                <a:path w="45663" h="45449" extrusionOk="0">
-                  <a:moveTo>
-                    <a:pt x="10947" y="4979"/>
-                  </a:moveTo>
-                  <a:lnTo>
-                    <a:pt x="15605" y="7656"/>
-                  </a:lnTo>
-                  <a:lnTo>
-                    <a:pt x="15605" y="13062"/>
-                  </a:lnTo>
-                  <a:lnTo>
-                    <a:pt x="10947" y="15766"/>
-                  </a:lnTo>
-                  <a:lnTo>
-                    <a:pt x="6263" y="13062"/>
-                  </a:lnTo>
-                  <a:lnTo>
-                    <a:pt x="6263" y="7656"/>
-                  </a:lnTo>
-                  <a:lnTo>
-                    <a:pt x="10947" y="4979"/>
-                  </a:lnTo>
-                  <a:close/>
-                  <a:moveTo>
-                    <a:pt x="20449" y="4979"/>
-                  </a:moveTo>
-                  <a:lnTo>
-                    <a:pt x="25133" y="7656"/>
-                  </a:lnTo>
-                  <a:lnTo>
-                    <a:pt x="25133" y="13062"/>
-                  </a:lnTo>
-                  <a:lnTo>
-                    <a:pt x="20449" y="15766"/>
-                  </a:lnTo>
-                  <a:lnTo>
-                    <a:pt x="15792" y="13062"/>
-                  </a:lnTo>
-                  <a:lnTo>
-                    <a:pt x="15792" y="7656"/>
-                  </a:lnTo>
-                  <a:lnTo>
-                    <a:pt x="20449" y="4979"/>
-                  </a:lnTo>
-                  <a:close/>
-                  <a:moveTo>
-                    <a:pt x="29978" y="4979"/>
-                  </a:moveTo>
-                  <a:lnTo>
-                    <a:pt x="34635" y="7656"/>
-                  </a:lnTo>
-                  <a:lnTo>
-                    <a:pt x="34635" y="13062"/>
-                  </a:lnTo>
-                  <a:lnTo>
-                    <a:pt x="29978" y="15766"/>
-                  </a:lnTo>
-                  <a:lnTo>
-                    <a:pt x="25294" y="13062"/>
-                  </a:lnTo>
-                  <a:lnTo>
-                    <a:pt x="25294" y="7656"/>
-                  </a:lnTo>
-                  <a:lnTo>
-                    <a:pt x="29978" y="4979"/>
-                  </a:lnTo>
-                  <a:close/>
-                  <a:moveTo>
-                    <a:pt x="6183" y="13196"/>
-                  </a:moveTo>
-                  <a:lnTo>
-                    <a:pt x="10867" y="15899"/>
-                  </a:lnTo>
-                  <a:lnTo>
-                    <a:pt x="10867" y="21306"/>
-                  </a:lnTo>
-                  <a:lnTo>
-                    <a:pt x="6183" y="23983"/>
-                  </a:lnTo>
-                  <a:lnTo>
-                    <a:pt x="1526" y="21306"/>
-                  </a:lnTo>
-                  <a:lnTo>
-                    <a:pt x="1526" y="15899"/>
-                  </a:lnTo>
-                  <a:lnTo>
-                    <a:pt x="6183" y="13196"/>
-                  </a:lnTo>
-                  <a:close/>
-                  <a:moveTo>
-                    <a:pt x="15712" y="13196"/>
-                  </a:moveTo>
-                  <a:lnTo>
-                    <a:pt x="20369" y="15899"/>
-                  </a:lnTo>
-                  <a:lnTo>
-                    <a:pt x="20369" y="21306"/>
-                  </a:lnTo>
-                  <a:lnTo>
-                    <a:pt x="15712" y="23983"/>
-                  </a:lnTo>
-                  <a:lnTo>
-                    <a:pt x="11028" y="21306"/>
-                  </a:lnTo>
-                  <a:lnTo>
-                    <a:pt x="11028" y="15899"/>
-                  </a:lnTo>
-                  <a:lnTo>
-                    <a:pt x="15712" y="13196"/>
-                  </a:lnTo>
-                  <a:close/>
-                  <a:moveTo>
-                    <a:pt x="25213" y="13196"/>
-                  </a:moveTo>
-                  <a:lnTo>
-                    <a:pt x="29871" y="15899"/>
-                  </a:lnTo>
-                  <a:lnTo>
-                    <a:pt x="29871" y="21306"/>
-                  </a:lnTo>
-                  <a:lnTo>
-                    <a:pt x="25213" y="23983"/>
-                  </a:lnTo>
-                  <a:lnTo>
-                    <a:pt x="20529" y="21306"/>
-                  </a:lnTo>
-                  <a:lnTo>
-                    <a:pt x="20529" y="15899"/>
-                  </a:lnTo>
-                  <a:lnTo>
-                    <a:pt x="25213" y="13196"/>
-                  </a:lnTo>
-                  <a:close/>
-                  <a:moveTo>
-                    <a:pt x="34715" y="13196"/>
-                  </a:moveTo>
-                  <a:lnTo>
-                    <a:pt x="39399" y="15899"/>
-                  </a:lnTo>
-                  <a:lnTo>
-                    <a:pt x="39399" y="21306"/>
-                  </a:lnTo>
-                  <a:lnTo>
-                    <a:pt x="34715" y="23983"/>
-                  </a:lnTo>
-                  <a:lnTo>
-                    <a:pt x="30058" y="21306"/>
-                  </a:lnTo>
-                  <a:lnTo>
-                    <a:pt x="30058" y="15899"/>
-                  </a:lnTo>
-                  <a:lnTo>
-                    <a:pt x="34715" y="13196"/>
-                  </a:lnTo>
-                  <a:close/>
-                  <a:moveTo>
-                    <a:pt x="10947" y="21440"/>
-                  </a:moveTo>
-                  <a:lnTo>
-                    <a:pt x="15605" y="24143"/>
-                  </a:lnTo>
-                  <a:lnTo>
-                    <a:pt x="15605" y="29523"/>
-                  </a:lnTo>
-                  <a:lnTo>
-                    <a:pt x="10947" y="32226"/>
-                  </a:lnTo>
-                  <a:lnTo>
-                    <a:pt x="6263" y="29523"/>
-                  </a:lnTo>
-                  <a:lnTo>
-                    <a:pt x="6263" y="24143"/>
-                  </a:lnTo>
-                  <a:lnTo>
-                    <a:pt x="10947" y="21440"/>
-                  </a:lnTo>
-                  <a:close/>
-                  <a:moveTo>
-                    <a:pt x="20449" y="21440"/>
-                  </a:moveTo>
-                  <a:lnTo>
-                    <a:pt x="25133" y="24143"/>
-                  </a:lnTo>
-                  <a:lnTo>
-                    <a:pt x="25133" y="29523"/>
-                  </a:lnTo>
-                  <a:lnTo>
-                    <a:pt x="20449" y="32226"/>
-                  </a:lnTo>
-                  <a:lnTo>
-                    <a:pt x="15792" y="29523"/>
-                  </a:lnTo>
-                  <a:lnTo>
-                    <a:pt x="15792" y="24143"/>
-                  </a:lnTo>
-                  <a:lnTo>
-                    <a:pt x="20449" y="21440"/>
-                  </a:lnTo>
-                  <a:close/>
-                  <a:moveTo>
-                    <a:pt x="29978" y="21440"/>
-                  </a:moveTo>
-                  <a:lnTo>
-                    <a:pt x="34635" y="24143"/>
-                  </a:lnTo>
-                  <a:lnTo>
-                    <a:pt x="34635" y="29523"/>
-                  </a:lnTo>
-                  <a:lnTo>
-                    <a:pt x="29978" y="32226"/>
-                  </a:lnTo>
-                  <a:lnTo>
-                    <a:pt x="25294" y="29523"/>
-                  </a:lnTo>
-                  <a:lnTo>
-                    <a:pt x="25294" y="24143"/>
-                  </a:lnTo>
-                  <a:lnTo>
-                    <a:pt x="29978" y="21440"/>
-                  </a:lnTo>
-                  <a:close/>
-                  <a:moveTo>
-                    <a:pt x="39480" y="21440"/>
-                  </a:moveTo>
-                  <a:lnTo>
-                    <a:pt x="44137" y="24143"/>
-                  </a:lnTo>
-                  <a:lnTo>
-                    <a:pt x="44137" y="29523"/>
-                  </a:lnTo>
-                  <a:lnTo>
-                    <a:pt x="39480" y="32226"/>
-                  </a:lnTo>
-                  <a:lnTo>
-                    <a:pt x="34796" y="29523"/>
-                  </a:lnTo>
-                  <a:lnTo>
-                    <a:pt x="34796" y="24143"/>
-                  </a:lnTo>
-                  <a:lnTo>
-                    <a:pt x="39480" y="21440"/>
-                  </a:lnTo>
-                  <a:close/>
-                  <a:moveTo>
-                    <a:pt x="15712" y="29684"/>
-                  </a:moveTo>
-                  <a:lnTo>
-                    <a:pt x="20369" y="32387"/>
-                  </a:lnTo>
-                  <a:lnTo>
-                    <a:pt x="20369" y="37767"/>
-                  </a:lnTo>
-                  <a:lnTo>
-                    <a:pt x="15712" y="40470"/>
-                  </a:lnTo>
-                  <a:lnTo>
-                    <a:pt x="11028" y="37767"/>
-                  </a:lnTo>
-                  <a:lnTo>
-                    <a:pt x="11028" y="32387"/>
-                  </a:lnTo>
-                  <a:lnTo>
-                    <a:pt x="15712" y="29684"/>
-                  </a:lnTo>
-                  <a:close/>
-                  <a:moveTo>
-                    <a:pt x="25213" y="29684"/>
-                  </a:moveTo>
-                  <a:lnTo>
-                    <a:pt x="29871" y="32387"/>
-                  </a:lnTo>
-                  <a:lnTo>
-                    <a:pt x="29871" y="37767"/>
-                  </a:lnTo>
-                  <a:lnTo>
-                    <a:pt x="25213" y="40470"/>
-                  </a:lnTo>
-                  <a:lnTo>
-                    <a:pt x="20529" y="37767"/>
-                  </a:lnTo>
-                  <a:lnTo>
-                    <a:pt x="20529" y="32387"/>
-                  </a:lnTo>
-                  <a:lnTo>
-                    <a:pt x="25213" y="29684"/>
-                  </a:lnTo>
-                  <a:close/>
-                  <a:moveTo>
-                    <a:pt x="34715" y="29684"/>
-                  </a:moveTo>
-                  <a:lnTo>
-                    <a:pt x="39399" y="32387"/>
-                  </a:lnTo>
-                  <a:lnTo>
-                    <a:pt x="39399" y="37767"/>
-                  </a:lnTo>
-                  <a:lnTo>
-                    <a:pt x="34715" y="40470"/>
-                  </a:lnTo>
-                  <a:lnTo>
-                    <a:pt x="30058" y="37767"/>
-                  </a:lnTo>
-                  <a:lnTo>
-                    <a:pt x="30058" y="32387"/>
-                  </a:lnTo>
-                  <a:lnTo>
-                    <a:pt x="34715" y="29684"/>
-                  </a:lnTo>
-                  <a:close/>
-                  <a:moveTo>
-                    <a:pt x="20369" y="1"/>
-                  </a:moveTo>
-                  <a:lnTo>
-                    <a:pt x="20369" y="4818"/>
-                  </a:lnTo>
-                  <a:lnTo>
-                    <a:pt x="15712" y="7522"/>
-                  </a:lnTo>
-                  <a:lnTo>
-                    <a:pt x="11028" y="4818"/>
-                  </a:lnTo>
-                  <a:lnTo>
-                    <a:pt x="11028" y="3159"/>
-                  </a:lnTo>
-                  <a:cubicBezTo>
-                    <a:pt x="10974" y="3186"/>
-                    <a:pt x="10921" y="3239"/>
-                    <a:pt x="10867" y="3266"/>
-                  </a:cubicBezTo>
-                  <a:lnTo>
-                    <a:pt x="10867" y="4818"/>
-                  </a:lnTo>
-                  <a:lnTo>
-                    <a:pt x="6183" y="7522"/>
-                  </a:lnTo>
-                  <a:lnTo>
-                    <a:pt x="5915" y="7361"/>
-                  </a:lnTo>
-                  <a:cubicBezTo>
-                    <a:pt x="5889" y="7415"/>
-                    <a:pt x="5835" y="7442"/>
-                    <a:pt x="5808" y="7495"/>
-                  </a:cubicBezTo>
-                  <a:lnTo>
-                    <a:pt x="6103" y="7656"/>
-                  </a:lnTo>
-                  <a:lnTo>
-                    <a:pt x="6103" y="13062"/>
-                  </a:lnTo>
-                  <a:lnTo>
-                    <a:pt x="1419" y="15766"/>
-                  </a:lnTo>
-                  <a:lnTo>
-                    <a:pt x="1124" y="15578"/>
-                  </a:lnTo>
-                  <a:cubicBezTo>
-                    <a:pt x="1124" y="15632"/>
-                    <a:pt x="1098" y="15685"/>
-                    <a:pt x="1071" y="15739"/>
-                  </a:cubicBezTo>
-                  <a:lnTo>
-                    <a:pt x="1338" y="15899"/>
-                  </a:lnTo>
-                  <a:lnTo>
-                    <a:pt x="1338" y="21306"/>
-                  </a:lnTo>
-                  <a:lnTo>
-                    <a:pt x="0" y="22082"/>
-                  </a:lnTo>
-                  <a:cubicBezTo>
-                    <a:pt x="0" y="22136"/>
-                    <a:pt x="0" y="22216"/>
-                    <a:pt x="0" y="22270"/>
-                  </a:cubicBezTo>
-                  <a:lnTo>
-                    <a:pt x="1419" y="21440"/>
-                  </a:lnTo>
-                  <a:lnTo>
-                    <a:pt x="6103" y="24143"/>
-                  </a:lnTo>
-                  <a:lnTo>
-                    <a:pt x="6103" y="29523"/>
-                  </a:lnTo>
-                  <a:lnTo>
-                    <a:pt x="1927" y="31932"/>
-                  </a:lnTo>
-                  <a:cubicBezTo>
-                    <a:pt x="1954" y="31986"/>
-                    <a:pt x="1981" y="32039"/>
-                    <a:pt x="2008" y="32093"/>
-                  </a:cubicBezTo>
-                  <a:lnTo>
-                    <a:pt x="6183" y="29684"/>
-                  </a:lnTo>
-                  <a:lnTo>
-                    <a:pt x="10867" y="32387"/>
-                  </a:lnTo>
-                  <a:lnTo>
-                    <a:pt x="10867" y="37767"/>
-                  </a:lnTo>
-                  <a:lnTo>
-                    <a:pt x="7548" y="39694"/>
-                  </a:lnTo>
-                  <a:cubicBezTo>
-                    <a:pt x="7575" y="39721"/>
-                    <a:pt x="7628" y="39774"/>
-                    <a:pt x="7682" y="39801"/>
-                  </a:cubicBezTo>
-                  <a:lnTo>
-                    <a:pt x="10947" y="37928"/>
-                  </a:lnTo>
-                  <a:lnTo>
-                    <a:pt x="15605" y="40631"/>
-                  </a:lnTo>
-                  <a:lnTo>
-                    <a:pt x="15605" y="44405"/>
-                  </a:lnTo>
-                  <a:cubicBezTo>
-                    <a:pt x="15658" y="44405"/>
-                    <a:pt x="15738" y="44432"/>
-                    <a:pt x="15792" y="44458"/>
-                  </a:cubicBezTo>
-                  <a:lnTo>
-                    <a:pt x="15792" y="40631"/>
-                  </a:lnTo>
-                  <a:lnTo>
-                    <a:pt x="20449" y="37928"/>
-                  </a:lnTo>
-                  <a:lnTo>
-                    <a:pt x="25133" y="40631"/>
-                  </a:lnTo>
-                  <a:lnTo>
-                    <a:pt x="25133" y="45449"/>
-                  </a:lnTo>
-                  <a:cubicBezTo>
-                    <a:pt x="25187" y="45449"/>
-                    <a:pt x="25240" y="45449"/>
-                    <a:pt x="25294" y="45422"/>
-                  </a:cubicBezTo>
-                  <a:lnTo>
-                    <a:pt x="25294" y="40631"/>
-                  </a:lnTo>
-                  <a:lnTo>
-                    <a:pt x="29978" y="37928"/>
-                  </a:lnTo>
-                  <a:lnTo>
-                    <a:pt x="34635" y="40631"/>
-                  </a:lnTo>
-                  <a:lnTo>
-                    <a:pt x="34635" y="42290"/>
-                  </a:lnTo>
-                  <a:cubicBezTo>
-                    <a:pt x="34688" y="42237"/>
-                    <a:pt x="34742" y="42210"/>
-                    <a:pt x="34796" y="42183"/>
-                  </a:cubicBezTo>
-                  <a:lnTo>
-                    <a:pt x="34796" y="40631"/>
-                  </a:lnTo>
-                  <a:lnTo>
-                    <a:pt x="39480" y="37928"/>
-                  </a:lnTo>
-                  <a:lnTo>
-                    <a:pt x="39747" y="38088"/>
-                  </a:lnTo>
-                  <a:cubicBezTo>
-                    <a:pt x="39774" y="38035"/>
-                    <a:pt x="39827" y="37981"/>
-                    <a:pt x="39854" y="37954"/>
-                  </a:cubicBezTo>
-                  <a:lnTo>
-                    <a:pt x="39560" y="37767"/>
-                  </a:lnTo>
-                  <a:lnTo>
-                    <a:pt x="39560" y="32387"/>
-                  </a:lnTo>
-                  <a:lnTo>
-                    <a:pt x="44244" y="29684"/>
-                  </a:lnTo>
-                  <a:lnTo>
-                    <a:pt x="44538" y="29871"/>
-                  </a:lnTo>
-                  <a:cubicBezTo>
-                    <a:pt x="44565" y="29791"/>
-                    <a:pt x="44565" y="29737"/>
-                    <a:pt x="44592" y="29684"/>
-                  </a:cubicBezTo>
-                  <a:lnTo>
-                    <a:pt x="44324" y="29523"/>
-                  </a:lnTo>
-                  <a:lnTo>
-                    <a:pt x="44324" y="24143"/>
-                  </a:lnTo>
-                  <a:lnTo>
-                    <a:pt x="45662" y="23367"/>
-                  </a:lnTo>
-                  <a:cubicBezTo>
-                    <a:pt x="45662" y="23314"/>
-                    <a:pt x="45662" y="23233"/>
-                    <a:pt x="45662" y="23153"/>
-                  </a:cubicBezTo>
-                  <a:lnTo>
-                    <a:pt x="44244" y="23983"/>
-                  </a:lnTo>
-                  <a:lnTo>
-                    <a:pt x="39560" y="21306"/>
-                  </a:lnTo>
-                  <a:lnTo>
-                    <a:pt x="39560" y="15899"/>
-                  </a:lnTo>
-                  <a:lnTo>
-                    <a:pt x="43735" y="13491"/>
-                  </a:lnTo>
-                  <a:cubicBezTo>
-                    <a:pt x="43709" y="13437"/>
-                    <a:pt x="43682" y="13383"/>
-                    <a:pt x="43655" y="13330"/>
-                  </a:cubicBezTo>
-                  <a:lnTo>
-                    <a:pt x="39480" y="15766"/>
-                  </a:lnTo>
-                  <a:lnTo>
-                    <a:pt x="34796" y="13062"/>
-                  </a:lnTo>
-                  <a:lnTo>
-                    <a:pt x="34796" y="7656"/>
-                  </a:lnTo>
-                  <a:lnTo>
-                    <a:pt x="38114" y="5755"/>
-                  </a:lnTo>
-                  <a:cubicBezTo>
-                    <a:pt x="38088" y="5702"/>
-                    <a:pt x="38034" y="5675"/>
-                    <a:pt x="37981" y="5621"/>
-                  </a:cubicBezTo>
-                  <a:lnTo>
-                    <a:pt x="34715" y="7522"/>
-                  </a:lnTo>
-                  <a:lnTo>
-                    <a:pt x="30058" y="4818"/>
-                  </a:lnTo>
-                  <a:lnTo>
-                    <a:pt x="30058" y="1045"/>
-                  </a:lnTo>
-                  <a:cubicBezTo>
-                    <a:pt x="30004" y="1018"/>
-                    <a:pt x="29951" y="1018"/>
-                    <a:pt x="29871" y="991"/>
-                  </a:cubicBezTo>
-                  <a:lnTo>
-                    <a:pt x="29871" y="4818"/>
-                  </a:lnTo>
-                  <a:lnTo>
-                    <a:pt x="25213" y="7522"/>
-                  </a:lnTo>
-                  <a:lnTo>
-                    <a:pt x="20529" y="4818"/>
-                  </a:lnTo>
-                  <a:lnTo>
-                    <a:pt x="20529" y="1"/>
-                  </a:lnTo>
-                  <a:close/>
-                </a:path>
-              </a:pathLst>
-            </a:custGeom>
-            <a:solidFill>
-              <a:schemeClr val="accent2"/>
-            </a:solidFill>
-            <a:ln>
-              <a:noFill/>
-            </a:ln>
-          </p:spPr>
-          <p:txBody>
-            <a:bodyPr spcFirstLastPara="1" wrap="square" lIns="91425" tIns="91425" rIns="91425" bIns="91425" anchor="ctr" anchorCtr="0">
-              <a:noAutofit/>
-            </a:bodyPr>
-            <a:lstStyle/>
-            <a:p>
-              <a:pPr marL="0" lvl="0" indent="0" algn="l" rtl="0">
-                <a:spcBef>
-                  <a:spcPts val="0"/>
-                </a:spcBef>
-                <a:spcAft>
-                  <a:spcPts val="0"/>
-                </a:spcAft>
-                <a:buNone/>
-              </a:pPr>
-              <a:endParaRPr/>
-            </a:p>
-          </p:txBody>
-        </p:sp>
-        <p:sp>
-          <p:nvSpPr>
-            <p:cNvPr id="1193" name="Google Shape;1193;p48"/>
-            <p:cNvSpPr/>
-            <p:nvPr/>
-          </p:nvSpPr>
-          <p:spPr>
-            <a:xfrm>
-              <a:off x="7236329" y="1587480"/>
-              <a:ext cx="12035" cy="9350"/>
-            </a:xfrm>
-            <a:custGeom>
-              <a:avLst/>
-              <a:gdLst/>
-              <a:ahLst/>
-              <a:cxnLst/>
-              <a:rect l="l" t="t" r="r" b="b"/>
-              <a:pathLst>
-                <a:path w="242" h="188" extrusionOk="0">
-                  <a:moveTo>
-                    <a:pt x="161" y="0"/>
-                  </a:moveTo>
-                  <a:cubicBezTo>
-                    <a:pt x="108" y="27"/>
-                    <a:pt x="54" y="81"/>
-                    <a:pt x="1" y="107"/>
-                  </a:cubicBezTo>
-                  <a:lnTo>
-                    <a:pt x="161" y="188"/>
-                  </a:lnTo>
-                  <a:lnTo>
-                    <a:pt x="242" y="54"/>
-                  </a:lnTo>
-                  <a:lnTo>
-                    <a:pt x="161" y="0"/>
-                  </a:lnTo>
-                  <a:close/>
-                </a:path>
-              </a:pathLst>
-            </a:custGeom>
-            <a:solidFill>
-              <a:schemeClr val="accent2"/>
-            </a:solidFill>
-            <a:ln>
-              <a:noFill/>
-            </a:ln>
-          </p:spPr>
-          <p:txBody>
-            <a:bodyPr spcFirstLastPara="1" wrap="square" lIns="91425" tIns="91425" rIns="91425" bIns="91425" anchor="ctr" anchorCtr="0">
-              <a:noAutofit/>
-            </a:bodyPr>
-            <a:lstStyle/>
-            <a:p>
-              <a:pPr marL="0" lvl="0" indent="0" algn="l" rtl="0">
-                <a:spcBef>
-                  <a:spcPts val="0"/>
-                </a:spcBef>
-                <a:spcAft>
-                  <a:spcPts val="0"/>
-                </a:spcAft>
-                <a:buNone/>
-              </a:pPr>
-              <a:endParaRPr/>
-            </a:p>
-          </p:txBody>
-        </p:sp>
-        <p:sp>
-          <p:nvSpPr>
-            <p:cNvPr id="1194" name="Google Shape;1194;p48"/>
-            <p:cNvSpPr/>
-            <p:nvPr/>
-          </p:nvSpPr>
-          <p:spPr>
-            <a:xfrm>
-              <a:off x="7364144" y="1394464"/>
-              <a:ext cx="356781" cy="300882"/>
-            </a:xfrm>
-            <a:custGeom>
-              <a:avLst/>
-              <a:gdLst/>
-              <a:ahLst/>
-              <a:cxnLst/>
-              <a:rect l="l" t="t" r="r" b="b"/>
-              <a:pathLst>
-                <a:path w="7174" h="6050" extrusionOk="0">
-                  <a:moveTo>
-                    <a:pt x="7173" y="0"/>
-                  </a:moveTo>
-                  <a:lnTo>
-                    <a:pt x="7173" y="0"/>
-                  </a:lnTo>
-                  <a:cubicBezTo>
-                    <a:pt x="7013" y="27"/>
-                    <a:pt x="6852" y="54"/>
-                    <a:pt x="6692" y="81"/>
-                  </a:cubicBezTo>
-                  <a:lnTo>
-                    <a:pt x="3667" y="1794"/>
-                  </a:lnTo>
-                  <a:lnTo>
-                    <a:pt x="3667" y="830"/>
-                  </a:lnTo>
-                  <a:cubicBezTo>
-                    <a:pt x="3614" y="857"/>
-                    <a:pt x="3560" y="857"/>
-                    <a:pt x="3507" y="884"/>
-                  </a:cubicBezTo>
-                  <a:lnTo>
-                    <a:pt x="3507" y="1794"/>
-                  </a:lnTo>
-                  <a:lnTo>
-                    <a:pt x="2516" y="1231"/>
-                  </a:lnTo>
-                  <a:cubicBezTo>
-                    <a:pt x="2463" y="1258"/>
-                    <a:pt x="2382" y="1285"/>
-                    <a:pt x="2329" y="1312"/>
-                  </a:cubicBezTo>
-                  <a:lnTo>
-                    <a:pt x="3426" y="1954"/>
-                  </a:lnTo>
-                  <a:lnTo>
-                    <a:pt x="0" y="3935"/>
-                  </a:lnTo>
-                  <a:lnTo>
-                    <a:pt x="81" y="4069"/>
-                  </a:lnTo>
-                  <a:lnTo>
-                    <a:pt x="3507" y="2115"/>
-                  </a:lnTo>
-                  <a:lnTo>
-                    <a:pt x="3507" y="6049"/>
-                  </a:lnTo>
-                  <a:lnTo>
-                    <a:pt x="3667" y="6049"/>
-                  </a:lnTo>
-                  <a:lnTo>
-                    <a:pt x="3667" y="2115"/>
-                  </a:lnTo>
-                  <a:lnTo>
-                    <a:pt x="7093" y="4069"/>
-                  </a:lnTo>
-                  <a:lnTo>
-                    <a:pt x="7173" y="3935"/>
-                  </a:lnTo>
-                  <a:lnTo>
-                    <a:pt x="3774" y="1954"/>
-                  </a:lnTo>
-                  <a:lnTo>
-                    <a:pt x="7173" y="0"/>
-                  </a:lnTo>
-                  <a:close/>
-                </a:path>
-              </a:pathLst>
-            </a:custGeom>
-            <a:solidFill>
-              <a:schemeClr val="accent2"/>
-            </a:solidFill>
-            <a:ln>
-              <a:noFill/>
-            </a:ln>
-          </p:spPr>
-          <p:txBody>
-            <a:bodyPr spcFirstLastPara="1" wrap="square" lIns="91425" tIns="91425" rIns="91425" bIns="91425" anchor="ctr" anchorCtr="0">
-              <a:noAutofit/>
-            </a:bodyPr>
-            <a:lstStyle/>
-            <a:p>
-              <a:pPr marL="0" lvl="0" indent="0" algn="l" rtl="0">
-                <a:spcBef>
-                  <a:spcPts val="0"/>
-                </a:spcBef>
-                <a:spcAft>
-                  <a:spcPts val="0"/>
-                </a:spcAft>
-                <a:buNone/>
-              </a:pPr>
-              <a:endParaRPr/>
-            </a:p>
-          </p:txBody>
-        </p:sp>
-        <p:sp>
-          <p:nvSpPr>
-            <p:cNvPr id="1195" name="Google Shape;1195;p48"/>
-            <p:cNvSpPr/>
-            <p:nvPr/>
-          </p:nvSpPr>
-          <p:spPr>
-            <a:xfrm>
-              <a:off x="7836713" y="1386456"/>
-              <a:ext cx="358124" cy="308889"/>
-            </a:xfrm>
-            <a:custGeom>
-              <a:avLst/>
-              <a:gdLst/>
-              <a:ahLst/>
-              <a:cxnLst/>
-              <a:rect l="l" t="t" r="r" b="b"/>
-              <a:pathLst>
-                <a:path w="7201" h="6211" extrusionOk="0">
-                  <a:moveTo>
-                    <a:pt x="107" y="1"/>
-                  </a:moveTo>
-                  <a:lnTo>
-                    <a:pt x="0" y="134"/>
-                  </a:lnTo>
-                  <a:lnTo>
-                    <a:pt x="3426" y="2115"/>
-                  </a:lnTo>
-                  <a:lnTo>
-                    <a:pt x="0" y="4096"/>
-                  </a:lnTo>
-                  <a:lnTo>
-                    <a:pt x="107" y="4230"/>
-                  </a:lnTo>
-                  <a:lnTo>
-                    <a:pt x="3506" y="2276"/>
-                  </a:lnTo>
-                  <a:lnTo>
-                    <a:pt x="3506" y="6210"/>
-                  </a:lnTo>
-                  <a:lnTo>
-                    <a:pt x="3694" y="6210"/>
-                  </a:lnTo>
-                  <a:lnTo>
-                    <a:pt x="3694" y="2276"/>
-                  </a:lnTo>
-                  <a:lnTo>
-                    <a:pt x="7093" y="4230"/>
-                  </a:lnTo>
-                  <a:lnTo>
-                    <a:pt x="7200" y="4096"/>
-                  </a:lnTo>
-                  <a:lnTo>
-                    <a:pt x="3774" y="2115"/>
-                  </a:lnTo>
-                  <a:lnTo>
-                    <a:pt x="6558" y="509"/>
-                  </a:lnTo>
-                  <a:cubicBezTo>
-                    <a:pt x="6477" y="482"/>
-                    <a:pt x="6397" y="456"/>
-                    <a:pt x="6317" y="456"/>
-                  </a:cubicBezTo>
-                  <a:lnTo>
-                    <a:pt x="3694" y="1955"/>
-                  </a:lnTo>
-                  <a:lnTo>
-                    <a:pt x="3694" y="1"/>
-                  </a:lnTo>
-                  <a:lnTo>
-                    <a:pt x="3506" y="1"/>
-                  </a:lnTo>
-                  <a:lnTo>
-                    <a:pt x="3506" y="1955"/>
-                  </a:lnTo>
-                  <a:lnTo>
-                    <a:pt x="107" y="1"/>
-                  </a:lnTo>
-                  <a:close/>
-                </a:path>
-              </a:pathLst>
-            </a:custGeom>
-            <a:solidFill>
-              <a:schemeClr val="accent2"/>
-            </a:solidFill>
-            <a:ln>
-              <a:noFill/>
-            </a:ln>
-          </p:spPr>
-          <p:txBody>
-            <a:bodyPr spcFirstLastPara="1" wrap="square" lIns="91425" tIns="91425" rIns="91425" bIns="91425" anchor="ctr" anchorCtr="0">
-              <a:noAutofit/>
-            </a:bodyPr>
-            <a:lstStyle/>
-            <a:p>
-              <a:pPr marL="0" lvl="0" indent="0" algn="l" rtl="0">
-                <a:spcBef>
-                  <a:spcPts val="0"/>
-                </a:spcBef>
-                <a:spcAft>
-                  <a:spcPts val="0"/>
-                </a:spcAft>
-                <a:buNone/>
-              </a:pPr>
-              <a:endParaRPr/>
-            </a:p>
-          </p:txBody>
-        </p:sp>
-        <p:sp>
-          <p:nvSpPr>
-            <p:cNvPr id="1196" name="Google Shape;1196;p48"/>
-            <p:cNvSpPr/>
-            <p:nvPr/>
-          </p:nvSpPr>
-          <p:spPr>
-            <a:xfrm>
-              <a:off x="8310574" y="1516908"/>
-              <a:ext cx="135819" cy="79920"/>
-            </a:xfrm>
-            <a:custGeom>
-              <a:avLst/>
-              <a:gdLst/>
-              <a:ahLst/>
-              <a:cxnLst/>
-              <a:rect l="l" t="t" r="r" b="b"/>
-              <a:pathLst>
-                <a:path w="2731" h="1607" extrusionOk="0">
-                  <a:moveTo>
-                    <a:pt x="2543" y="1"/>
-                  </a:moveTo>
-                  <a:lnTo>
-                    <a:pt x="1" y="1473"/>
-                  </a:lnTo>
-                  <a:lnTo>
-                    <a:pt x="81" y="1607"/>
-                  </a:lnTo>
-                  <a:lnTo>
-                    <a:pt x="2731" y="81"/>
-                  </a:lnTo>
-                  <a:cubicBezTo>
-                    <a:pt x="2677" y="54"/>
-                    <a:pt x="2597" y="27"/>
-                    <a:pt x="2543" y="1"/>
-                  </a:cubicBezTo>
-                  <a:close/>
-                </a:path>
-              </a:pathLst>
-            </a:custGeom>
-            <a:solidFill>
-              <a:schemeClr val="accent2"/>
-            </a:solidFill>
-            <a:ln>
-              <a:noFill/>
-            </a:ln>
-          </p:spPr>
-          <p:txBody>
-            <a:bodyPr spcFirstLastPara="1" wrap="square" lIns="91425" tIns="91425" rIns="91425" bIns="91425" anchor="ctr" anchorCtr="0">
-              <a:noAutofit/>
-            </a:bodyPr>
-            <a:lstStyle/>
-            <a:p>
-              <a:pPr marL="0" lvl="0" indent="0" algn="l" rtl="0">
-                <a:spcBef>
-                  <a:spcPts val="0"/>
-                </a:spcBef>
-                <a:spcAft>
-                  <a:spcPts val="0"/>
-                </a:spcAft>
-                <a:buNone/>
-              </a:pPr>
-              <a:endParaRPr/>
-            </a:p>
-          </p:txBody>
-        </p:sp>
-        <p:sp>
-          <p:nvSpPr>
-            <p:cNvPr id="1197" name="Google Shape;1197;p48"/>
-            <p:cNvSpPr/>
-            <p:nvPr/>
-          </p:nvSpPr>
-          <p:spPr>
-            <a:xfrm>
-              <a:off x="8484940" y="1543565"/>
-              <a:ext cx="8057" cy="151784"/>
-            </a:xfrm>
-            <a:custGeom>
-              <a:avLst/>
-              <a:gdLst/>
-              <a:ahLst/>
-              <a:cxnLst/>
-              <a:rect l="l" t="t" r="r" b="b"/>
-              <a:pathLst>
-                <a:path w="162" h="3052" extrusionOk="0">
-                  <a:moveTo>
-                    <a:pt x="1" y="0"/>
-                  </a:moveTo>
-                  <a:lnTo>
-                    <a:pt x="1" y="3051"/>
-                  </a:lnTo>
-                  <a:lnTo>
-                    <a:pt x="162" y="3051"/>
-                  </a:lnTo>
-                  <a:lnTo>
-                    <a:pt x="162" y="107"/>
-                  </a:lnTo>
-                  <a:cubicBezTo>
-                    <a:pt x="108" y="54"/>
-                    <a:pt x="54" y="27"/>
-                    <a:pt x="1" y="0"/>
-                  </a:cubicBezTo>
-                  <a:close/>
-                </a:path>
-              </a:pathLst>
-            </a:custGeom>
-            <a:solidFill>
-              <a:schemeClr val="accent2"/>
-            </a:solidFill>
-            <a:ln>
-              <a:noFill/>
-            </a:ln>
-          </p:spPr>
-          <p:txBody>
-            <a:bodyPr spcFirstLastPara="1" wrap="square" lIns="91425" tIns="91425" rIns="91425" bIns="91425" anchor="ctr" anchorCtr="0">
-              <a:noAutofit/>
-            </a:bodyPr>
-            <a:lstStyle/>
-            <a:p>
-              <a:pPr marL="0" lvl="0" indent="0" algn="l" rtl="0">
-                <a:spcBef>
-                  <a:spcPts val="0"/>
-                </a:spcBef>
-                <a:spcAft>
-                  <a:spcPts val="0"/>
-                </a:spcAft>
-                <a:buNone/>
-              </a:pPr>
-              <a:endParaRPr/>
-            </a:p>
-          </p:txBody>
-        </p:sp>
-        <p:sp>
-          <p:nvSpPr>
-            <p:cNvPr id="1198" name="Google Shape;1198;p48"/>
-            <p:cNvSpPr/>
-            <p:nvPr/>
-          </p:nvSpPr>
-          <p:spPr>
-            <a:xfrm>
-              <a:off x="6838311" y="2099984"/>
-              <a:ext cx="2735" cy="5371"/>
-            </a:xfrm>
-            <a:custGeom>
-              <a:avLst/>
-              <a:gdLst/>
-              <a:ahLst/>
-              <a:cxnLst/>
-              <a:rect l="l" t="t" r="r" b="b"/>
-              <a:pathLst>
-                <a:path w="55" h="108" extrusionOk="0">
-                  <a:moveTo>
-                    <a:pt x="54" y="0"/>
-                  </a:moveTo>
-                  <a:cubicBezTo>
-                    <a:pt x="28" y="27"/>
-                    <a:pt x="28" y="54"/>
-                    <a:pt x="1" y="107"/>
-                  </a:cubicBezTo>
-                  <a:lnTo>
-                    <a:pt x="54" y="107"/>
-                  </a:lnTo>
-                  <a:lnTo>
-                    <a:pt x="54" y="0"/>
-                  </a:lnTo>
-                  <a:close/>
-                </a:path>
-              </a:pathLst>
-            </a:custGeom>
-            <a:solidFill>
-              <a:schemeClr val="accent2"/>
-            </a:solidFill>
-            <a:ln>
-              <a:noFill/>
-            </a:ln>
-          </p:spPr>
-          <p:txBody>
-            <a:bodyPr spcFirstLastPara="1" wrap="square" lIns="91425" tIns="91425" rIns="91425" bIns="91425" anchor="ctr" anchorCtr="0">
-              <a:noAutofit/>
-            </a:bodyPr>
-            <a:lstStyle/>
-            <a:p>
-              <a:pPr marL="0" lvl="0" indent="0" algn="l" rtl="0">
-                <a:spcBef>
-                  <a:spcPts val="0"/>
-                </a:spcBef>
-                <a:spcAft>
-                  <a:spcPts val="0"/>
-                </a:spcAft>
-                <a:buNone/>
-              </a:pPr>
-              <a:endParaRPr/>
-            </a:p>
-          </p:txBody>
-        </p:sp>
-        <p:sp>
-          <p:nvSpPr>
-            <p:cNvPr id="1199" name="Google Shape;1199;p48"/>
-            <p:cNvSpPr/>
-            <p:nvPr/>
-          </p:nvSpPr>
-          <p:spPr>
-            <a:xfrm>
-              <a:off x="7012727" y="1801781"/>
-              <a:ext cx="2686" cy="2735"/>
-            </a:xfrm>
-            <a:custGeom>
-              <a:avLst/>
-              <a:gdLst/>
-              <a:ahLst/>
-              <a:cxnLst/>
-              <a:rect l="l" t="t" r="r" b="b"/>
-              <a:pathLst>
-                <a:path w="54" h="55" extrusionOk="0">
-                  <a:moveTo>
-                    <a:pt x="54" y="1"/>
-                  </a:moveTo>
-                  <a:cubicBezTo>
-                    <a:pt x="27" y="27"/>
-                    <a:pt x="27" y="27"/>
-                    <a:pt x="0" y="54"/>
-                  </a:cubicBezTo>
-                  <a:lnTo>
-                    <a:pt x="54" y="27"/>
-                  </a:lnTo>
-                  <a:lnTo>
-                    <a:pt x="54" y="1"/>
-                  </a:lnTo>
-                  <a:close/>
-                </a:path>
-              </a:pathLst>
-            </a:custGeom>
-            <a:solidFill>
-              <a:schemeClr val="accent2"/>
-            </a:solidFill>
-            <a:ln>
-              <a:noFill/>
-            </a:ln>
-          </p:spPr>
-          <p:txBody>
-            <a:bodyPr spcFirstLastPara="1" wrap="square" lIns="91425" tIns="91425" rIns="91425" bIns="91425" anchor="ctr" anchorCtr="0">
-              <a:noAutofit/>
-            </a:bodyPr>
-            <a:lstStyle/>
-            <a:p>
-              <a:pPr marL="0" lvl="0" indent="0" algn="l" rtl="0">
-                <a:spcBef>
-                  <a:spcPts val="0"/>
-                </a:spcBef>
-                <a:spcAft>
-                  <a:spcPts val="0"/>
-                </a:spcAft>
-                <a:buNone/>
-              </a:pPr>
-              <a:endParaRPr/>
-            </a:p>
-          </p:txBody>
-        </p:sp>
-        <p:sp>
-          <p:nvSpPr>
-            <p:cNvPr id="1200" name="Google Shape;1200;p48"/>
-            <p:cNvSpPr/>
-            <p:nvPr/>
-          </p:nvSpPr>
-          <p:spPr>
-            <a:xfrm>
-              <a:off x="6912862" y="1942876"/>
-              <a:ext cx="102548" cy="63956"/>
-            </a:xfrm>
-            <a:custGeom>
-              <a:avLst/>
-              <a:gdLst/>
-              <a:ahLst/>
-              <a:cxnLst/>
-              <a:rect l="l" t="t" r="r" b="b"/>
-              <a:pathLst>
-                <a:path w="2062" h="1286" extrusionOk="0">
-                  <a:moveTo>
-                    <a:pt x="81" y="1"/>
-                  </a:moveTo>
-                  <a:cubicBezTo>
-                    <a:pt x="54" y="54"/>
-                    <a:pt x="27" y="108"/>
-                    <a:pt x="1" y="135"/>
-                  </a:cubicBezTo>
-                  <a:lnTo>
-                    <a:pt x="1981" y="1285"/>
-                  </a:lnTo>
-                  <a:lnTo>
-                    <a:pt x="2062" y="1125"/>
-                  </a:lnTo>
-                  <a:lnTo>
-                    <a:pt x="81" y="1"/>
-                  </a:lnTo>
-                  <a:close/>
-                </a:path>
-              </a:pathLst>
-            </a:custGeom>
-            <a:solidFill>
-              <a:schemeClr val="accent2"/>
-            </a:solidFill>
-            <a:ln>
-              <a:noFill/>
-            </a:ln>
-          </p:spPr>
-          <p:txBody>
-            <a:bodyPr spcFirstLastPara="1" wrap="square" lIns="91425" tIns="91425" rIns="91425" bIns="91425" anchor="ctr" anchorCtr="0">
-              <a:noAutofit/>
-            </a:bodyPr>
-            <a:lstStyle/>
-            <a:p>
-              <a:pPr marL="0" lvl="0" indent="0" algn="l" rtl="0">
-                <a:spcBef>
-                  <a:spcPts val="0"/>
-                </a:spcBef>
-                <a:spcAft>
-                  <a:spcPts val="0"/>
-                </a:spcAft>
-                <a:buNone/>
-              </a:pPr>
-              <a:endParaRPr/>
-            </a:p>
-          </p:txBody>
-        </p:sp>
-        <p:sp>
-          <p:nvSpPr>
-            <p:cNvPr id="1201" name="Google Shape;1201;p48"/>
-            <p:cNvSpPr/>
-            <p:nvPr/>
-          </p:nvSpPr>
-          <p:spPr>
-            <a:xfrm>
-              <a:off x="7131192" y="1696645"/>
-              <a:ext cx="356781" cy="408702"/>
-            </a:xfrm>
-            <a:custGeom>
-              <a:avLst/>
-              <a:gdLst/>
-              <a:ahLst/>
-              <a:cxnLst/>
-              <a:rect l="l" t="t" r="r" b="b"/>
-              <a:pathLst>
-                <a:path w="7174" h="8218" extrusionOk="0">
-                  <a:moveTo>
-                    <a:pt x="3507" y="0"/>
-                  </a:moveTo>
-                  <a:lnTo>
-                    <a:pt x="3507" y="3961"/>
-                  </a:lnTo>
-                  <a:lnTo>
-                    <a:pt x="81" y="1981"/>
-                  </a:lnTo>
-                  <a:lnTo>
-                    <a:pt x="0" y="2141"/>
-                  </a:lnTo>
-                  <a:lnTo>
-                    <a:pt x="3426" y="4095"/>
-                  </a:lnTo>
-                  <a:lnTo>
-                    <a:pt x="0" y="6076"/>
-                  </a:lnTo>
-                  <a:lnTo>
-                    <a:pt x="81" y="6236"/>
-                  </a:lnTo>
-                  <a:lnTo>
-                    <a:pt x="3507" y="4256"/>
-                  </a:lnTo>
-                  <a:lnTo>
-                    <a:pt x="3507" y="8217"/>
-                  </a:lnTo>
-                  <a:lnTo>
-                    <a:pt x="3667" y="8217"/>
-                  </a:lnTo>
-                  <a:lnTo>
-                    <a:pt x="3667" y="4256"/>
-                  </a:lnTo>
-                  <a:lnTo>
-                    <a:pt x="7093" y="6236"/>
-                  </a:lnTo>
-                  <a:lnTo>
-                    <a:pt x="7173" y="6076"/>
-                  </a:lnTo>
-                  <a:lnTo>
-                    <a:pt x="3774" y="4095"/>
-                  </a:lnTo>
-                  <a:lnTo>
-                    <a:pt x="7173" y="2141"/>
-                  </a:lnTo>
-                  <a:lnTo>
-                    <a:pt x="7093" y="1981"/>
-                  </a:lnTo>
-                  <a:lnTo>
-                    <a:pt x="3667" y="3961"/>
-                  </a:lnTo>
-                  <a:lnTo>
-                    <a:pt x="3667" y="0"/>
-                  </a:lnTo>
-                  <a:close/>
-                </a:path>
-              </a:pathLst>
-            </a:custGeom>
-            <a:solidFill>
-              <a:schemeClr val="accent2"/>
-            </a:solidFill>
-            <a:ln>
-              <a:noFill/>
-            </a:ln>
-          </p:spPr>
-          <p:txBody>
-            <a:bodyPr spcFirstLastPara="1" wrap="square" lIns="91425" tIns="91425" rIns="91425" bIns="91425" anchor="ctr" anchorCtr="0">
-              <a:noAutofit/>
-            </a:bodyPr>
-            <a:lstStyle/>
-            <a:p>
-              <a:pPr marL="0" lvl="0" indent="0" algn="l" rtl="0">
-                <a:spcBef>
-                  <a:spcPts val="0"/>
-                </a:spcBef>
-                <a:spcAft>
-                  <a:spcPts val="0"/>
-                </a:spcAft>
-                <a:buNone/>
-              </a:pPr>
-              <a:endParaRPr/>
-            </a:p>
-          </p:txBody>
-        </p:sp>
-        <p:sp>
-          <p:nvSpPr>
-            <p:cNvPr id="1202" name="Google Shape;1202;p48"/>
-            <p:cNvSpPr/>
-            <p:nvPr/>
-          </p:nvSpPr>
-          <p:spPr>
-            <a:xfrm>
-              <a:off x="7603761" y="1696645"/>
-              <a:ext cx="358124" cy="407359"/>
-            </a:xfrm>
-            <a:custGeom>
-              <a:avLst/>
-              <a:gdLst/>
-              <a:ahLst/>
-              <a:cxnLst/>
-              <a:rect l="l" t="t" r="r" b="b"/>
-              <a:pathLst>
-                <a:path w="7201" h="8191" extrusionOk="0">
-                  <a:moveTo>
-                    <a:pt x="3506" y="0"/>
-                  </a:moveTo>
-                  <a:lnTo>
-                    <a:pt x="3506" y="3961"/>
-                  </a:lnTo>
-                  <a:lnTo>
-                    <a:pt x="80" y="1981"/>
-                  </a:lnTo>
-                  <a:lnTo>
-                    <a:pt x="0" y="2141"/>
-                  </a:lnTo>
-                  <a:lnTo>
-                    <a:pt x="3426" y="4095"/>
-                  </a:lnTo>
-                  <a:lnTo>
-                    <a:pt x="0" y="6076"/>
-                  </a:lnTo>
-                  <a:lnTo>
-                    <a:pt x="80" y="6236"/>
-                  </a:lnTo>
-                  <a:lnTo>
-                    <a:pt x="3506" y="4256"/>
-                  </a:lnTo>
-                  <a:lnTo>
-                    <a:pt x="3506" y="8190"/>
-                  </a:lnTo>
-                  <a:lnTo>
-                    <a:pt x="3694" y="8190"/>
-                  </a:lnTo>
-                  <a:lnTo>
-                    <a:pt x="3694" y="4256"/>
-                  </a:lnTo>
-                  <a:lnTo>
-                    <a:pt x="7093" y="6236"/>
-                  </a:lnTo>
-                  <a:lnTo>
-                    <a:pt x="7200" y="6076"/>
-                  </a:lnTo>
-                  <a:lnTo>
-                    <a:pt x="3774" y="4095"/>
-                  </a:lnTo>
-                  <a:lnTo>
-                    <a:pt x="7200" y="2141"/>
-                  </a:lnTo>
-                  <a:lnTo>
-                    <a:pt x="7093" y="1981"/>
-                  </a:lnTo>
-                  <a:lnTo>
-                    <a:pt x="3694" y="3961"/>
-                  </a:lnTo>
-                  <a:lnTo>
-                    <a:pt x="3694" y="0"/>
-                  </a:lnTo>
-                  <a:close/>
-                </a:path>
-              </a:pathLst>
-            </a:custGeom>
-            <a:solidFill>
-              <a:schemeClr val="accent2"/>
-            </a:solidFill>
-            <a:ln>
-              <a:noFill/>
-            </a:ln>
-          </p:spPr>
-          <p:txBody>
-            <a:bodyPr spcFirstLastPara="1" wrap="square" lIns="91425" tIns="91425" rIns="91425" bIns="91425" anchor="ctr" anchorCtr="0">
-              <a:noAutofit/>
-            </a:bodyPr>
-            <a:lstStyle/>
-            <a:p>
-              <a:pPr marL="0" lvl="0" indent="0" algn="l" rtl="0">
-                <a:spcBef>
-                  <a:spcPts val="0"/>
-                </a:spcBef>
-                <a:spcAft>
-                  <a:spcPts val="0"/>
-                </a:spcAft>
-                <a:buNone/>
-              </a:pPr>
-              <a:endParaRPr/>
-            </a:p>
-          </p:txBody>
-        </p:sp>
-        <p:sp>
-          <p:nvSpPr>
-            <p:cNvPr id="1203" name="Google Shape;1203;p48"/>
-            <p:cNvSpPr/>
-            <p:nvPr/>
-          </p:nvSpPr>
-          <p:spPr>
-            <a:xfrm>
-              <a:off x="8077622" y="1696645"/>
-              <a:ext cx="356781" cy="407359"/>
-            </a:xfrm>
-            <a:custGeom>
-              <a:avLst/>
-              <a:gdLst/>
-              <a:ahLst/>
-              <a:cxnLst/>
-              <a:rect l="l" t="t" r="r" b="b"/>
-              <a:pathLst>
-                <a:path w="7174" h="8191" extrusionOk="0">
-                  <a:moveTo>
-                    <a:pt x="3507" y="0"/>
-                  </a:moveTo>
-                  <a:lnTo>
-                    <a:pt x="3480" y="3961"/>
-                  </a:lnTo>
-                  <a:lnTo>
-                    <a:pt x="81" y="1981"/>
-                  </a:lnTo>
-                  <a:lnTo>
-                    <a:pt x="1" y="2141"/>
-                  </a:lnTo>
-                  <a:lnTo>
-                    <a:pt x="3400" y="4095"/>
-                  </a:lnTo>
-                  <a:lnTo>
-                    <a:pt x="1" y="6076"/>
-                  </a:lnTo>
-                  <a:lnTo>
-                    <a:pt x="81" y="6236"/>
-                  </a:lnTo>
-                  <a:lnTo>
-                    <a:pt x="3480" y="4256"/>
-                  </a:lnTo>
-                  <a:lnTo>
-                    <a:pt x="3480" y="8190"/>
-                  </a:lnTo>
-                  <a:lnTo>
-                    <a:pt x="3668" y="8190"/>
-                  </a:lnTo>
-                  <a:lnTo>
-                    <a:pt x="3668" y="4256"/>
-                  </a:lnTo>
-                  <a:lnTo>
-                    <a:pt x="7094" y="6236"/>
-                  </a:lnTo>
-                  <a:lnTo>
-                    <a:pt x="7174" y="6076"/>
-                  </a:lnTo>
-                  <a:lnTo>
-                    <a:pt x="3748" y="4095"/>
-                  </a:lnTo>
-                  <a:lnTo>
-                    <a:pt x="7174" y="2141"/>
-                  </a:lnTo>
-                  <a:lnTo>
-                    <a:pt x="7094" y="1981"/>
-                  </a:lnTo>
-                  <a:lnTo>
-                    <a:pt x="3668" y="3961"/>
-                  </a:lnTo>
-                  <a:lnTo>
-                    <a:pt x="3668" y="0"/>
-                  </a:lnTo>
-                  <a:close/>
-                </a:path>
-              </a:pathLst>
-            </a:custGeom>
-            <a:solidFill>
-              <a:schemeClr val="accent2"/>
-            </a:solidFill>
-            <a:ln>
-              <a:noFill/>
-            </a:ln>
-          </p:spPr>
-          <p:txBody>
-            <a:bodyPr spcFirstLastPara="1" wrap="square" lIns="91425" tIns="91425" rIns="91425" bIns="91425" anchor="ctr" anchorCtr="0">
-              <a:noAutofit/>
-            </a:bodyPr>
-            <a:lstStyle/>
-            <a:p>
-              <a:pPr marL="0" lvl="0" indent="0" algn="l" rtl="0">
-                <a:spcBef>
-                  <a:spcPts val="0"/>
-                </a:spcBef>
-                <a:spcAft>
-                  <a:spcPts val="0"/>
-                </a:spcAft>
-                <a:buNone/>
-              </a:pPr>
-              <a:endParaRPr/>
-            </a:p>
-          </p:txBody>
-        </p:sp>
-        <p:sp>
-          <p:nvSpPr>
-            <p:cNvPr id="1204" name="Google Shape;1204;p48"/>
-            <p:cNvSpPr/>
-            <p:nvPr/>
-          </p:nvSpPr>
-          <p:spPr>
-            <a:xfrm>
-              <a:off x="8550190" y="1736581"/>
-              <a:ext cx="356781" cy="367424"/>
-            </a:xfrm>
-            <a:custGeom>
-              <a:avLst/>
-              <a:gdLst/>
-              <a:ahLst/>
-              <a:cxnLst/>
-              <a:rect l="l" t="t" r="r" b="b"/>
-              <a:pathLst>
-                <a:path w="7174" h="7388" extrusionOk="0">
-                  <a:moveTo>
-                    <a:pt x="3507" y="0"/>
-                  </a:moveTo>
-                  <a:lnTo>
-                    <a:pt x="3507" y="3158"/>
-                  </a:lnTo>
-                  <a:lnTo>
-                    <a:pt x="81" y="1178"/>
-                  </a:lnTo>
-                  <a:lnTo>
-                    <a:pt x="0" y="1312"/>
-                  </a:lnTo>
-                  <a:lnTo>
-                    <a:pt x="3426" y="3292"/>
-                  </a:lnTo>
-                  <a:lnTo>
-                    <a:pt x="0" y="5273"/>
-                  </a:lnTo>
-                  <a:lnTo>
-                    <a:pt x="81" y="5433"/>
-                  </a:lnTo>
-                  <a:lnTo>
-                    <a:pt x="3507" y="3453"/>
-                  </a:lnTo>
-                  <a:lnTo>
-                    <a:pt x="3507" y="7387"/>
-                  </a:lnTo>
-                  <a:lnTo>
-                    <a:pt x="3667" y="7387"/>
-                  </a:lnTo>
-                  <a:lnTo>
-                    <a:pt x="3667" y="3453"/>
-                  </a:lnTo>
-                  <a:lnTo>
-                    <a:pt x="7093" y="5407"/>
-                  </a:lnTo>
-                  <a:lnTo>
-                    <a:pt x="7174" y="5273"/>
-                  </a:lnTo>
-                  <a:lnTo>
-                    <a:pt x="3748" y="3292"/>
-                  </a:lnTo>
-                  <a:lnTo>
-                    <a:pt x="5434" y="2329"/>
-                  </a:lnTo>
-                  <a:cubicBezTo>
-                    <a:pt x="5380" y="2302"/>
-                    <a:pt x="5354" y="2248"/>
-                    <a:pt x="5327" y="2195"/>
-                  </a:cubicBezTo>
-                  <a:lnTo>
-                    <a:pt x="3667" y="3158"/>
-                  </a:lnTo>
-                  <a:lnTo>
-                    <a:pt x="3667" y="187"/>
-                  </a:lnTo>
-                  <a:cubicBezTo>
-                    <a:pt x="3614" y="134"/>
-                    <a:pt x="3560" y="80"/>
-                    <a:pt x="3507" y="0"/>
-                  </a:cubicBezTo>
-                  <a:close/>
-                </a:path>
-              </a:pathLst>
-            </a:custGeom>
-            <a:solidFill>
-              <a:schemeClr val="accent2"/>
-            </a:solidFill>
-            <a:ln>
-              <a:noFill/>
-            </a:ln>
-          </p:spPr>
-          <p:txBody>
-            <a:bodyPr spcFirstLastPara="1" wrap="square" lIns="91425" tIns="91425" rIns="91425" bIns="91425" anchor="ctr" anchorCtr="0">
-              <a:noAutofit/>
-            </a:bodyPr>
-            <a:lstStyle/>
-            <a:p>
-              <a:pPr marL="0" lvl="0" indent="0" algn="l" rtl="0">
-                <a:spcBef>
-                  <a:spcPts val="0"/>
-                </a:spcBef>
-                <a:spcAft>
-                  <a:spcPts val="0"/>
-                </a:spcAft>
-                <a:buNone/>
-              </a:pPr>
-              <a:endParaRPr/>
-            </a:p>
-          </p:txBody>
-        </p:sp>
-        <p:sp>
-          <p:nvSpPr>
-            <p:cNvPr id="1205" name="Google Shape;1205;p48"/>
-            <p:cNvSpPr/>
-            <p:nvPr/>
-          </p:nvSpPr>
-          <p:spPr>
-            <a:xfrm>
-              <a:off x="6891576" y="2115948"/>
-              <a:ext cx="356781" cy="407359"/>
-            </a:xfrm>
-            <a:custGeom>
-              <a:avLst/>
-              <a:gdLst/>
-              <a:ahLst/>
-              <a:cxnLst/>
-              <a:rect l="l" t="t" r="r" b="b"/>
-              <a:pathLst>
-                <a:path w="7174" h="8191" extrusionOk="0">
-                  <a:moveTo>
-                    <a:pt x="3507" y="0"/>
-                  </a:moveTo>
-                  <a:lnTo>
-                    <a:pt x="3507" y="3935"/>
-                  </a:lnTo>
-                  <a:lnTo>
-                    <a:pt x="81" y="1981"/>
-                  </a:lnTo>
-                  <a:lnTo>
-                    <a:pt x="0" y="2115"/>
-                  </a:lnTo>
-                  <a:lnTo>
-                    <a:pt x="3426" y="4095"/>
-                  </a:lnTo>
-                  <a:lnTo>
-                    <a:pt x="0" y="6076"/>
-                  </a:lnTo>
-                  <a:lnTo>
-                    <a:pt x="81" y="6210"/>
-                  </a:lnTo>
-                  <a:lnTo>
-                    <a:pt x="3507" y="4229"/>
-                  </a:lnTo>
-                  <a:lnTo>
-                    <a:pt x="3507" y="8191"/>
-                  </a:lnTo>
-                  <a:lnTo>
-                    <a:pt x="3667" y="8191"/>
-                  </a:lnTo>
-                  <a:lnTo>
-                    <a:pt x="3667" y="4229"/>
-                  </a:lnTo>
-                  <a:lnTo>
-                    <a:pt x="7093" y="6210"/>
-                  </a:lnTo>
-                  <a:lnTo>
-                    <a:pt x="7174" y="6076"/>
-                  </a:lnTo>
-                  <a:lnTo>
-                    <a:pt x="3748" y="4095"/>
-                  </a:lnTo>
-                  <a:lnTo>
-                    <a:pt x="7174" y="2115"/>
-                  </a:lnTo>
-                  <a:lnTo>
-                    <a:pt x="7093" y="1981"/>
-                  </a:lnTo>
-                  <a:lnTo>
-                    <a:pt x="3667" y="3935"/>
-                  </a:lnTo>
-                  <a:lnTo>
-                    <a:pt x="3667" y="0"/>
-                  </a:lnTo>
-                  <a:close/>
-                </a:path>
-              </a:pathLst>
-            </a:custGeom>
-            <a:solidFill>
-              <a:schemeClr val="accent2"/>
-            </a:solidFill>
-            <a:ln>
-              <a:noFill/>
-            </a:ln>
-          </p:spPr>
-          <p:txBody>
-            <a:bodyPr spcFirstLastPara="1" wrap="square" lIns="91425" tIns="91425" rIns="91425" bIns="91425" anchor="ctr" anchorCtr="0">
-              <a:noAutofit/>
-            </a:bodyPr>
-            <a:lstStyle/>
-            <a:p>
-              <a:pPr marL="0" lvl="0" indent="0" algn="l" rtl="0">
-                <a:spcBef>
-                  <a:spcPts val="0"/>
-                </a:spcBef>
-                <a:spcAft>
-                  <a:spcPts val="0"/>
-                </a:spcAft>
-                <a:buNone/>
-              </a:pPr>
-              <a:endParaRPr/>
-            </a:p>
-          </p:txBody>
-        </p:sp>
-        <p:sp>
-          <p:nvSpPr>
-            <p:cNvPr id="1206" name="Google Shape;1206;p48"/>
-            <p:cNvSpPr/>
-            <p:nvPr/>
-          </p:nvSpPr>
-          <p:spPr>
-            <a:xfrm>
-              <a:off x="7364144" y="2115948"/>
-              <a:ext cx="356781" cy="407359"/>
-            </a:xfrm>
-            <a:custGeom>
-              <a:avLst/>
-              <a:gdLst/>
-              <a:ahLst/>
-              <a:cxnLst/>
-              <a:rect l="l" t="t" r="r" b="b"/>
-              <a:pathLst>
-                <a:path w="7174" h="8191" extrusionOk="0">
-                  <a:moveTo>
-                    <a:pt x="3507" y="0"/>
-                  </a:moveTo>
-                  <a:lnTo>
-                    <a:pt x="3507" y="3935"/>
-                  </a:lnTo>
-                  <a:lnTo>
-                    <a:pt x="81" y="1954"/>
-                  </a:lnTo>
-                  <a:lnTo>
-                    <a:pt x="0" y="2115"/>
-                  </a:lnTo>
-                  <a:lnTo>
-                    <a:pt x="3426" y="4095"/>
-                  </a:lnTo>
-                  <a:lnTo>
-                    <a:pt x="0" y="6049"/>
-                  </a:lnTo>
-                  <a:lnTo>
-                    <a:pt x="81" y="6210"/>
-                  </a:lnTo>
-                  <a:lnTo>
-                    <a:pt x="3507" y="4229"/>
-                  </a:lnTo>
-                  <a:lnTo>
-                    <a:pt x="3507" y="8191"/>
-                  </a:lnTo>
-                  <a:lnTo>
-                    <a:pt x="3667" y="8191"/>
-                  </a:lnTo>
-                  <a:lnTo>
-                    <a:pt x="3667" y="4229"/>
-                  </a:lnTo>
-                  <a:lnTo>
-                    <a:pt x="7093" y="6210"/>
-                  </a:lnTo>
-                  <a:lnTo>
-                    <a:pt x="7173" y="6049"/>
-                  </a:lnTo>
-                  <a:lnTo>
-                    <a:pt x="3774" y="4095"/>
-                  </a:lnTo>
-                  <a:lnTo>
-                    <a:pt x="7173" y="2115"/>
-                  </a:lnTo>
-                  <a:lnTo>
-                    <a:pt x="7093" y="1954"/>
-                  </a:lnTo>
-                  <a:lnTo>
-                    <a:pt x="3667" y="3935"/>
-                  </a:lnTo>
-                  <a:lnTo>
-                    <a:pt x="3694" y="0"/>
-                  </a:lnTo>
-                  <a:close/>
-                </a:path>
-              </a:pathLst>
-            </a:custGeom>
-            <a:solidFill>
-              <a:schemeClr val="accent2"/>
-            </a:solidFill>
-            <a:ln>
-              <a:noFill/>
-            </a:ln>
-          </p:spPr>
-          <p:txBody>
-            <a:bodyPr spcFirstLastPara="1" wrap="square" lIns="91425" tIns="91425" rIns="91425" bIns="91425" anchor="ctr" anchorCtr="0">
-              <a:noAutofit/>
-            </a:bodyPr>
-            <a:lstStyle/>
-            <a:p>
-              <a:pPr marL="0" lvl="0" indent="0" algn="l" rtl="0">
-                <a:spcBef>
-                  <a:spcPts val="0"/>
-                </a:spcBef>
-                <a:spcAft>
-                  <a:spcPts val="0"/>
-                </a:spcAft>
-                <a:buNone/>
-              </a:pPr>
-              <a:endParaRPr/>
-            </a:p>
-          </p:txBody>
-        </p:sp>
-        <p:sp>
-          <p:nvSpPr>
-            <p:cNvPr id="1207" name="Google Shape;1207;p48"/>
-            <p:cNvSpPr/>
-            <p:nvPr/>
-          </p:nvSpPr>
-          <p:spPr>
-            <a:xfrm>
-              <a:off x="7836713" y="2115948"/>
-              <a:ext cx="358124" cy="407359"/>
-            </a:xfrm>
-            <a:custGeom>
-              <a:avLst/>
-              <a:gdLst/>
-              <a:ahLst/>
-              <a:cxnLst/>
-              <a:rect l="l" t="t" r="r" b="b"/>
-              <a:pathLst>
-                <a:path w="7201" h="8191" extrusionOk="0">
-                  <a:moveTo>
-                    <a:pt x="3506" y="0"/>
-                  </a:moveTo>
-                  <a:lnTo>
-                    <a:pt x="3506" y="3935"/>
-                  </a:lnTo>
-                  <a:lnTo>
-                    <a:pt x="107" y="1954"/>
-                  </a:lnTo>
-                  <a:lnTo>
-                    <a:pt x="0" y="2115"/>
-                  </a:lnTo>
-                  <a:lnTo>
-                    <a:pt x="3426" y="4095"/>
-                  </a:lnTo>
-                  <a:lnTo>
-                    <a:pt x="0" y="6049"/>
-                  </a:lnTo>
-                  <a:lnTo>
-                    <a:pt x="107" y="6210"/>
-                  </a:lnTo>
-                  <a:lnTo>
-                    <a:pt x="3506" y="4229"/>
-                  </a:lnTo>
-                  <a:lnTo>
-                    <a:pt x="3506" y="8191"/>
-                  </a:lnTo>
-                  <a:lnTo>
-                    <a:pt x="3694" y="8191"/>
-                  </a:lnTo>
-                  <a:lnTo>
-                    <a:pt x="3694" y="4229"/>
-                  </a:lnTo>
-                  <a:lnTo>
-                    <a:pt x="7093" y="6210"/>
-                  </a:lnTo>
-                  <a:lnTo>
-                    <a:pt x="7200" y="6049"/>
-                  </a:lnTo>
-                  <a:lnTo>
-                    <a:pt x="3774" y="4095"/>
-                  </a:lnTo>
-                  <a:lnTo>
-                    <a:pt x="7200" y="2115"/>
-                  </a:lnTo>
-                  <a:lnTo>
-                    <a:pt x="7120" y="1954"/>
-                  </a:lnTo>
-                  <a:lnTo>
-                    <a:pt x="3694" y="3935"/>
-                  </a:lnTo>
-                  <a:lnTo>
-                    <a:pt x="3694" y="0"/>
-                  </a:lnTo>
-                  <a:close/>
-                </a:path>
-              </a:pathLst>
-            </a:custGeom>
-            <a:solidFill>
-              <a:schemeClr val="accent2"/>
-            </a:solidFill>
-            <a:ln>
-              <a:noFill/>
-            </a:ln>
-          </p:spPr>
-          <p:txBody>
-            <a:bodyPr spcFirstLastPara="1" wrap="square" lIns="91425" tIns="91425" rIns="91425" bIns="91425" anchor="ctr" anchorCtr="0">
-              <a:noAutofit/>
-            </a:bodyPr>
-            <a:lstStyle/>
-            <a:p>
-              <a:pPr marL="0" lvl="0" indent="0" algn="l" rtl="0">
-                <a:spcBef>
-                  <a:spcPts val="0"/>
-                </a:spcBef>
-                <a:spcAft>
-                  <a:spcPts val="0"/>
-                </a:spcAft>
-                <a:buNone/>
-              </a:pPr>
-              <a:endParaRPr/>
-            </a:p>
-          </p:txBody>
-        </p:sp>
-        <p:sp>
-          <p:nvSpPr>
-            <p:cNvPr id="1208" name="Google Shape;1208;p48"/>
-            <p:cNvSpPr/>
-            <p:nvPr/>
-          </p:nvSpPr>
-          <p:spPr>
-            <a:xfrm>
-              <a:off x="8310574" y="2114606"/>
-              <a:ext cx="356781" cy="408702"/>
-            </a:xfrm>
-            <a:custGeom>
-              <a:avLst/>
-              <a:gdLst/>
-              <a:ahLst/>
-              <a:cxnLst/>
-              <a:rect l="l" t="t" r="r" b="b"/>
-              <a:pathLst>
-                <a:path w="7174" h="8218" extrusionOk="0">
-                  <a:moveTo>
-                    <a:pt x="3507" y="0"/>
-                  </a:moveTo>
-                  <a:lnTo>
-                    <a:pt x="3507" y="3962"/>
-                  </a:lnTo>
-                  <a:lnTo>
-                    <a:pt x="81" y="1981"/>
-                  </a:lnTo>
-                  <a:lnTo>
-                    <a:pt x="1" y="2142"/>
-                  </a:lnTo>
-                  <a:lnTo>
-                    <a:pt x="3400" y="4122"/>
-                  </a:lnTo>
-                  <a:lnTo>
-                    <a:pt x="1" y="6076"/>
-                  </a:lnTo>
-                  <a:lnTo>
-                    <a:pt x="81" y="6237"/>
-                  </a:lnTo>
-                  <a:lnTo>
-                    <a:pt x="3507" y="4256"/>
-                  </a:lnTo>
-                  <a:lnTo>
-                    <a:pt x="3507" y="8218"/>
-                  </a:lnTo>
-                  <a:lnTo>
-                    <a:pt x="3668" y="8218"/>
-                  </a:lnTo>
-                  <a:lnTo>
-                    <a:pt x="3668" y="4256"/>
-                  </a:lnTo>
-                  <a:lnTo>
-                    <a:pt x="7094" y="6237"/>
-                  </a:lnTo>
-                  <a:lnTo>
-                    <a:pt x="7174" y="6076"/>
-                  </a:lnTo>
-                  <a:lnTo>
-                    <a:pt x="3748" y="4122"/>
-                  </a:lnTo>
-                  <a:lnTo>
-                    <a:pt x="7174" y="2142"/>
-                  </a:lnTo>
-                  <a:lnTo>
-                    <a:pt x="7094" y="1981"/>
-                  </a:lnTo>
-                  <a:lnTo>
-                    <a:pt x="3668" y="3962"/>
-                  </a:lnTo>
-                  <a:lnTo>
-                    <a:pt x="3668" y="0"/>
-                  </a:lnTo>
-                  <a:close/>
-                </a:path>
-              </a:pathLst>
-            </a:custGeom>
-            <a:solidFill>
-              <a:schemeClr val="accent2"/>
-            </a:solidFill>
-            <a:ln>
-              <a:noFill/>
-            </a:ln>
-          </p:spPr>
-          <p:txBody>
-            <a:bodyPr spcFirstLastPara="1" wrap="square" lIns="91425" tIns="91425" rIns="91425" bIns="91425" anchor="ctr" anchorCtr="0">
-              <a:noAutofit/>
-            </a:bodyPr>
-            <a:lstStyle/>
-            <a:p>
-              <a:pPr marL="0" lvl="0" indent="0" algn="l" rtl="0">
-                <a:spcBef>
-                  <a:spcPts val="0"/>
-                </a:spcBef>
-                <a:spcAft>
-                  <a:spcPts val="0"/>
-                </a:spcAft>
-                <a:buNone/>
-              </a:pPr>
-              <a:endParaRPr/>
-            </a:p>
-          </p:txBody>
-        </p:sp>
-        <p:sp>
-          <p:nvSpPr>
-            <p:cNvPr id="1209" name="Google Shape;1209;p48"/>
-            <p:cNvSpPr/>
-            <p:nvPr/>
-          </p:nvSpPr>
-          <p:spPr>
-            <a:xfrm>
-              <a:off x="8783142" y="2114606"/>
-              <a:ext cx="239661" cy="408702"/>
-            </a:xfrm>
-            <a:custGeom>
-              <a:avLst/>
-              <a:gdLst/>
-              <a:ahLst/>
-              <a:cxnLst/>
-              <a:rect l="l" t="t" r="r" b="b"/>
-              <a:pathLst>
-                <a:path w="4819" h="8218" extrusionOk="0">
-                  <a:moveTo>
-                    <a:pt x="3507" y="0"/>
-                  </a:moveTo>
-                  <a:lnTo>
-                    <a:pt x="3507" y="3962"/>
-                  </a:lnTo>
-                  <a:lnTo>
-                    <a:pt x="81" y="1981"/>
-                  </a:lnTo>
-                  <a:lnTo>
-                    <a:pt x="0" y="2142"/>
-                  </a:lnTo>
-                  <a:lnTo>
-                    <a:pt x="3426" y="4096"/>
-                  </a:lnTo>
-                  <a:lnTo>
-                    <a:pt x="0" y="6076"/>
-                  </a:lnTo>
-                  <a:lnTo>
-                    <a:pt x="81" y="6237"/>
-                  </a:lnTo>
-                  <a:lnTo>
-                    <a:pt x="3507" y="4256"/>
-                  </a:lnTo>
-                  <a:lnTo>
-                    <a:pt x="3507" y="8218"/>
-                  </a:lnTo>
-                  <a:lnTo>
-                    <a:pt x="3667" y="8218"/>
-                  </a:lnTo>
-                  <a:lnTo>
-                    <a:pt x="3667" y="4256"/>
-                  </a:lnTo>
-                  <a:lnTo>
-                    <a:pt x="4818" y="4925"/>
-                  </a:lnTo>
-                  <a:cubicBezTo>
-                    <a:pt x="4818" y="4845"/>
-                    <a:pt x="4818" y="4765"/>
-                    <a:pt x="4792" y="4711"/>
-                  </a:cubicBezTo>
-                  <a:lnTo>
-                    <a:pt x="3774" y="4096"/>
-                  </a:lnTo>
-                  <a:lnTo>
-                    <a:pt x="4604" y="3614"/>
-                  </a:lnTo>
-                  <a:cubicBezTo>
-                    <a:pt x="4604" y="3560"/>
-                    <a:pt x="4577" y="3507"/>
-                    <a:pt x="4577" y="3453"/>
-                  </a:cubicBezTo>
-                  <a:lnTo>
-                    <a:pt x="3667" y="3962"/>
-                  </a:lnTo>
-                  <a:lnTo>
-                    <a:pt x="3667" y="295"/>
-                  </a:lnTo>
-                  <a:cubicBezTo>
-                    <a:pt x="3641" y="188"/>
-                    <a:pt x="3614" y="108"/>
-                    <a:pt x="3587" y="0"/>
-                  </a:cubicBezTo>
-                  <a:close/>
-                </a:path>
-              </a:pathLst>
-            </a:custGeom>
-            <a:solidFill>
-              <a:schemeClr val="accent2"/>
-            </a:solidFill>
-            <a:ln>
-              <a:noFill/>
-            </a:ln>
-          </p:spPr>
-          <p:txBody>
-            <a:bodyPr spcFirstLastPara="1" wrap="square" lIns="91425" tIns="91425" rIns="91425" bIns="91425" anchor="ctr" anchorCtr="0">
-              <a:noAutofit/>
-            </a:bodyPr>
-            <a:lstStyle/>
-            <a:p>
-              <a:pPr marL="0" lvl="0" indent="0" algn="l" rtl="0">
-                <a:spcBef>
-                  <a:spcPts val="0"/>
-                </a:spcBef>
-                <a:spcAft>
-                  <a:spcPts val="0"/>
-                </a:spcAft>
-                <a:buNone/>
-              </a:pPr>
-              <a:endParaRPr/>
-            </a:p>
-          </p:txBody>
-        </p:sp>
-        <p:sp>
-          <p:nvSpPr>
-            <p:cNvPr id="1210" name="Google Shape;1210;p48"/>
-            <p:cNvSpPr/>
-            <p:nvPr/>
-          </p:nvSpPr>
-          <p:spPr>
-            <a:xfrm>
-              <a:off x="6773111" y="2511280"/>
-              <a:ext cx="242297" cy="407359"/>
-            </a:xfrm>
-            <a:custGeom>
-              <a:avLst/>
-              <a:gdLst/>
-              <a:ahLst/>
-              <a:cxnLst/>
-              <a:rect l="l" t="t" r="r" b="b"/>
-              <a:pathLst>
-                <a:path w="4872" h="8191" extrusionOk="0">
-                  <a:moveTo>
-                    <a:pt x="1205" y="1"/>
-                  </a:moveTo>
-                  <a:lnTo>
-                    <a:pt x="1205" y="3935"/>
-                  </a:lnTo>
-                  <a:lnTo>
-                    <a:pt x="0" y="3266"/>
-                  </a:lnTo>
-                  <a:lnTo>
-                    <a:pt x="0" y="3266"/>
-                  </a:lnTo>
-                  <a:cubicBezTo>
-                    <a:pt x="0" y="3320"/>
-                    <a:pt x="27" y="3400"/>
-                    <a:pt x="27" y="3480"/>
-                  </a:cubicBezTo>
-                  <a:lnTo>
-                    <a:pt x="1098" y="4096"/>
-                  </a:lnTo>
-                  <a:lnTo>
-                    <a:pt x="214" y="4604"/>
-                  </a:lnTo>
-                  <a:cubicBezTo>
-                    <a:pt x="241" y="4658"/>
-                    <a:pt x="241" y="4738"/>
-                    <a:pt x="268" y="4792"/>
-                  </a:cubicBezTo>
-                  <a:lnTo>
-                    <a:pt x="1205" y="4256"/>
-                  </a:lnTo>
-                  <a:lnTo>
-                    <a:pt x="1205" y="8030"/>
-                  </a:lnTo>
-                  <a:cubicBezTo>
-                    <a:pt x="1205" y="8084"/>
-                    <a:pt x="1232" y="8137"/>
-                    <a:pt x="1258" y="8191"/>
-                  </a:cubicBezTo>
-                  <a:lnTo>
-                    <a:pt x="1365" y="8191"/>
-                  </a:lnTo>
-                  <a:lnTo>
-                    <a:pt x="1365" y="4256"/>
-                  </a:lnTo>
-                  <a:lnTo>
-                    <a:pt x="4791" y="6210"/>
-                  </a:lnTo>
-                  <a:lnTo>
-                    <a:pt x="4872" y="6076"/>
-                  </a:lnTo>
-                  <a:lnTo>
-                    <a:pt x="1446" y="4096"/>
-                  </a:lnTo>
-                  <a:lnTo>
-                    <a:pt x="4872" y="2115"/>
-                  </a:lnTo>
-                  <a:lnTo>
-                    <a:pt x="4791" y="1981"/>
-                  </a:lnTo>
-                  <a:lnTo>
-                    <a:pt x="1365" y="3935"/>
-                  </a:lnTo>
-                  <a:lnTo>
-                    <a:pt x="1365" y="1"/>
-                  </a:lnTo>
-                  <a:close/>
-                </a:path>
-              </a:pathLst>
-            </a:custGeom>
-            <a:solidFill>
-              <a:schemeClr val="accent2"/>
-            </a:solidFill>
-            <a:ln>
-              <a:noFill/>
-            </a:ln>
-          </p:spPr>
-          <p:txBody>
-            <a:bodyPr spcFirstLastPara="1" wrap="square" lIns="91425" tIns="91425" rIns="91425" bIns="91425" anchor="ctr" anchorCtr="0">
-              <a:noAutofit/>
-            </a:bodyPr>
-            <a:lstStyle/>
-            <a:p>
-              <a:pPr marL="0" lvl="0" indent="0" algn="l" rtl="0">
-                <a:spcBef>
-                  <a:spcPts val="0"/>
-                </a:spcBef>
-                <a:spcAft>
-                  <a:spcPts val="0"/>
-                </a:spcAft>
-                <a:buNone/>
-              </a:pPr>
-              <a:endParaRPr/>
-            </a:p>
-          </p:txBody>
-        </p:sp>
-        <p:sp>
-          <p:nvSpPr>
-            <p:cNvPr id="1211" name="Google Shape;1211;p48"/>
-            <p:cNvSpPr/>
-            <p:nvPr/>
-          </p:nvSpPr>
-          <p:spPr>
-            <a:xfrm>
-              <a:off x="7131192" y="2511280"/>
-              <a:ext cx="356781" cy="407359"/>
-            </a:xfrm>
-            <a:custGeom>
-              <a:avLst/>
-              <a:gdLst/>
-              <a:ahLst/>
-              <a:cxnLst/>
-              <a:rect l="l" t="t" r="r" b="b"/>
-              <a:pathLst>
-                <a:path w="7174" h="8191" extrusionOk="0">
-                  <a:moveTo>
-                    <a:pt x="3507" y="1"/>
-                  </a:moveTo>
-                  <a:lnTo>
-                    <a:pt x="3507" y="3935"/>
-                  </a:lnTo>
-                  <a:lnTo>
-                    <a:pt x="81" y="1981"/>
-                  </a:lnTo>
-                  <a:lnTo>
-                    <a:pt x="0" y="2115"/>
-                  </a:lnTo>
-                  <a:lnTo>
-                    <a:pt x="3426" y="4096"/>
-                  </a:lnTo>
-                  <a:lnTo>
-                    <a:pt x="0" y="6076"/>
-                  </a:lnTo>
-                  <a:lnTo>
-                    <a:pt x="81" y="6210"/>
-                  </a:lnTo>
-                  <a:lnTo>
-                    <a:pt x="3507" y="4256"/>
-                  </a:lnTo>
-                  <a:lnTo>
-                    <a:pt x="3507" y="8191"/>
-                  </a:lnTo>
-                  <a:lnTo>
-                    <a:pt x="3667" y="8191"/>
-                  </a:lnTo>
-                  <a:lnTo>
-                    <a:pt x="3667" y="4256"/>
-                  </a:lnTo>
-                  <a:lnTo>
-                    <a:pt x="7093" y="6210"/>
-                  </a:lnTo>
-                  <a:lnTo>
-                    <a:pt x="7173" y="6076"/>
-                  </a:lnTo>
-                  <a:lnTo>
-                    <a:pt x="3774" y="4096"/>
-                  </a:lnTo>
-                  <a:lnTo>
-                    <a:pt x="7173" y="2115"/>
-                  </a:lnTo>
-                  <a:lnTo>
-                    <a:pt x="7093" y="1981"/>
-                  </a:lnTo>
-                  <a:lnTo>
-                    <a:pt x="3667" y="3935"/>
-                  </a:lnTo>
-                  <a:lnTo>
-                    <a:pt x="3667" y="1"/>
-                  </a:lnTo>
-                  <a:close/>
-                </a:path>
-              </a:pathLst>
-            </a:custGeom>
-            <a:solidFill>
-              <a:schemeClr val="accent2"/>
-            </a:solidFill>
-            <a:ln>
-              <a:noFill/>
-            </a:ln>
-          </p:spPr>
-          <p:txBody>
-            <a:bodyPr spcFirstLastPara="1" wrap="square" lIns="91425" tIns="91425" rIns="91425" bIns="91425" anchor="ctr" anchorCtr="0">
-              <a:noAutofit/>
-            </a:bodyPr>
-            <a:lstStyle/>
-            <a:p>
-              <a:pPr marL="0" lvl="0" indent="0" algn="l" rtl="0">
-                <a:spcBef>
-                  <a:spcPts val="0"/>
-                </a:spcBef>
-                <a:spcAft>
-                  <a:spcPts val="0"/>
-                </a:spcAft>
-                <a:buNone/>
-              </a:pPr>
-              <a:endParaRPr/>
-            </a:p>
-          </p:txBody>
-        </p:sp>
-        <p:sp>
-          <p:nvSpPr>
-            <p:cNvPr id="1212" name="Google Shape;1212;p48"/>
-            <p:cNvSpPr/>
-            <p:nvPr/>
-          </p:nvSpPr>
-          <p:spPr>
-            <a:xfrm>
-              <a:off x="7603761" y="2511280"/>
-              <a:ext cx="358124" cy="407359"/>
-            </a:xfrm>
-            <a:custGeom>
-              <a:avLst/>
-              <a:gdLst/>
-              <a:ahLst/>
-              <a:cxnLst/>
-              <a:rect l="l" t="t" r="r" b="b"/>
-              <a:pathLst>
-                <a:path w="7201" h="8191" extrusionOk="0">
-                  <a:moveTo>
-                    <a:pt x="3506" y="1"/>
-                  </a:moveTo>
-                  <a:lnTo>
-                    <a:pt x="3506" y="3935"/>
-                  </a:lnTo>
-                  <a:lnTo>
-                    <a:pt x="80" y="1981"/>
-                  </a:lnTo>
-                  <a:lnTo>
-                    <a:pt x="0" y="2115"/>
-                  </a:lnTo>
-                  <a:lnTo>
-                    <a:pt x="3426" y="4096"/>
-                  </a:lnTo>
-                  <a:lnTo>
-                    <a:pt x="0" y="6076"/>
-                  </a:lnTo>
-                  <a:lnTo>
-                    <a:pt x="80" y="6210"/>
-                  </a:lnTo>
-                  <a:lnTo>
-                    <a:pt x="3506" y="4230"/>
-                  </a:lnTo>
-                  <a:lnTo>
-                    <a:pt x="3506" y="8191"/>
-                  </a:lnTo>
-                  <a:lnTo>
-                    <a:pt x="3694" y="8191"/>
-                  </a:lnTo>
-                  <a:lnTo>
-                    <a:pt x="3694" y="4230"/>
-                  </a:lnTo>
-                  <a:lnTo>
-                    <a:pt x="7093" y="6210"/>
-                  </a:lnTo>
-                  <a:lnTo>
-                    <a:pt x="7200" y="6076"/>
-                  </a:lnTo>
-                  <a:lnTo>
-                    <a:pt x="3774" y="4096"/>
-                  </a:lnTo>
-                  <a:lnTo>
-                    <a:pt x="7200" y="2115"/>
-                  </a:lnTo>
-                  <a:lnTo>
-                    <a:pt x="7093" y="1981"/>
-                  </a:lnTo>
-                  <a:lnTo>
-                    <a:pt x="3694" y="3935"/>
-                  </a:lnTo>
-                  <a:lnTo>
-                    <a:pt x="3694" y="1"/>
-                  </a:lnTo>
-                  <a:close/>
-                </a:path>
-              </a:pathLst>
-            </a:custGeom>
-            <a:solidFill>
-              <a:schemeClr val="accent2"/>
-            </a:solidFill>
-            <a:ln>
-              <a:noFill/>
-            </a:ln>
-          </p:spPr>
-          <p:txBody>
-            <a:bodyPr spcFirstLastPara="1" wrap="square" lIns="91425" tIns="91425" rIns="91425" bIns="91425" anchor="ctr" anchorCtr="0">
-              <a:noAutofit/>
-            </a:bodyPr>
-            <a:lstStyle/>
-            <a:p>
-              <a:pPr marL="0" lvl="0" indent="0" algn="l" rtl="0">
-                <a:spcBef>
-                  <a:spcPts val="0"/>
-                </a:spcBef>
-                <a:spcAft>
-                  <a:spcPts val="0"/>
-                </a:spcAft>
-                <a:buNone/>
-              </a:pPr>
-              <a:endParaRPr/>
-            </a:p>
-          </p:txBody>
-        </p:sp>
-        <p:sp>
-          <p:nvSpPr>
-            <p:cNvPr id="1213" name="Google Shape;1213;p48"/>
-            <p:cNvSpPr/>
-            <p:nvPr/>
-          </p:nvSpPr>
-          <p:spPr>
-            <a:xfrm>
-              <a:off x="8077622" y="2511280"/>
-              <a:ext cx="356781" cy="407359"/>
-            </a:xfrm>
-            <a:custGeom>
-              <a:avLst/>
-              <a:gdLst/>
-              <a:ahLst/>
-              <a:cxnLst/>
-              <a:rect l="l" t="t" r="r" b="b"/>
-              <a:pathLst>
-                <a:path w="7174" h="8191" extrusionOk="0">
-                  <a:moveTo>
-                    <a:pt x="3507" y="1"/>
-                  </a:moveTo>
-                  <a:lnTo>
-                    <a:pt x="3507" y="3935"/>
-                  </a:lnTo>
-                  <a:lnTo>
-                    <a:pt x="81" y="1955"/>
-                  </a:lnTo>
-                  <a:lnTo>
-                    <a:pt x="1" y="2115"/>
-                  </a:lnTo>
-                  <a:lnTo>
-                    <a:pt x="3400" y="4096"/>
-                  </a:lnTo>
-                  <a:lnTo>
-                    <a:pt x="1" y="6050"/>
-                  </a:lnTo>
-                  <a:lnTo>
-                    <a:pt x="81" y="6210"/>
-                  </a:lnTo>
-                  <a:lnTo>
-                    <a:pt x="3507" y="4230"/>
-                  </a:lnTo>
-                  <a:lnTo>
-                    <a:pt x="3480" y="8191"/>
-                  </a:lnTo>
-                  <a:lnTo>
-                    <a:pt x="3668" y="8191"/>
-                  </a:lnTo>
-                  <a:lnTo>
-                    <a:pt x="3668" y="4230"/>
-                  </a:lnTo>
-                  <a:lnTo>
-                    <a:pt x="7094" y="6210"/>
-                  </a:lnTo>
-                  <a:lnTo>
-                    <a:pt x="7174" y="6050"/>
-                  </a:lnTo>
-                  <a:lnTo>
-                    <a:pt x="3748" y="4096"/>
-                  </a:lnTo>
-                  <a:lnTo>
-                    <a:pt x="7174" y="2115"/>
-                  </a:lnTo>
-                  <a:lnTo>
-                    <a:pt x="7094" y="1955"/>
-                  </a:lnTo>
-                  <a:lnTo>
-                    <a:pt x="3668" y="3935"/>
-                  </a:lnTo>
-                  <a:lnTo>
-                    <a:pt x="3668" y="1"/>
-                  </a:lnTo>
-                  <a:close/>
-                </a:path>
-              </a:pathLst>
-            </a:custGeom>
-            <a:solidFill>
-              <a:schemeClr val="accent2"/>
-            </a:solidFill>
-            <a:ln>
-              <a:noFill/>
-            </a:ln>
-          </p:spPr>
-          <p:txBody>
-            <a:bodyPr spcFirstLastPara="1" wrap="square" lIns="91425" tIns="91425" rIns="91425" bIns="91425" anchor="ctr" anchorCtr="0">
-              <a:noAutofit/>
-            </a:bodyPr>
-            <a:lstStyle/>
-            <a:p>
-              <a:pPr marL="0" lvl="0" indent="0" algn="l" rtl="0">
-                <a:spcBef>
-                  <a:spcPts val="0"/>
-                </a:spcBef>
-                <a:spcAft>
-                  <a:spcPts val="0"/>
-                </a:spcAft>
-                <a:buNone/>
-              </a:pPr>
-              <a:endParaRPr/>
-            </a:p>
-          </p:txBody>
-        </p:sp>
-        <p:sp>
-          <p:nvSpPr>
-            <p:cNvPr id="1214" name="Google Shape;1214;p48"/>
-            <p:cNvSpPr/>
-            <p:nvPr/>
-          </p:nvSpPr>
-          <p:spPr>
-            <a:xfrm>
-              <a:off x="8550190" y="2511280"/>
-              <a:ext cx="356781" cy="407359"/>
-            </a:xfrm>
-            <a:custGeom>
-              <a:avLst/>
-              <a:gdLst/>
-              <a:ahLst/>
-              <a:cxnLst/>
-              <a:rect l="l" t="t" r="r" b="b"/>
-              <a:pathLst>
-                <a:path w="7174" h="8191" extrusionOk="0">
-                  <a:moveTo>
-                    <a:pt x="3507" y="1"/>
-                  </a:moveTo>
-                  <a:lnTo>
-                    <a:pt x="3507" y="3935"/>
-                  </a:lnTo>
-                  <a:lnTo>
-                    <a:pt x="81" y="1955"/>
-                  </a:lnTo>
-                  <a:lnTo>
-                    <a:pt x="0" y="2115"/>
-                  </a:lnTo>
-                  <a:lnTo>
-                    <a:pt x="3426" y="4096"/>
-                  </a:lnTo>
-                  <a:lnTo>
-                    <a:pt x="0" y="6050"/>
-                  </a:lnTo>
-                  <a:lnTo>
-                    <a:pt x="81" y="6210"/>
-                  </a:lnTo>
-                  <a:lnTo>
-                    <a:pt x="3507" y="4230"/>
-                  </a:lnTo>
-                  <a:lnTo>
-                    <a:pt x="3507" y="8191"/>
-                  </a:lnTo>
-                  <a:lnTo>
-                    <a:pt x="3667" y="8191"/>
-                  </a:lnTo>
-                  <a:lnTo>
-                    <a:pt x="3667" y="4230"/>
-                  </a:lnTo>
-                  <a:lnTo>
-                    <a:pt x="7093" y="6210"/>
-                  </a:lnTo>
-                  <a:lnTo>
-                    <a:pt x="7174" y="6050"/>
-                  </a:lnTo>
-                  <a:lnTo>
-                    <a:pt x="3748" y="4096"/>
-                  </a:lnTo>
-                  <a:lnTo>
-                    <a:pt x="7174" y="2115"/>
-                  </a:lnTo>
-                  <a:lnTo>
-                    <a:pt x="7093" y="1955"/>
-                  </a:lnTo>
-                  <a:lnTo>
-                    <a:pt x="3667" y="3935"/>
-                  </a:lnTo>
-                  <a:lnTo>
-                    <a:pt x="3667" y="1"/>
-                  </a:lnTo>
-                  <a:close/>
-                </a:path>
-              </a:pathLst>
-            </a:custGeom>
-            <a:solidFill>
-              <a:schemeClr val="accent2"/>
-            </a:solidFill>
-            <a:ln>
-              <a:noFill/>
-            </a:ln>
-          </p:spPr>
-          <p:txBody>
-            <a:bodyPr spcFirstLastPara="1" wrap="square" lIns="91425" tIns="91425" rIns="91425" bIns="91425" anchor="ctr" anchorCtr="0">
-              <a:noAutofit/>
-            </a:bodyPr>
-            <a:lstStyle/>
-            <a:p>
-              <a:pPr marL="0" lvl="0" indent="0" algn="l" rtl="0">
-                <a:spcBef>
-                  <a:spcPts val="0"/>
-                </a:spcBef>
-                <a:spcAft>
-                  <a:spcPts val="0"/>
-                </a:spcAft>
-                <a:buNone/>
-              </a:pPr>
-              <a:endParaRPr/>
-            </a:p>
-          </p:txBody>
-        </p:sp>
-        <p:sp>
-          <p:nvSpPr>
-            <p:cNvPr id="1215" name="Google Shape;1215;p48"/>
-            <p:cNvSpPr/>
-            <p:nvPr/>
-          </p:nvSpPr>
-          <p:spPr>
-            <a:xfrm>
-              <a:off x="6891576" y="2934613"/>
-              <a:ext cx="356781" cy="363445"/>
-            </a:xfrm>
-            <a:custGeom>
-              <a:avLst/>
-              <a:gdLst/>
-              <a:ahLst/>
-              <a:cxnLst/>
-              <a:rect l="l" t="t" r="r" b="b"/>
-              <a:pathLst>
-                <a:path w="7174" h="7308" extrusionOk="0">
-                  <a:moveTo>
-                    <a:pt x="3507" y="0"/>
-                  </a:moveTo>
-                  <a:lnTo>
-                    <a:pt x="3507" y="3961"/>
-                  </a:lnTo>
-                  <a:lnTo>
-                    <a:pt x="81" y="1981"/>
-                  </a:lnTo>
-                  <a:lnTo>
-                    <a:pt x="0" y="2141"/>
-                  </a:lnTo>
-                  <a:lnTo>
-                    <a:pt x="3426" y="4095"/>
-                  </a:lnTo>
-                  <a:lnTo>
-                    <a:pt x="1767" y="5059"/>
-                  </a:lnTo>
-                  <a:cubicBezTo>
-                    <a:pt x="1821" y="5086"/>
-                    <a:pt x="1847" y="5139"/>
-                    <a:pt x="1874" y="5193"/>
-                  </a:cubicBezTo>
-                  <a:lnTo>
-                    <a:pt x="3507" y="4256"/>
-                  </a:lnTo>
-                  <a:lnTo>
-                    <a:pt x="3507" y="7120"/>
-                  </a:lnTo>
-                  <a:cubicBezTo>
-                    <a:pt x="3560" y="7200"/>
-                    <a:pt x="3614" y="7254"/>
-                    <a:pt x="3667" y="7307"/>
-                  </a:cubicBezTo>
-                  <a:lnTo>
-                    <a:pt x="3667" y="4256"/>
-                  </a:lnTo>
-                  <a:lnTo>
-                    <a:pt x="7093" y="6236"/>
-                  </a:lnTo>
-                  <a:lnTo>
-                    <a:pt x="7174" y="6076"/>
-                  </a:lnTo>
-                  <a:lnTo>
-                    <a:pt x="3748" y="4095"/>
-                  </a:lnTo>
-                  <a:lnTo>
-                    <a:pt x="7174" y="2141"/>
-                  </a:lnTo>
-                  <a:lnTo>
-                    <a:pt x="7093" y="1981"/>
-                  </a:lnTo>
-                  <a:lnTo>
-                    <a:pt x="3667" y="3961"/>
-                  </a:lnTo>
-                  <a:lnTo>
-                    <a:pt x="3667" y="0"/>
-                  </a:lnTo>
-                  <a:close/>
-                </a:path>
-              </a:pathLst>
-            </a:custGeom>
-            <a:solidFill>
-              <a:schemeClr val="accent2"/>
-            </a:solidFill>
-            <a:ln>
-              <a:noFill/>
-            </a:ln>
-          </p:spPr>
-          <p:txBody>
-            <a:bodyPr spcFirstLastPara="1" wrap="square" lIns="91425" tIns="91425" rIns="91425" bIns="91425" anchor="ctr" anchorCtr="0">
-              <a:noAutofit/>
-            </a:bodyPr>
-            <a:lstStyle/>
-            <a:p>
-              <a:pPr marL="0" lvl="0" indent="0" algn="l" rtl="0">
-                <a:spcBef>
-                  <a:spcPts val="0"/>
-                </a:spcBef>
-                <a:spcAft>
-                  <a:spcPts val="0"/>
-                </a:spcAft>
-                <a:buNone/>
-              </a:pPr>
-              <a:endParaRPr/>
-            </a:p>
-          </p:txBody>
-        </p:sp>
-        <p:sp>
-          <p:nvSpPr>
-            <p:cNvPr id="1216" name="Google Shape;1216;p48"/>
-            <p:cNvSpPr/>
-            <p:nvPr/>
-          </p:nvSpPr>
-          <p:spPr>
-            <a:xfrm>
-              <a:off x="7364144" y="2934613"/>
-              <a:ext cx="356781" cy="407359"/>
-            </a:xfrm>
-            <a:custGeom>
-              <a:avLst/>
-              <a:gdLst/>
-              <a:ahLst/>
-              <a:cxnLst/>
-              <a:rect l="l" t="t" r="r" b="b"/>
-              <a:pathLst>
-                <a:path w="7174" h="8191" extrusionOk="0">
-                  <a:moveTo>
-                    <a:pt x="3507" y="0"/>
-                  </a:moveTo>
-                  <a:lnTo>
-                    <a:pt x="3507" y="3961"/>
-                  </a:lnTo>
-                  <a:lnTo>
-                    <a:pt x="81" y="1981"/>
-                  </a:lnTo>
-                  <a:lnTo>
-                    <a:pt x="0" y="2141"/>
-                  </a:lnTo>
-                  <a:lnTo>
-                    <a:pt x="3426" y="4095"/>
-                  </a:lnTo>
-                  <a:lnTo>
-                    <a:pt x="0" y="6076"/>
-                  </a:lnTo>
-                  <a:lnTo>
-                    <a:pt x="81" y="6236"/>
-                  </a:lnTo>
-                  <a:lnTo>
-                    <a:pt x="3507" y="4256"/>
-                  </a:lnTo>
-                  <a:lnTo>
-                    <a:pt x="3507" y="8190"/>
-                  </a:lnTo>
-                  <a:lnTo>
-                    <a:pt x="3667" y="8190"/>
-                  </a:lnTo>
-                  <a:lnTo>
-                    <a:pt x="3667" y="4256"/>
-                  </a:lnTo>
-                  <a:lnTo>
-                    <a:pt x="7093" y="6236"/>
-                  </a:lnTo>
-                  <a:lnTo>
-                    <a:pt x="7173" y="6076"/>
-                  </a:lnTo>
-                  <a:lnTo>
-                    <a:pt x="3774" y="4095"/>
-                  </a:lnTo>
-                  <a:lnTo>
-                    <a:pt x="7173" y="2141"/>
-                  </a:lnTo>
-                  <a:lnTo>
-                    <a:pt x="7093" y="1981"/>
-                  </a:lnTo>
-                  <a:lnTo>
-                    <a:pt x="3667" y="3961"/>
-                  </a:lnTo>
-                  <a:lnTo>
-                    <a:pt x="3667" y="3961"/>
-                  </a:lnTo>
-                  <a:lnTo>
-                    <a:pt x="3694" y="0"/>
-                  </a:lnTo>
-                  <a:close/>
-                </a:path>
-              </a:pathLst>
-            </a:custGeom>
-            <a:solidFill>
-              <a:schemeClr val="accent2"/>
-            </a:solidFill>
-            <a:ln>
-              <a:noFill/>
-            </a:ln>
-          </p:spPr>
-          <p:txBody>
-            <a:bodyPr spcFirstLastPara="1" wrap="square" lIns="91425" tIns="91425" rIns="91425" bIns="91425" anchor="ctr" anchorCtr="0">
-              <a:noAutofit/>
-            </a:bodyPr>
-            <a:lstStyle/>
-            <a:p>
-              <a:pPr marL="0" lvl="0" indent="0" algn="l" rtl="0">
-                <a:spcBef>
-                  <a:spcPts val="0"/>
-                </a:spcBef>
-                <a:spcAft>
-                  <a:spcPts val="0"/>
-                </a:spcAft>
-                <a:buNone/>
-              </a:pPr>
-              <a:endParaRPr/>
-            </a:p>
-          </p:txBody>
-        </p:sp>
-        <p:sp>
-          <p:nvSpPr>
-            <p:cNvPr id="1217" name="Google Shape;1217;p48"/>
-            <p:cNvSpPr/>
-            <p:nvPr/>
-          </p:nvSpPr>
-          <p:spPr>
-            <a:xfrm>
-              <a:off x="7836713" y="2934613"/>
-              <a:ext cx="358124" cy="407359"/>
-            </a:xfrm>
-            <a:custGeom>
-              <a:avLst/>
-              <a:gdLst/>
-              <a:ahLst/>
-              <a:cxnLst/>
-              <a:rect l="l" t="t" r="r" b="b"/>
-              <a:pathLst>
-                <a:path w="7201" h="8191" extrusionOk="0">
-                  <a:moveTo>
-                    <a:pt x="3506" y="0"/>
-                  </a:moveTo>
-                  <a:lnTo>
-                    <a:pt x="3506" y="3961"/>
-                  </a:lnTo>
-                  <a:lnTo>
-                    <a:pt x="107" y="1981"/>
-                  </a:lnTo>
-                  <a:lnTo>
-                    <a:pt x="0" y="2115"/>
-                  </a:lnTo>
-                  <a:lnTo>
-                    <a:pt x="3426" y="4095"/>
-                  </a:lnTo>
-                  <a:lnTo>
-                    <a:pt x="0" y="6076"/>
-                  </a:lnTo>
-                  <a:lnTo>
-                    <a:pt x="107" y="6236"/>
-                  </a:lnTo>
-                  <a:lnTo>
-                    <a:pt x="3506" y="4256"/>
-                  </a:lnTo>
-                  <a:lnTo>
-                    <a:pt x="3506" y="8190"/>
-                  </a:lnTo>
-                  <a:lnTo>
-                    <a:pt x="3694" y="8190"/>
-                  </a:lnTo>
-                  <a:lnTo>
-                    <a:pt x="3694" y="4256"/>
-                  </a:lnTo>
-                  <a:lnTo>
-                    <a:pt x="7093" y="6236"/>
-                  </a:lnTo>
-                  <a:lnTo>
-                    <a:pt x="7200" y="6076"/>
-                  </a:lnTo>
-                  <a:lnTo>
-                    <a:pt x="3774" y="4095"/>
-                  </a:lnTo>
-                  <a:lnTo>
-                    <a:pt x="7200" y="2115"/>
-                  </a:lnTo>
-                  <a:lnTo>
-                    <a:pt x="7120" y="1981"/>
-                  </a:lnTo>
-                  <a:lnTo>
-                    <a:pt x="3694" y="3961"/>
-                  </a:lnTo>
-                  <a:lnTo>
-                    <a:pt x="3694" y="0"/>
-                  </a:lnTo>
-                  <a:close/>
-                </a:path>
-              </a:pathLst>
-            </a:custGeom>
-            <a:solidFill>
-              <a:schemeClr val="accent2"/>
-            </a:solidFill>
-            <a:ln>
-              <a:noFill/>
-            </a:ln>
-          </p:spPr>
-          <p:txBody>
-            <a:bodyPr spcFirstLastPara="1" wrap="square" lIns="91425" tIns="91425" rIns="91425" bIns="91425" anchor="ctr" anchorCtr="0">
-              <a:noAutofit/>
-            </a:bodyPr>
-            <a:lstStyle/>
-            <a:p>
-              <a:pPr marL="0" lvl="0" indent="0" algn="l" rtl="0">
-                <a:spcBef>
-                  <a:spcPts val="0"/>
-                </a:spcBef>
-                <a:spcAft>
-                  <a:spcPts val="0"/>
-                </a:spcAft>
-                <a:buNone/>
-              </a:pPr>
-              <a:endParaRPr/>
-            </a:p>
-          </p:txBody>
-        </p:sp>
-        <p:sp>
-          <p:nvSpPr>
-            <p:cNvPr id="1218" name="Google Shape;1218;p48"/>
-            <p:cNvSpPr/>
-            <p:nvPr/>
-          </p:nvSpPr>
-          <p:spPr>
-            <a:xfrm>
-              <a:off x="8310574" y="2934613"/>
-              <a:ext cx="356781" cy="407359"/>
-            </a:xfrm>
-            <a:custGeom>
-              <a:avLst/>
-              <a:gdLst/>
-              <a:ahLst/>
-              <a:cxnLst/>
-              <a:rect l="l" t="t" r="r" b="b"/>
-              <a:pathLst>
-                <a:path w="7174" h="8191" extrusionOk="0">
-                  <a:moveTo>
-                    <a:pt x="3507" y="0"/>
-                  </a:moveTo>
-                  <a:lnTo>
-                    <a:pt x="3507" y="3961"/>
-                  </a:lnTo>
-                  <a:lnTo>
-                    <a:pt x="81" y="1981"/>
-                  </a:lnTo>
-                  <a:lnTo>
-                    <a:pt x="1" y="2115"/>
-                  </a:lnTo>
-                  <a:lnTo>
-                    <a:pt x="3400" y="4095"/>
-                  </a:lnTo>
-                  <a:lnTo>
-                    <a:pt x="1" y="6076"/>
-                  </a:lnTo>
-                  <a:lnTo>
-                    <a:pt x="81" y="6210"/>
-                  </a:lnTo>
-                  <a:lnTo>
-                    <a:pt x="3507" y="4256"/>
-                  </a:lnTo>
-                  <a:lnTo>
-                    <a:pt x="3507" y="8190"/>
-                  </a:lnTo>
-                  <a:lnTo>
-                    <a:pt x="3668" y="8190"/>
-                  </a:lnTo>
-                  <a:lnTo>
-                    <a:pt x="3668" y="4256"/>
-                  </a:lnTo>
-                  <a:lnTo>
-                    <a:pt x="7094" y="6210"/>
-                  </a:lnTo>
-                  <a:lnTo>
-                    <a:pt x="7174" y="6076"/>
-                  </a:lnTo>
-                  <a:lnTo>
-                    <a:pt x="3748" y="4095"/>
-                  </a:lnTo>
-                  <a:lnTo>
-                    <a:pt x="7174" y="2115"/>
-                  </a:lnTo>
-                  <a:lnTo>
-                    <a:pt x="7094" y="1981"/>
-                  </a:lnTo>
-                  <a:lnTo>
-                    <a:pt x="3668" y="3961"/>
-                  </a:lnTo>
-                  <a:lnTo>
-                    <a:pt x="3668" y="0"/>
-                  </a:lnTo>
-                  <a:close/>
-                </a:path>
-              </a:pathLst>
-            </a:custGeom>
-            <a:solidFill>
-              <a:schemeClr val="accent2"/>
-            </a:solidFill>
-            <a:ln>
-              <a:noFill/>
-            </a:ln>
-          </p:spPr>
-          <p:txBody>
-            <a:bodyPr spcFirstLastPara="1" wrap="square" lIns="91425" tIns="91425" rIns="91425" bIns="91425" anchor="ctr" anchorCtr="0">
-              <a:noAutofit/>
-            </a:bodyPr>
-            <a:lstStyle/>
-            <a:p>
-              <a:pPr marL="0" lvl="0" indent="0" algn="l" rtl="0">
-                <a:spcBef>
-                  <a:spcPts val="0"/>
-                </a:spcBef>
-                <a:spcAft>
-                  <a:spcPts val="0"/>
-                </a:spcAft>
-                <a:buNone/>
-              </a:pPr>
-              <a:endParaRPr/>
-            </a:p>
-          </p:txBody>
-        </p:sp>
-        <p:sp>
-          <p:nvSpPr>
-            <p:cNvPr id="1219" name="Google Shape;1219;p48"/>
-            <p:cNvSpPr/>
-            <p:nvPr/>
-          </p:nvSpPr>
-          <p:spPr>
-            <a:xfrm>
-              <a:off x="8783142" y="3033085"/>
-              <a:ext cx="97227" cy="61270"/>
-            </a:xfrm>
-            <a:custGeom>
-              <a:avLst/>
-              <a:gdLst/>
-              <a:ahLst/>
-              <a:cxnLst/>
-              <a:rect l="l" t="t" r="r" b="b"/>
-              <a:pathLst>
-                <a:path w="1955" h="1232" extrusionOk="0">
-                  <a:moveTo>
-                    <a:pt x="81" y="1"/>
-                  </a:moveTo>
-                  <a:lnTo>
-                    <a:pt x="0" y="135"/>
-                  </a:lnTo>
-                  <a:lnTo>
-                    <a:pt x="1874" y="1232"/>
-                  </a:lnTo>
-                  <a:cubicBezTo>
-                    <a:pt x="1901" y="1178"/>
-                    <a:pt x="1928" y="1125"/>
-                    <a:pt x="1954" y="1071"/>
-                  </a:cubicBezTo>
-                  <a:lnTo>
-                    <a:pt x="81" y="1"/>
-                  </a:lnTo>
-                  <a:close/>
-                </a:path>
-              </a:pathLst>
-            </a:custGeom>
-            <a:solidFill>
-              <a:schemeClr val="accent2"/>
-            </a:solidFill>
-            <a:ln>
-              <a:noFill/>
-            </a:ln>
-          </p:spPr>
-          <p:txBody>
-            <a:bodyPr spcFirstLastPara="1" wrap="square" lIns="91425" tIns="91425" rIns="91425" bIns="91425" anchor="ctr" anchorCtr="0">
-              <a:noAutofit/>
-            </a:bodyPr>
-            <a:lstStyle/>
-            <a:p>
-              <a:pPr marL="0" lvl="0" indent="0" algn="l" rtl="0">
-                <a:spcBef>
-                  <a:spcPts val="0"/>
-                </a:spcBef>
-                <a:spcAft>
-                  <a:spcPts val="0"/>
-                </a:spcAft>
-                <a:buNone/>
-              </a:pPr>
-              <a:endParaRPr/>
-            </a:p>
-          </p:txBody>
-        </p:sp>
-        <p:sp>
-          <p:nvSpPr>
-            <p:cNvPr id="1220" name="Google Shape;1220;p48"/>
-            <p:cNvSpPr/>
-            <p:nvPr/>
-          </p:nvSpPr>
-          <p:spPr>
-            <a:xfrm>
-              <a:off x="7345494" y="3428467"/>
-              <a:ext cx="142484" cy="85242"/>
-            </a:xfrm>
-            <a:custGeom>
-              <a:avLst/>
-              <a:gdLst/>
-              <a:ahLst/>
-              <a:cxnLst/>
-              <a:rect l="l" t="t" r="r" b="b"/>
-              <a:pathLst>
-                <a:path w="2865" h="1714" extrusionOk="0">
-                  <a:moveTo>
-                    <a:pt x="2784" y="0"/>
-                  </a:moveTo>
-                  <a:lnTo>
-                    <a:pt x="1" y="1606"/>
-                  </a:lnTo>
-                  <a:cubicBezTo>
-                    <a:pt x="54" y="1660"/>
-                    <a:pt x="108" y="1686"/>
-                    <a:pt x="161" y="1713"/>
-                  </a:cubicBezTo>
-                  <a:lnTo>
-                    <a:pt x="2864" y="161"/>
-                  </a:lnTo>
-                  <a:lnTo>
-                    <a:pt x="2784" y="0"/>
-                  </a:lnTo>
-                  <a:close/>
-                </a:path>
-              </a:pathLst>
-            </a:custGeom>
-            <a:solidFill>
-              <a:schemeClr val="accent2"/>
-            </a:solidFill>
-            <a:ln>
-              <a:noFill/>
-            </a:ln>
-          </p:spPr>
-          <p:txBody>
-            <a:bodyPr spcFirstLastPara="1" wrap="square" lIns="91425" tIns="91425" rIns="91425" bIns="91425" anchor="ctr" anchorCtr="0">
-              <a:noAutofit/>
-            </a:bodyPr>
-            <a:lstStyle/>
-            <a:p>
-              <a:pPr marL="0" lvl="0" indent="0" algn="l" rtl="0">
-                <a:spcBef>
-                  <a:spcPts val="0"/>
-                </a:spcBef>
-                <a:spcAft>
-                  <a:spcPts val="0"/>
-                </a:spcAft>
-                <a:buNone/>
-              </a:pPr>
-              <a:endParaRPr/>
-            </a:p>
-          </p:txBody>
-        </p:sp>
-        <p:sp>
-          <p:nvSpPr>
-            <p:cNvPr id="1221" name="Google Shape;1221;p48"/>
-            <p:cNvSpPr/>
-            <p:nvPr/>
-          </p:nvSpPr>
-          <p:spPr>
-            <a:xfrm>
-              <a:off x="7305558" y="3329945"/>
-              <a:ext cx="8057" cy="161133"/>
-            </a:xfrm>
-            <a:custGeom>
-              <a:avLst/>
-              <a:gdLst/>
-              <a:ahLst/>
-              <a:cxnLst/>
-              <a:rect l="l" t="t" r="r" b="b"/>
-              <a:pathLst>
-                <a:path w="162" h="3240" extrusionOk="0">
-                  <a:moveTo>
-                    <a:pt x="1" y="0"/>
-                  </a:moveTo>
-                  <a:lnTo>
-                    <a:pt x="1" y="3132"/>
-                  </a:lnTo>
-                  <a:cubicBezTo>
-                    <a:pt x="54" y="3159"/>
-                    <a:pt x="108" y="3212"/>
-                    <a:pt x="161" y="3239"/>
-                  </a:cubicBezTo>
-                  <a:lnTo>
-                    <a:pt x="161" y="0"/>
-                  </a:lnTo>
-                  <a:close/>
-                </a:path>
-              </a:pathLst>
-            </a:custGeom>
-            <a:solidFill>
-              <a:schemeClr val="accent2"/>
-            </a:solidFill>
-            <a:ln>
-              <a:noFill/>
-            </a:ln>
-          </p:spPr>
-          <p:txBody>
-            <a:bodyPr spcFirstLastPara="1" wrap="square" lIns="91425" tIns="91425" rIns="91425" bIns="91425" anchor="ctr" anchorCtr="0">
-              <a:noAutofit/>
-            </a:bodyPr>
-            <a:lstStyle/>
-            <a:p>
-              <a:pPr marL="0" lvl="0" indent="0" algn="l" rtl="0">
-                <a:spcBef>
-                  <a:spcPts val="0"/>
-                </a:spcBef>
-                <a:spcAft>
-                  <a:spcPts val="0"/>
-                </a:spcAft>
-                <a:buNone/>
-              </a:pPr>
-              <a:endParaRPr/>
-            </a:p>
-          </p:txBody>
-        </p:sp>
-        <p:sp>
-          <p:nvSpPr>
-            <p:cNvPr id="1222" name="Google Shape;1222;p48"/>
-            <p:cNvSpPr/>
-            <p:nvPr/>
-          </p:nvSpPr>
-          <p:spPr>
-            <a:xfrm>
-              <a:off x="7603761" y="3329945"/>
-              <a:ext cx="358124" cy="316846"/>
-            </a:xfrm>
-            <a:custGeom>
-              <a:avLst/>
-              <a:gdLst/>
-              <a:ahLst/>
-              <a:cxnLst/>
-              <a:rect l="l" t="t" r="r" b="b"/>
-              <a:pathLst>
-                <a:path w="7201" h="6371" extrusionOk="0">
-                  <a:moveTo>
-                    <a:pt x="3506" y="0"/>
-                  </a:moveTo>
-                  <a:lnTo>
-                    <a:pt x="3506" y="3962"/>
-                  </a:lnTo>
-                  <a:lnTo>
-                    <a:pt x="80" y="1981"/>
-                  </a:lnTo>
-                  <a:lnTo>
-                    <a:pt x="0" y="2142"/>
-                  </a:lnTo>
-                  <a:lnTo>
-                    <a:pt x="3426" y="4096"/>
-                  </a:lnTo>
-                  <a:lnTo>
-                    <a:pt x="455" y="5835"/>
-                  </a:lnTo>
-                  <a:cubicBezTo>
-                    <a:pt x="535" y="5835"/>
-                    <a:pt x="616" y="5862"/>
-                    <a:pt x="696" y="5889"/>
-                  </a:cubicBezTo>
-                  <a:lnTo>
-                    <a:pt x="3506" y="4256"/>
-                  </a:lnTo>
-                  <a:lnTo>
-                    <a:pt x="3506" y="6371"/>
-                  </a:lnTo>
-                  <a:lnTo>
-                    <a:pt x="3694" y="6371"/>
-                  </a:lnTo>
-                  <a:lnTo>
-                    <a:pt x="3694" y="4256"/>
-                  </a:lnTo>
-                  <a:lnTo>
-                    <a:pt x="7093" y="6237"/>
-                  </a:lnTo>
-                  <a:lnTo>
-                    <a:pt x="7200" y="6076"/>
-                  </a:lnTo>
-                  <a:lnTo>
-                    <a:pt x="3774" y="4096"/>
-                  </a:lnTo>
-                  <a:lnTo>
-                    <a:pt x="7200" y="2142"/>
-                  </a:lnTo>
-                  <a:lnTo>
-                    <a:pt x="7093" y="1981"/>
-                  </a:lnTo>
-                  <a:lnTo>
-                    <a:pt x="3694" y="3962"/>
-                  </a:lnTo>
-                  <a:lnTo>
-                    <a:pt x="3694" y="0"/>
-                  </a:lnTo>
-                  <a:close/>
-                </a:path>
-              </a:pathLst>
-            </a:custGeom>
-            <a:solidFill>
-              <a:schemeClr val="accent2"/>
-            </a:solidFill>
-            <a:ln>
-              <a:noFill/>
-            </a:ln>
-          </p:spPr>
-          <p:txBody>
-            <a:bodyPr spcFirstLastPara="1" wrap="square" lIns="91425" tIns="91425" rIns="91425" bIns="91425" anchor="ctr" anchorCtr="0">
-              <a:noAutofit/>
-            </a:bodyPr>
-            <a:lstStyle/>
-            <a:p>
-              <a:pPr marL="0" lvl="0" indent="0" algn="l" rtl="0">
-                <a:spcBef>
-                  <a:spcPts val="0"/>
-                </a:spcBef>
-                <a:spcAft>
-                  <a:spcPts val="0"/>
-                </a:spcAft>
-                <a:buNone/>
-              </a:pPr>
-              <a:endParaRPr/>
-            </a:p>
-          </p:txBody>
-        </p:sp>
-        <p:sp>
-          <p:nvSpPr>
-            <p:cNvPr id="1223" name="Google Shape;1223;p48"/>
-            <p:cNvSpPr/>
-            <p:nvPr/>
-          </p:nvSpPr>
-          <p:spPr>
-            <a:xfrm>
-              <a:off x="8077622" y="3329945"/>
-              <a:ext cx="356781" cy="307546"/>
-            </a:xfrm>
-            <a:custGeom>
-              <a:avLst/>
-              <a:gdLst/>
-              <a:ahLst/>
-              <a:cxnLst/>
-              <a:rect l="l" t="t" r="r" b="b"/>
-              <a:pathLst>
-                <a:path w="7174" h="6184" extrusionOk="0">
-                  <a:moveTo>
-                    <a:pt x="3507" y="0"/>
-                  </a:moveTo>
-                  <a:lnTo>
-                    <a:pt x="3480" y="3962"/>
-                  </a:lnTo>
-                  <a:lnTo>
-                    <a:pt x="81" y="1981"/>
-                  </a:lnTo>
-                  <a:lnTo>
-                    <a:pt x="1" y="2142"/>
-                  </a:lnTo>
-                  <a:lnTo>
-                    <a:pt x="3400" y="4096"/>
-                  </a:lnTo>
-                  <a:lnTo>
-                    <a:pt x="1" y="6076"/>
-                  </a:lnTo>
-                  <a:lnTo>
-                    <a:pt x="54" y="6183"/>
-                  </a:lnTo>
-                  <a:lnTo>
-                    <a:pt x="161" y="6183"/>
-                  </a:lnTo>
-                  <a:lnTo>
-                    <a:pt x="3480" y="4256"/>
-                  </a:lnTo>
-                  <a:lnTo>
-                    <a:pt x="3480" y="5354"/>
-                  </a:lnTo>
-                  <a:cubicBezTo>
-                    <a:pt x="3560" y="5327"/>
-                    <a:pt x="3614" y="5327"/>
-                    <a:pt x="3668" y="5300"/>
-                  </a:cubicBezTo>
-                  <a:lnTo>
-                    <a:pt x="3668" y="4256"/>
-                  </a:lnTo>
-                  <a:lnTo>
-                    <a:pt x="4765" y="4899"/>
-                  </a:lnTo>
-                  <a:cubicBezTo>
-                    <a:pt x="4845" y="4872"/>
-                    <a:pt x="4899" y="4845"/>
-                    <a:pt x="4979" y="4818"/>
-                  </a:cubicBezTo>
-                  <a:lnTo>
-                    <a:pt x="3748" y="4096"/>
-                  </a:lnTo>
-                  <a:lnTo>
-                    <a:pt x="7174" y="2142"/>
-                  </a:lnTo>
-                  <a:lnTo>
-                    <a:pt x="7094" y="1981"/>
-                  </a:lnTo>
-                  <a:lnTo>
-                    <a:pt x="3668" y="3962"/>
-                  </a:lnTo>
-                  <a:lnTo>
-                    <a:pt x="3668" y="0"/>
-                  </a:lnTo>
-                  <a:close/>
-                </a:path>
-              </a:pathLst>
-            </a:custGeom>
-            <a:solidFill>
-              <a:schemeClr val="accent2"/>
-            </a:solidFill>
-            <a:ln>
-              <a:noFill/>
-            </a:ln>
-          </p:spPr>
-          <p:txBody>
-            <a:bodyPr spcFirstLastPara="1" wrap="square" lIns="91425" tIns="91425" rIns="91425" bIns="91425" anchor="ctr" anchorCtr="0">
-              <a:noAutofit/>
-            </a:bodyPr>
-            <a:lstStyle/>
-            <a:p>
-              <a:pPr marL="0" lvl="0" indent="0" algn="l" rtl="0">
-                <a:spcBef>
-                  <a:spcPts val="0"/>
-                </a:spcBef>
-                <a:spcAft>
-                  <a:spcPts val="0"/>
-                </a:spcAft>
-                <a:buNone/>
-              </a:pPr>
-              <a:endParaRPr/>
-            </a:p>
-          </p:txBody>
-        </p:sp>
-        <p:sp>
-          <p:nvSpPr>
-            <p:cNvPr id="1224" name="Google Shape;1224;p48"/>
-            <p:cNvSpPr/>
-            <p:nvPr/>
-          </p:nvSpPr>
-          <p:spPr>
-            <a:xfrm>
-              <a:off x="8550190" y="3428467"/>
-              <a:ext cx="16014" cy="12035"/>
-            </a:xfrm>
-            <a:custGeom>
-              <a:avLst/>
-              <a:gdLst/>
-              <a:ahLst/>
-              <a:cxnLst/>
-              <a:rect l="l" t="t" r="r" b="b"/>
-              <a:pathLst>
-                <a:path w="322" h="242" extrusionOk="0">
-                  <a:moveTo>
-                    <a:pt x="81" y="0"/>
-                  </a:moveTo>
-                  <a:lnTo>
-                    <a:pt x="0" y="134"/>
-                  </a:lnTo>
-                  <a:lnTo>
-                    <a:pt x="161" y="241"/>
-                  </a:lnTo>
-                  <a:cubicBezTo>
-                    <a:pt x="215" y="214"/>
-                    <a:pt x="268" y="161"/>
-                    <a:pt x="322" y="134"/>
-                  </a:cubicBezTo>
-                  <a:lnTo>
-                    <a:pt x="81" y="0"/>
-                  </a:lnTo>
-                  <a:close/>
-                </a:path>
-              </a:pathLst>
-            </a:custGeom>
-            <a:solidFill>
-              <a:schemeClr val="accent2"/>
-            </a:solidFill>
-            <a:ln>
-              <a:noFill/>
-            </a:ln>
-          </p:spPr>
-          <p:txBody>
-            <a:bodyPr spcFirstLastPara="1" wrap="square" lIns="91425" tIns="91425" rIns="91425" bIns="91425" anchor="ctr" anchorCtr="0">
-              <a:noAutofit/>
-            </a:bodyPr>
-            <a:lstStyle/>
-            <a:p>
-              <a:pPr marL="0" lvl="0" indent="0" algn="l" rtl="0">
-                <a:spcBef>
-                  <a:spcPts val="0"/>
-                </a:spcBef>
-                <a:spcAft>
-                  <a:spcPts val="0"/>
-                </a:spcAft>
-                <a:buNone/>
-              </a:pPr>
-              <a:endParaRPr/>
-            </a:p>
-          </p:txBody>
-        </p:sp>
-      </p:grpSp>
-      <p:sp>
-        <p:nvSpPr>
-          <p:cNvPr id="1225" name="Google Shape;1225;p48"/>
-          <p:cNvSpPr/>
-          <p:nvPr/>
-        </p:nvSpPr>
-        <p:spPr>
-          <a:xfrm rot="-1848056" flipH="1">
-            <a:off x="7756025" y="2517986"/>
-            <a:ext cx="1938888" cy="3305698"/>
-          </a:xfrm>
-          <a:custGeom>
-            <a:avLst/>
-            <a:gdLst/>
-            <a:ahLst/>
-            <a:cxnLst/>
-            <a:rect l="l" t="t" r="r" b="b"/>
-            <a:pathLst>
-              <a:path w="19210" h="32752" extrusionOk="0">
-                <a:moveTo>
-                  <a:pt x="14053" y="490"/>
-                </a:moveTo>
-                <a:lnTo>
-                  <a:pt x="14053" y="490"/>
-                </a:lnTo>
-                <a:cubicBezTo>
-                  <a:pt x="14026" y="597"/>
-                  <a:pt x="13999" y="758"/>
-                  <a:pt x="13972" y="918"/>
-                </a:cubicBezTo>
-                <a:cubicBezTo>
-                  <a:pt x="13972" y="865"/>
-                  <a:pt x="13972" y="838"/>
-                  <a:pt x="13946" y="838"/>
-                </a:cubicBezTo>
-                <a:cubicBezTo>
-                  <a:pt x="13972" y="731"/>
-                  <a:pt x="14026" y="597"/>
-                  <a:pt x="14053" y="490"/>
-                </a:cubicBezTo>
-                <a:close/>
-                <a:moveTo>
-                  <a:pt x="13651" y="1560"/>
-                </a:moveTo>
-                <a:lnTo>
-                  <a:pt x="13651" y="1560"/>
-                </a:lnTo>
-                <a:cubicBezTo>
-                  <a:pt x="13276" y="3862"/>
-                  <a:pt x="12045" y="5923"/>
-                  <a:pt x="11189" y="8038"/>
-                </a:cubicBezTo>
-                <a:cubicBezTo>
-                  <a:pt x="10522" y="9665"/>
-                  <a:pt x="10466" y="11531"/>
-                  <a:pt x="10493" y="13318"/>
-                </a:cubicBezTo>
-                <a:lnTo>
-                  <a:pt x="10493" y="13318"/>
-                </a:lnTo>
-                <a:cubicBezTo>
-                  <a:pt x="10490" y="13217"/>
-                  <a:pt x="10464" y="13118"/>
-                  <a:pt x="10439" y="13043"/>
-                </a:cubicBezTo>
-                <a:cubicBezTo>
-                  <a:pt x="10091" y="10634"/>
-                  <a:pt x="9904" y="8412"/>
-                  <a:pt x="11001" y="6191"/>
-                </a:cubicBezTo>
-                <a:cubicBezTo>
-                  <a:pt x="11724" y="4772"/>
-                  <a:pt x="12714" y="3541"/>
-                  <a:pt x="13410" y="2123"/>
-                </a:cubicBezTo>
-                <a:cubicBezTo>
-                  <a:pt x="13491" y="1935"/>
-                  <a:pt x="13571" y="1748"/>
-                  <a:pt x="13651" y="1560"/>
-                </a:cubicBezTo>
-                <a:close/>
-                <a:moveTo>
-                  <a:pt x="13972" y="945"/>
-                </a:moveTo>
-                <a:lnTo>
-                  <a:pt x="13972" y="945"/>
-                </a:lnTo>
-                <a:cubicBezTo>
-                  <a:pt x="13972" y="1079"/>
-                  <a:pt x="13946" y="1212"/>
-                  <a:pt x="13946" y="1346"/>
-                </a:cubicBezTo>
-                <a:cubicBezTo>
-                  <a:pt x="13946" y="2524"/>
-                  <a:pt x="13758" y="3702"/>
-                  <a:pt x="13517" y="4853"/>
-                </a:cubicBezTo>
-                <a:cubicBezTo>
-                  <a:pt x="12821" y="7877"/>
-                  <a:pt x="11376" y="10580"/>
-                  <a:pt x="10760" y="13605"/>
-                </a:cubicBezTo>
-                <a:cubicBezTo>
-                  <a:pt x="10787" y="11357"/>
-                  <a:pt x="10921" y="9189"/>
-                  <a:pt x="11858" y="7074"/>
-                </a:cubicBezTo>
-                <a:cubicBezTo>
-                  <a:pt x="12741" y="5094"/>
-                  <a:pt x="13785" y="3140"/>
-                  <a:pt x="13972" y="945"/>
-                </a:cubicBezTo>
-                <a:close/>
-                <a:moveTo>
-                  <a:pt x="5002" y="14350"/>
-                </a:moveTo>
-                <a:cubicBezTo>
-                  <a:pt x="5585" y="14350"/>
-                  <a:pt x="6085" y="14646"/>
-                  <a:pt x="6746" y="15104"/>
-                </a:cubicBezTo>
-                <a:cubicBezTo>
-                  <a:pt x="6879" y="15184"/>
-                  <a:pt x="7013" y="15264"/>
-                  <a:pt x="7147" y="15372"/>
-                </a:cubicBezTo>
-                <a:cubicBezTo>
-                  <a:pt x="6694" y="15252"/>
-                  <a:pt x="6232" y="15200"/>
-                  <a:pt x="5767" y="15200"/>
-                </a:cubicBezTo>
-                <a:cubicBezTo>
-                  <a:pt x="4364" y="15200"/>
-                  <a:pt x="2927" y="15672"/>
-                  <a:pt x="1580" y="16174"/>
-                </a:cubicBezTo>
-                <a:cubicBezTo>
-                  <a:pt x="2329" y="15666"/>
-                  <a:pt x="3025" y="15077"/>
-                  <a:pt x="3855" y="14676"/>
-                </a:cubicBezTo>
-                <a:cubicBezTo>
-                  <a:pt x="4297" y="14450"/>
-                  <a:pt x="4663" y="14350"/>
-                  <a:pt x="5002" y="14350"/>
-                </a:cubicBezTo>
-                <a:close/>
-                <a:moveTo>
-                  <a:pt x="5753" y="15432"/>
-                </a:moveTo>
-                <a:cubicBezTo>
-                  <a:pt x="6514" y="15432"/>
-                  <a:pt x="7262" y="15581"/>
-                  <a:pt x="7977" y="15960"/>
-                </a:cubicBezTo>
-                <a:cubicBezTo>
-                  <a:pt x="8619" y="16389"/>
-                  <a:pt x="9208" y="16870"/>
-                  <a:pt x="9743" y="17406"/>
-                </a:cubicBezTo>
-                <a:cubicBezTo>
-                  <a:pt x="8352" y="16737"/>
-                  <a:pt x="6906" y="16389"/>
-                  <a:pt x="5381" y="16335"/>
-                </a:cubicBezTo>
-                <a:lnTo>
-                  <a:pt x="4765" y="16335"/>
-                </a:lnTo>
-                <a:cubicBezTo>
-                  <a:pt x="3828" y="16335"/>
-                  <a:pt x="2918" y="16469"/>
-                  <a:pt x="1981" y="16576"/>
-                </a:cubicBezTo>
-                <a:cubicBezTo>
-                  <a:pt x="1633" y="16603"/>
-                  <a:pt x="1312" y="16629"/>
-                  <a:pt x="964" y="16656"/>
-                </a:cubicBezTo>
-                <a:cubicBezTo>
-                  <a:pt x="2489" y="16094"/>
-                  <a:pt x="4149" y="15432"/>
-                  <a:pt x="5753" y="15432"/>
-                </a:cubicBezTo>
-                <a:close/>
-                <a:moveTo>
-                  <a:pt x="18748" y="11060"/>
-                </a:moveTo>
-                <a:cubicBezTo>
-                  <a:pt x="18737" y="11089"/>
-                  <a:pt x="18737" y="11129"/>
-                  <a:pt x="18737" y="11169"/>
-                </a:cubicBezTo>
-                <a:cubicBezTo>
-                  <a:pt x="18603" y="11892"/>
-                  <a:pt x="18442" y="12588"/>
-                  <a:pt x="18282" y="13284"/>
-                </a:cubicBezTo>
-                <a:cubicBezTo>
-                  <a:pt x="17907" y="14729"/>
-                  <a:pt x="17291" y="16255"/>
-                  <a:pt x="16087" y="17165"/>
-                </a:cubicBezTo>
-                <a:cubicBezTo>
-                  <a:pt x="14963" y="17995"/>
-                  <a:pt x="13223" y="18289"/>
-                  <a:pt x="12045" y="19119"/>
-                </a:cubicBezTo>
-                <a:cubicBezTo>
-                  <a:pt x="12473" y="18342"/>
-                  <a:pt x="12955" y="17700"/>
-                  <a:pt x="13785" y="17218"/>
-                </a:cubicBezTo>
-                <a:cubicBezTo>
-                  <a:pt x="14508" y="16790"/>
-                  <a:pt x="15257" y="16469"/>
-                  <a:pt x="15873" y="15907"/>
-                </a:cubicBezTo>
-                <a:cubicBezTo>
-                  <a:pt x="16542" y="15291"/>
-                  <a:pt x="17077" y="14408"/>
-                  <a:pt x="17532" y="13659"/>
-                </a:cubicBezTo>
-                <a:cubicBezTo>
-                  <a:pt x="18036" y="12864"/>
-                  <a:pt x="18250" y="11859"/>
-                  <a:pt x="18748" y="11060"/>
-                </a:cubicBezTo>
-                <a:close/>
-                <a:moveTo>
-                  <a:pt x="18549" y="10928"/>
-                </a:moveTo>
-                <a:lnTo>
-                  <a:pt x="18549" y="10928"/>
-                </a:lnTo>
-                <a:cubicBezTo>
-                  <a:pt x="18201" y="11517"/>
-                  <a:pt x="18014" y="12213"/>
-                  <a:pt x="17693" y="12856"/>
-                </a:cubicBezTo>
-                <a:cubicBezTo>
-                  <a:pt x="17184" y="13899"/>
-                  <a:pt x="16488" y="14863"/>
-                  <a:pt x="15712" y="15719"/>
-                </a:cubicBezTo>
-                <a:cubicBezTo>
-                  <a:pt x="15016" y="16469"/>
-                  <a:pt x="13919" y="16844"/>
-                  <a:pt x="13062" y="17379"/>
-                </a:cubicBezTo>
-                <a:cubicBezTo>
-                  <a:pt x="12313" y="17861"/>
-                  <a:pt x="11911" y="18798"/>
-                  <a:pt x="11510" y="19547"/>
-                </a:cubicBezTo>
-                <a:cubicBezTo>
-                  <a:pt x="11485" y="19571"/>
-                  <a:pt x="11461" y="19573"/>
-                  <a:pt x="11457" y="19594"/>
-                </a:cubicBezTo>
-                <a:lnTo>
-                  <a:pt x="11457" y="19594"/>
-                </a:lnTo>
-                <a:cubicBezTo>
-                  <a:pt x="11836" y="15557"/>
-                  <a:pt x="16249" y="13818"/>
-                  <a:pt x="18549" y="10928"/>
-                </a:cubicBezTo>
-                <a:close/>
-                <a:moveTo>
-                  <a:pt x="6505" y="16683"/>
-                </a:moveTo>
-                <a:lnTo>
-                  <a:pt x="6505" y="16683"/>
-                </a:lnTo>
-                <a:cubicBezTo>
-                  <a:pt x="7763" y="16844"/>
-                  <a:pt x="8994" y="17245"/>
-                  <a:pt x="10145" y="17914"/>
-                </a:cubicBezTo>
-                <a:cubicBezTo>
-                  <a:pt x="10573" y="18450"/>
-                  <a:pt x="10921" y="19065"/>
-                  <a:pt x="11135" y="19788"/>
-                </a:cubicBezTo>
-                <a:cubicBezTo>
-                  <a:pt x="9315" y="19172"/>
-                  <a:pt x="8191" y="17432"/>
-                  <a:pt x="6505" y="16683"/>
-                </a:cubicBezTo>
-                <a:close/>
-                <a:moveTo>
-                  <a:pt x="6772" y="20270"/>
-                </a:moveTo>
-                <a:cubicBezTo>
-                  <a:pt x="7736" y="21581"/>
-                  <a:pt x="9342" y="22384"/>
-                  <a:pt x="10466" y="23535"/>
-                </a:cubicBezTo>
-                <a:cubicBezTo>
-                  <a:pt x="9074" y="22598"/>
-                  <a:pt x="7120" y="22331"/>
-                  <a:pt x="6826" y="20350"/>
-                </a:cubicBezTo>
-                <a:cubicBezTo>
-                  <a:pt x="6799" y="20323"/>
-                  <a:pt x="6772" y="20296"/>
-                  <a:pt x="6746" y="20270"/>
-                </a:cubicBezTo>
-                <a:close/>
-                <a:moveTo>
-                  <a:pt x="16221" y="20698"/>
-                </a:moveTo>
-                <a:cubicBezTo>
-                  <a:pt x="15685" y="21635"/>
-                  <a:pt x="14267" y="22304"/>
-                  <a:pt x="13464" y="22812"/>
-                </a:cubicBezTo>
-                <a:cubicBezTo>
-                  <a:pt x="12955" y="23187"/>
-                  <a:pt x="12233" y="23615"/>
-                  <a:pt x="11831" y="24177"/>
-                </a:cubicBezTo>
-                <a:cubicBezTo>
-                  <a:pt x="12286" y="22357"/>
-                  <a:pt x="14722" y="21768"/>
-                  <a:pt x="16221" y="20698"/>
-                </a:cubicBezTo>
-                <a:close/>
-                <a:moveTo>
-                  <a:pt x="6692" y="20939"/>
-                </a:moveTo>
-                <a:cubicBezTo>
-                  <a:pt x="7388" y="22893"/>
-                  <a:pt x="9957" y="22866"/>
-                  <a:pt x="11135" y="24445"/>
-                </a:cubicBezTo>
-                <a:cubicBezTo>
-                  <a:pt x="9395" y="23481"/>
-                  <a:pt x="6772" y="23080"/>
-                  <a:pt x="6692" y="20939"/>
-                </a:cubicBezTo>
-                <a:close/>
-                <a:moveTo>
-                  <a:pt x="16194" y="21126"/>
-                </a:moveTo>
-                <a:cubicBezTo>
-                  <a:pt x="15766" y="22304"/>
-                  <a:pt x="14749" y="22919"/>
-                  <a:pt x="13571" y="23455"/>
-                </a:cubicBezTo>
-                <a:cubicBezTo>
-                  <a:pt x="12982" y="23722"/>
-                  <a:pt x="12393" y="24017"/>
-                  <a:pt x="11938" y="24445"/>
-                </a:cubicBezTo>
-                <a:cubicBezTo>
-                  <a:pt x="12447" y="23562"/>
-                  <a:pt x="13785" y="22919"/>
-                  <a:pt x="14534" y="22411"/>
-                </a:cubicBezTo>
-                <a:cubicBezTo>
-                  <a:pt x="15070" y="22063"/>
-                  <a:pt x="15739" y="21661"/>
-                  <a:pt x="16194" y="21126"/>
-                </a:cubicBezTo>
-                <a:close/>
-                <a:moveTo>
-                  <a:pt x="14048" y="0"/>
-                </a:moveTo>
-                <a:cubicBezTo>
-                  <a:pt x="14002" y="0"/>
-                  <a:pt x="13958" y="28"/>
-                  <a:pt x="13946" y="88"/>
-                </a:cubicBezTo>
-                <a:cubicBezTo>
-                  <a:pt x="13196" y="2390"/>
-                  <a:pt x="11751" y="4183"/>
-                  <a:pt x="10680" y="6298"/>
-                </a:cubicBezTo>
-                <a:cubicBezTo>
-                  <a:pt x="9610" y="8466"/>
-                  <a:pt x="9877" y="10795"/>
-                  <a:pt x="10225" y="13096"/>
-                </a:cubicBezTo>
-                <a:cubicBezTo>
-                  <a:pt x="10305" y="13766"/>
-                  <a:pt x="10413" y="14435"/>
-                  <a:pt x="10520" y="15104"/>
-                </a:cubicBezTo>
-                <a:cubicBezTo>
-                  <a:pt x="10520" y="15131"/>
-                  <a:pt x="10520" y="15157"/>
-                  <a:pt x="10520" y="15157"/>
-                </a:cubicBezTo>
-                <a:cubicBezTo>
-                  <a:pt x="10520" y="15184"/>
-                  <a:pt x="10520" y="15211"/>
-                  <a:pt x="10546" y="15211"/>
-                </a:cubicBezTo>
-                <a:cubicBezTo>
-                  <a:pt x="10734" y="16469"/>
-                  <a:pt x="10921" y="17727"/>
-                  <a:pt x="11082" y="18985"/>
-                </a:cubicBezTo>
-                <a:cubicBezTo>
-                  <a:pt x="10520" y="17700"/>
-                  <a:pt x="9502" y="16737"/>
-                  <a:pt x="8352" y="15907"/>
-                </a:cubicBezTo>
-                <a:cubicBezTo>
-                  <a:pt x="8352" y="15880"/>
-                  <a:pt x="8352" y="15853"/>
-                  <a:pt x="8325" y="15853"/>
-                </a:cubicBezTo>
-                <a:cubicBezTo>
-                  <a:pt x="8298" y="15853"/>
-                  <a:pt x="8271" y="15827"/>
-                  <a:pt x="8271" y="15827"/>
-                </a:cubicBezTo>
-                <a:cubicBezTo>
-                  <a:pt x="7602" y="15345"/>
-                  <a:pt x="6906" y="14890"/>
-                  <a:pt x="6237" y="14461"/>
-                </a:cubicBezTo>
-                <a:cubicBezTo>
-                  <a:pt x="5829" y="14193"/>
-                  <a:pt x="5417" y="14081"/>
-                  <a:pt x="5004" y="14081"/>
-                </a:cubicBezTo>
-                <a:cubicBezTo>
-                  <a:pt x="3280" y="14081"/>
-                  <a:pt x="1550" y="16040"/>
-                  <a:pt x="81" y="16710"/>
-                </a:cubicBezTo>
-                <a:cubicBezTo>
-                  <a:pt x="27" y="16737"/>
-                  <a:pt x="1" y="16790"/>
-                  <a:pt x="27" y="16844"/>
-                </a:cubicBezTo>
-                <a:cubicBezTo>
-                  <a:pt x="27" y="16870"/>
-                  <a:pt x="54" y="16870"/>
-                  <a:pt x="54" y="16870"/>
-                </a:cubicBezTo>
-                <a:cubicBezTo>
-                  <a:pt x="54" y="16870"/>
-                  <a:pt x="54" y="16897"/>
-                  <a:pt x="81" y="16897"/>
-                </a:cubicBezTo>
-                <a:cubicBezTo>
-                  <a:pt x="81" y="16924"/>
-                  <a:pt x="108" y="16924"/>
-                  <a:pt x="108" y="16924"/>
-                </a:cubicBezTo>
-                <a:lnTo>
-                  <a:pt x="135" y="16924"/>
-                </a:lnTo>
-                <a:cubicBezTo>
-                  <a:pt x="1580" y="16924"/>
-                  <a:pt x="2972" y="16656"/>
-                  <a:pt x="4390" y="16576"/>
-                </a:cubicBezTo>
-                <a:lnTo>
-                  <a:pt x="5354" y="16576"/>
-                </a:lnTo>
-                <a:cubicBezTo>
-                  <a:pt x="7736" y="16870"/>
-                  <a:pt x="8967" y="19413"/>
-                  <a:pt x="11242" y="20082"/>
-                </a:cubicBezTo>
-                <a:cubicBezTo>
-                  <a:pt x="11376" y="21367"/>
-                  <a:pt x="11483" y="22679"/>
-                  <a:pt x="11483" y="23990"/>
-                </a:cubicBezTo>
-                <a:cubicBezTo>
-                  <a:pt x="11483" y="24124"/>
-                  <a:pt x="11483" y="24284"/>
-                  <a:pt x="11483" y="24445"/>
-                </a:cubicBezTo>
-                <a:cubicBezTo>
-                  <a:pt x="10413" y="22545"/>
-                  <a:pt x="7977" y="21715"/>
-                  <a:pt x="6799" y="19895"/>
-                </a:cubicBezTo>
-                <a:cubicBezTo>
-                  <a:pt x="6778" y="19863"/>
-                  <a:pt x="6740" y="19848"/>
-                  <a:pt x="6701" y="19848"/>
-                </a:cubicBezTo>
-                <a:cubicBezTo>
-                  <a:pt x="6640" y="19848"/>
-                  <a:pt x="6574" y="19884"/>
-                  <a:pt x="6558" y="19948"/>
-                </a:cubicBezTo>
-                <a:cubicBezTo>
-                  <a:pt x="6237" y="21340"/>
-                  <a:pt x="6719" y="22411"/>
-                  <a:pt x="7897" y="23241"/>
-                </a:cubicBezTo>
-                <a:cubicBezTo>
-                  <a:pt x="8967" y="23990"/>
-                  <a:pt x="10386" y="24177"/>
-                  <a:pt x="11456" y="24954"/>
-                </a:cubicBezTo>
-                <a:cubicBezTo>
-                  <a:pt x="11349" y="27523"/>
-                  <a:pt x="10734" y="30093"/>
-                  <a:pt x="10145" y="32609"/>
-                </a:cubicBezTo>
-                <a:cubicBezTo>
-                  <a:pt x="10112" y="32690"/>
-                  <a:pt x="10188" y="32751"/>
-                  <a:pt x="10265" y="32751"/>
-                </a:cubicBezTo>
-                <a:cubicBezTo>
-                  <a:pt x="10315" y="32751"/>
-                  <a:pt x="10365" y="32725"/>
-                  <a:pt x="10386" y="32662"/>
-                </a:cubicBezTo>
-                <a:cubicBezTo>
-                  <a:pt x="10760" y="31003"/>
-                  <a:pt x="11108" y="29343"/>
-                  <a:pt x="11430" y="27684"/>
-                </a:cubicBezTo>
-                <a:cubicBezTo>
-                  <a:pt x="11563" y="26854"/>
-                  <a:pt x="11670" y="26024"/>
-                  <a:pt x="11697" y="25194"/>
-                </a:cubicBezTo>
-                <a:cubicBezTo>
-                  <a:pt x="12179" y="24017"/>
-                  <a:pt x="13839" y="23669"/>
-                  <a:pt x="14829" y="23080"/>
-                </a:cubicBezTo>
-                <a:cubicBezTo>
-                  <a:pt x="15899" y="22491"/>
-                  <a:pt x="16488" y="21581"/>
-                  <a:pt x="16595" y="20377"/>
-                </a:cubicBezTo>
-                <a:cubicBezTo>
-                  <a:pt x="16595" y="20350"/>
-                  <a:pt x="16595" y="20350"/>
-                  <a:pt x="16595" y="20323"/>
-                </a:cubicBezTo>
-                <a:cubicBezTo>
-                  <a:pt x="16622" y="20270"/>
-                  <a:pt x="16569" y="20243"/>
-                  <a:pt x="16515" y="20216"/>
-                </a:cubicBezTo>
-                <a:lnTo>
-                  <a:pt x="16462" y="20216"/>
-                </a:lnTo>
-                <a:cubicBezTo>
-                  <a:pt x="16435" y="20216"/>
-                  <a:pt x="16435" y="20243"/>
-                  <a:pt x="16408" y="20243"/>
-                </a:cubicBezTo>
-                <a:cubicBezTo>
-                  <a:pt x="15043" y="21474"/>
-                  <a:pt x="12473" y="21983"/>
-                  <a:pt x="11724" y="23722"/>
-                </a:cubicBezTo>
-                <a:cubicBezTo>
-                  <a:pt x="11724" y="22571"/>
-                  <a:pt x="11644" y="21447"/>
-                  <a:pt x="11510" y="20323"/>
-                </a:cubicBezTo>
-                <a:cubicBezTo>
-                  <a:pt x="11510" y="20189"/>
-                  <a:pt x="11483" y="20082"/>
-                  <a:pt x="11483" y="19948"/>
-                </a:cubicBezTo>
-                <a:cubicBezTo>
-                  <a:pt x="12072" y="19172"/>
-                  <a:pt x="13250" y="18824"/>
-                  <a:pt x="14106" y="18450"/>
-                </a:cubicBezTo>
-                <a:cubicBezTo>
-                  <a:pt x="15070" y="18021"/>
-                  <a:pt x="16060" y="17593"/>
-                  <a:pt x="16809" y="16844"/>
-                </a:cubicBezTo>
-                <a:cubicBezTo>
-                  <a:pt x="18522" y="15157"/>
-                  <a:pt x="18790" y="12160"/>
-                  <a:pt x="19192" y="9938"/>
-                </a:cubicBezTo>
-                <a:cubicBezTo>
-                  <a:pt x="19210" y="9848"/>
-                  <a:pt x="19130" y="9770"/>
-                  <a:pt x="19060" y="9770"/>
-                </a:cubicBezTo>
-                <a:cubicBezTo>
-                  <a:pt x="19026" y="9770"/>
-                  <a:pt x="18995" y="9788"/>
-                  <a:pt x="18978" y="9831"/>
-                </a:cubicBezTo>
-                <a:cubicBezTo>
-                  <a:pt x="18014" y="11758"/>
-                  <a:pt x="15846" y="13070"/>
-                  <a:pt x="14294" y="14488"/>
-                </a:cubicBezTo>
-                <a:cubicBezTo>
-                  <a:pt x="12982" y="15693"/>
-                  <a:pt x="11751" y="17138"/>
-                  <a:pt x="11349" y="18851"/>
-                </a:cubicBezTo>
-                <a:cubicBezTo>
-                  <a:pt x="11162" y="17593"/>
-                  <a:pt x="10975" y="16335"/>
-                  <a:pt x="10760" y="15104"/>
-                </a:cubicBezTo>
-                <a:cubicBezTo>
-                  <a:pt x="11028" y="12534"/>
-                  <a:pt x="11911" y="10233"/>
-                  <a:pt x="12821" y="7877"/>
-                </a:cubicBezTo>
-                <a:cubicBezTo>
-                  <a:pt x="13758" y="5334"/>
-                  <a:pt x="14267" y="2818"/>
-                  <a:pt x="14160" y="115"/>
-                </a:cubicBezTo>
-                <a:cubicBezTo>
-                  <a:pt x="14160" y="42"/>
-                  <a:pt x="14103" y="0"/>
-                  <a:pt x="14048" y="0"/>
-                </a:cubicBezTo>
-                <a:close/>
-              </a:path>
-            </a:pathLst>
-          </a:custGeom>
-          <a:solidFill>
-            <a:schemeClr val="accent2"/>
-          </a:solidFill>
-          <a:ln>
-            <a:noFill/>
-          </a:ln>
-        </p:spPr>
-        <p:txBody>
-          <a:bodyPr spcFirstLastPara="1" wrap="square" lIns="91425" tIns="91425" rIns="91425" bIns="91425" anchor="ctr" anchorCtr="0">
-            <a:noAutofit/>
-          </a:bodyPr>
-          <a:lstStyle/>
-          <a:p>
-            <a:pPr marL="0" lvl="0" indent="0" algn="l" rtl="0">
-              <a:spcBef>
-                <a:spcPts val="0"/>
-              </a:spcBef>
-              <a:spcAft>
-                <a:spcPts val="0"/>
-              </a:spcAft>
-              <a:buNone/>
-            </a:pPr>
-            <a:endParaRPr/>
-          </a:p>
-        </p:txBody>
-      </p:sp>
-    </p:spTree>
-  </p:cSld>
-  <p:clrMapOvr>
-    <a:masterClrMapping/>
-  </p:clrMapOvr>
-</p:sldLayout>
-</file>
-
 <file path=ppt/slideMasters/slideMaster1.xml><?xml version="1.0" encoding="utf-8"?>
 <p:sldMaster xmlns:a="http://schemas.openxmlformats.org/drawingml/2006/main" xmlns:r="http://schemas.openxmlformats.org/officeDocument/2006/relationships" xmlns:p="http://schemas.openxmlformats.org/presentationml/2006/main">
   <p:cSld name="simple-light-2">
@@ -15370,7 +10811,6 @@
     <p:sldLayoutId id="2147483650" r:id="rId2"/>
     <p:sldLayoutId id="2147483658" r:id="rId3"/>
     <p:sldLayoutId id="2147483659" r:id="rId4"/>
-    <p:sldLayoutId id="2147483694" r:id="rId5"/>
   </p:sldLayoutIdLst>
   <p:hf sldNum="0" hdr="0" ftr="0" dt="0"/>
   <p:txStyles>
@@ -16557,7 +11997,7 @@
             </a:pPr>
             <a:r>
               <a:rPr lang="pt-PT" dirty="0"/>
-              <a:t>Prevents from adding new continents.</a:t>
+              <a:t>Proibe de adicionar novos continentes. </a:t>
             </a:r>
           </a:p>
           <a:p>
@@ -16585,7 +12025,7 @@
             </a:pPr>
             <a:r>
               <a:rPr lang="pt-PT" dirty="0"/>
-              <a:t>Prevents from adding new countrys.</a:t>
+              <a:t>Proibe de adicionar novos paises.</a:t>
             </a:r>
           </a:p>
           <a:p>
@@ -16613,7 +12053,7 @@
             </a:pPr>
             <a:r>
               <a:rPr lang="pt-PT" dirty="0"/>
-              <a:t>Prevents from adding new positions.</a:t>
+              <a:t>Proibe de adicionar novas posições.</a:t>
             </a:r>
           </a:p>
           <a:p>
@@ -16641,7 +12081,7 @@
             </a:pPr>
             <a:r>
               <a:rPr lang="pt-PT" dirty="0"/>
-              <a:t>Prevents from adding new preferred foot.</a:t>
+              <a:t>Proibe de adicionar novos pés preferidos.</a:t>
             </a:r>
           </a:p>
           <a:p>
@@ -16669,7 +12109,7 @@
             </a:pPr>
             <a:r>
               <a:rPr lang="pt-PT" dirty="0"/>
-              <a:t>Prevents from addint new competition types.</a:t>
+              <a:t>Proibe de adicionar novos tipos de competição.</a:t>
             </a:r>
           </a:p>
           <a:p>
@@ -16697,7 +12137,7 @@
             </a:pPr>
             <a:r>
               <a:rPr lang="pt-PT" dirty="0"/>
-              <a:t>Prevents from adding new cards.</a:t>
+              <a:t>Proibe de adicionar novos cartões (Amarelo ou Vermelho).</a:t>
             </a:r>
           </a:p>
         </p:txBody>
@@ -17077,15 +12517,7 @@
             </a:pPr>
             <a:r>
               <a:rPr lang="pt-PT" dirty="0"/>
-              <a:t>Prevents from adding a new coach that is already coaching another team. Team stadium </a:t>
-            </a:r>
-            <a:r>
-              <a:rPr lang="en-US" dirty="0"/>
-              <a:t>must</a:t>
-            </a:r>
-            <a:r>
-              <a:rPr lang="pt-PT" dirty="0"/>
-              <a:t> be in the same country as the team country.</a:t>
+              <a:t>Proibe de adicionar um treinador a uma equipa se este já tiver a treinar outra equipa. O estádio da equipa deve ser no mesmo pais da equipa.</a:t>
             </a:r>
           </a:p>
           <a:p>
@@ -17121,7 +12553,159 @@
             </a:pPr>
             <a:r>
               <a:rPr lang="en-US" dirty="0"/>
-              <a:t>Team must be in the same country (and continent) as competition. You only can add team and competitions other values are updated according to the data from table GAME.</a:t>
+              <a:t>A </a:t>
+            </a:r>
+            <a:r>
+              <a:rPr lang="en-US" dirty="0" err="1"/>
+              <a:t>equipa</a:t>
+            </a:r>
+            <a:r>
+              <a:rPr lang="en-US" dirty="0"/>
+              <a:t> </a:t>
+            </a:r>
+            <a:r>
+              <a:rPr lang="en-US" dirty="0" err="1"/>
+              <a:t>deve</a:t>
+            </a:r>
+            <a:r>
+              <a:rPr lang="en-US" dirty="0"/>
+              <a:t> </a:t>
+            </a:r>
+            <a:r>
+              <a:rPr lang="en-US" dirty="0" err="1"/>
+              <a:t>estar</a:t>
+            </a:r>
+            <a:r>
+              <a:rPr lang="en-US" dirty="0"/>
+              <a:t> no </a:t>
+            </a:r>
+            <a:r>
+              <a:rPr lang="en-US" dirty="0" err="1"/>
+              <a:t>mesmo</a:t>
+            </a:r>
+            <a:r>
+              <a:rPr lang="en-US" dirty="0"/>
+              <a:t> </a:t>
+            </a:r>
+            <a:r>
+              <a:rPr lang="en-US" dirty="0" err="1"/>
+              <a:t>pais</a:t>
+            </a:r>
+            <a:r>
+              <a:rPr lang="en-US" dirty="0"/>
+              <a:t> (e </a:t>
+            </a:r>
+            <a:r>
+              <a:rPr lang="en-US" dirty="0" err="1"/>
+              <a:t>continente</a:t>
+            </a:r>
+            <a:r>
+              <a:rPr lang="en-US" dirty="0"/>
+              <a:t>) da </a:t>
+            </a:r>
+            <a:r>
+              <a:rPr lang="en-US" dirty="0" err="1"/>
+              <a:t>competição</a:t>
+            </a:r>
+            <a:r>
+              <a:rPr lang="en-US" dirty="0"/>
+              <a:t> a que </a:t>
+            </a:r>
+            <a:r>
+              <a:rPr lang="en-US" dirty="0" err="1"/>
+              <a:t>pertence</a:t>
+            </a:r>
+            <a:r>
+              <a:rPr lang="en-US" dirty="0"/>
+              <a:t>. </a:t>
+            </a:r>
+            <a:r>
+              <a:rPr lang="en-US" dirty="0" err="1"/>
+              <a:t>Só</a:t>
+            </a:r>
+            <a:r>
+              <a:rPr lang="en-US" dirty="0"/>
+              <a:t> se </a:t>
+            </a:r>
+            <a:r>
+              <a:rPr lang="en-US" dirty="0" err="1"/>
+              <a:t>pode</a:t>
+            </a:r>
+            <a:r>
+              <a:rPr lang="en-US" dirty="0"/>
+              <a:t> </a:t>
+            </a:r>
+            <a:r>
+              <a:rPr lang="en-US" dirty="0" err="1"/>
+              <a:t>adicionar</a:t>
+            </a:r>
+            <a:r>
+              <a:rPr lang="en-US" dirty="0"/>
+              <a:t> </a:t>
+            </a:r>
+            <a:r>
+              <a:rPr lang="en-US" dirty="0" err="1"/>
+              <a:t>uma</a:t>
+            </a:r>
+            <a:r>
+              <a:rPr lang="en-US" dirty="0"/>
+              <a:t> </a:t>
+            </a:r>
+            <a:r>
+              <a:rPr lang="en-US" dirty="0" err="1"/>
+              <a:t>equipa</a:t>
+            </a:r>
+            <a:r>
+              <a:rPr lang="en-US" dirty="0"/>
+              <a:t> e a </a:t>
+            </a:r>
+            <a:r>
+              <a:rPr lang="en-US" dirty="0" err="1"/>
+              <a:t>sua</a:t>
+            </a:r>
+            <a:r>
+              <a:rPr lang="en-US" dirty="0"/>
+              <a:t> </a:t>
+            </a:r>
+            <a:r>
+              <a:rPr lang="en-US" dirty="0" err="1"/>
+              <a:t>competição</a:t>
+            </a:r>
+            <a:r>
+              <a:rPr lang="en-US" dirty="0"/>
+              <a:t>, </a:t>
+            </a:r>
+            <a:r>
+              <a:rPr lang="en-US" dirty="0" err="1"/>
+              <a:t>os</a:t>
+            </a:r>
+            <a:r>
+              <a:rPr lang="en-US" dirty="0"/>
+              <a:t> outros </a:t>
+            </a:r>
+            <a:r>
+              <a:rPr lang="en-US" dirty="0" err="1"/>
+              <a:t>valores</a:t>
+            </a:r>
+            <a:r>
+              <a:rPr lang="en-US" dirty="0"/>
+              <a:t> </a:t>
+            </a:r>
+            <a:r>
+              <a:rPr lang="en-US" dirty="0" err="1"/>
+              <a:t>vêm</a:t>
+            </a:r>
+            <a:r>
+              <a:rPr lang="en-US" dirty="0"/>
+              <a:t> da </a:t>
+            </a:r>
+            <a:r>
+              <a:rPr lang="en-US" dirty="0" err="1"/>
+              <a:t>tabela</a:t>
+            </a:r>
+            <a:r>
+              <a:rPr lang="en-US" dirty="0"/>
+              <a:t> GAME.</a:t>
             </a:r>
             <a:endParaRPr lang="pt-PT" dirty="0"/>
           </a:p>
@@ -17153,8 +12737,52 @@
               <a:buChar char="-"/>
             </a:pPr>
             <a:r>
+              <a:rPr lang="en-US" dirty="0" err="1"/>
+              <a:t>Competições</a:t>
+            </a:r>
+            <a:r>
               <a:rPr lang="en-US" dirty="0"/>
-              <a:t>Domestic competitions should have a country associated.</a:t>
+              <a:t> </a:t>
+            </a:r>
+            <a:r>
+              <a:rPr lang="en-US" dirty="0" err="1"/>
+              <a:t>domésticas</a:t>
+            </a:r>
+            <a:r>
+              <a:rPr lang="en-US" dirty="0"/>
+              <a:t> </a:t>
+            </a:r>
+            <a:r>
+              <a:rPr lang="en-US" dirty="0" err="1"/>
+              <a:t>devem</a:t>
+            </a:r>
+            <a:r>
+              <a:rPr lang="en-US" dirty="0"/>
+              <a:t> </a:t>
+            </a:r>
+            <a:r>
+              <a:rPr lang="en-US" dirty="0" err="1"/>
+              <a:t>ter</a:t>
+            </a:r>
+            <a:r>
+              <a:rPr lang="en-US" dirty="0"/>
+              <a:t> um </a:t>
+            </a:r>
+            <a:r>
+              <a:rPr lang="en-US" dirty="0" err="1"/>
+              <a:t>país</a:t>
+            </a:r>
+            <a:r>
+              <a:rPr lang="en-US" dirty="0"/>
+              <a:t> </a:t>
+            </a:r>
+            <a:r>
+              <a:rPr lang="en-US" dirty="0" err="1"/>
+              <a:t>associado</a:t>
+            </a:r>
+            <a:r>
+              <a:rPr lang="en-US" dirty="0"/>
+              <a:t>.</a:t>
             </a:r>
             <a:endParaRPr lang="pt-PT" dirty="0"/>
           </a:p>
@@ -17190,10 +12818,9 @@
               <a:buChar char="-"/>
             </a:pPr>
             <a:r>
-              <a:rPr lang="en-US" dirty="0"/>
-              <a:t>Players cannot have the same shirt number.</a:t>
+              <a:rPr lang="pt-PT" dirty="0"/>
+              <a:t>Jogadores da mesma equipa não podem ter o mesmo número de camisola.</a:t>
             </a:r>
-            <a:endParaRPr lang="pt-PT" dirty="0"/>
           </a:p>
           <a:p>
             <a:pPr marL="171450" indent="-171450" algn="just">
@@ -17214,11 +12841,11 @@
             </a:r>
             <a:r>
               <a:rPr lang="pt-PT" dirty="0"/>
-              <a:t>TR_insert_new_team_stat</a:t>
+              <a:t>TR_insert_new_team_stat </a:t>
             </a:r>
             <a:r>
               <a:rPr lang="en-US" dirty="0"/>
-              <a:t>– </a:t>
+              <a:t>–</a:t>
             </a:r>
           </a:p>
           <a:p>
@@ -17231,8 +12858,76 @@
               <a:buChar char="-"/>
             </a:pPr>
             <a:r>
+              <a:rPr lang="en-US" dirty="0" err="1"/>
+              <a:t>Estatisticas</a:t>
+            </a:r>
+            <a:r>
               <a:rPr lang="en-US" dirty="0"/>
-              <a:t>Team stats are generated automatically based on the player stats.</a:t>
+              <a:t> da </a:t>
+            </a:r>
+            <a:r>
+              <a:rPr lang="en-US" dirty="0" err="1"/>
+              <a:t>equipa</a:t>
+            </a:r>
+            <a:r>
+              <a:rPr lang="en-US" dirty="0"/>
+              <a:t> </a:t>
+            </a:r>
+            <a:r>
+              <a:rPr lang="en-US" dirty="0" err="1"/>
+              <a:t>são</a:t>
+            </a:r>
+            <a:r>
+              <a:rPr lang="en-US" dirty="0"/>
+              <a:t> </a:t>
+            </a:r>
+            <a:r>
+              <a:rPr lang="en-US" dirty="0" err="1"/>
+              <a:t>geradas</a:t>
+            </a:r>
+            <a:r>
+              <a:rPr lang="en-US" dirty="0"/>
+              <a:t> </a:t>
+            </a:r>
+            <a:r>
+              <a:rPr lang="en-US" dirty="0" err="1"/>
+              <a:t>automaticamente</a:t>
+            </a:r>
+            <a:r>
+              <a:rPr lang="en-US" dirty="0"/>
+              <a:t> </a:t>
+            </a:r>
+            <a:r>
+              <a:rPr lang="en-US" dirty="0" err="1"/>
+              <a:t>baseada</a:t>
+            </a:r>
+            <a:r>
+              <a:rPr lang="en-US" dirty="0"/>
+              <a:t> </a:t>
+            </a:r>
+            <a:r>
+              <a:rPr lang="en-US" dirty="0" err="1"/>
+              <a:t>nas</a:t>
+            </a:r>
+            <a:r>
+              <a:rPr lang="en-US" dirty="0"/>
+              <a:t> </a:t>
+            </a:r>
+            <a:r>
+              <a:rPr lang="en-US" dirty="0" err="1"/>
+              <a:t>estatisticas</a:t>
+            </a:r>
+            <a:r>
+              <a:rPr lang="en-US" dirty="0"/>
+              <a:t> dos </a:t>
+            </a:r>
+            <a:r>
+              <a:rPr lang="en-US" dirty="0" err="1"/>
+              <a:t>jogadores</a:t>
+            </a:r>
+            <a:r>
+              <a:rPr lang="en-US" dirty="0"/>
+              <a:t>.</a:t>
             </a:r>
           </a:p>
           <a:p>
@@ -18047,7 +13742,7 @@
             </a:pPr>
             <a:r>
               <a:rPr lang="pt-PT" dirty="0"/>
-              <a:t>- Search Fuctions that get arguments:</a:t>
+              <a:t>- Funções de procura com argumentos:</a:t>
             </a:r>
           </a:p>
           <a:p>
@@ -18635,7 +14330,7 @@
             </a:pPr>
             <a:r>
               <a:rPr lang="en" dirty="0"/>
-              <a:t>Demonstration</a:t>
+              <a:t>Demonstração</a:t>
             </a:r>
             <a:endParaRPr dirty="0"/>
           </a:p>
@@ -18647,865 +14342,6 @@
         <p14:creationId xmlns:p14="http://schemas.microsoft.com/office/powerpoint/2010/main" val="3559378083"/>
       </p:ext>
     </p:extLst>
-  </p:cSld>
-  <p:clrMapOvr>
-    <a:masterClrMapping/>
-  </p:clrMapOvr>
-</p:sld>
-</file>
-
-<file path=ppt/slides/slide16.xml><?xml version="1.0" encoding="utf-8"?>
-<p:sld xmlns:a="http://schemas.openxmlformats.org/drawingml/2006/main" xmlns:r="http://schemas.openxmlformats.org/officeDocument/2006/relationships" xmlns:p="http://schemas.openxmlformats.org/presentationml/2006/main">
-  <p:cSld>
-    <p:spTree>
-      <p:nvGrpSpPr>
-        <p:cNvPr id="1" name="Shape 1397"/>
-        <p:cNvGrpSpPr/>
-        <p:nvPr/>
-      </p:nvGrpSpPr>
-      <p:grpSpPr>
-        <a:xfrm>
-          <a:off x="0" y="0"/>
-          <a:ext cx="0" cy="0"/>
-          <a:chOff x="0" y="0"/>
-          <a:chExt cx="0" cy="0"/>
-        </a:xfrm>
-      </p:grpSpPr>
-      <p:sp>
-        <p:nvSpPr>
-          <p:cNvPr id="4" name="Google Shape;1334;p56">
-            <a:extLst>
-              <a:ext uri="{FF2B5EF4-FFF2-40B4-BE49-F238E27FC236}">
-                <a16:creationId xmlns:a16="http://schemas.microsoft.com/office/drawing/2014/main" id="{039C86DC-4945-53D2-BD7E-24703C3FB1BD}"/>
-              </a:ext>
-            </a:extLst>
-          </p:cNvPr>
-          <p:cNvSpPr txBox="1">
-            <a:spLocks/>
-          </p:cNvSpPr>
-          <p:nvPr/>
-        </p:nvSpPr>
-        <p:spPr>
-          <a:xfrm>
-            <a:off x="0" y="1309678"/>
-            <a:ext cx="7717500" cy="541500"/>
-          </a:xfrm>
-          <a:prstGeom prst="rect">
-            <a:avLst/>
-          </a:prstGeom>
-        </p:spPr>
-        <p:txBody>
-          <a:bodyPr spcFirstLastPara="1" wrap="square" lIns="91425" tIns="91425" rIns="91425" bIns="91425" anchor="b" anchorCtr="0">
-            <a:noAutofit/>
-          </a:bodyPr>
-          <a:lstStyle>
-            <a:defPPr marR="0" lvl="0" algn="l" rtl="0">
-              <a:lnSpc>
-                <a:spcPct val="100000"/>
-              </a:lnSpc>
-              <a:spcBef>
-                <a:spcPts val="0"/>
-              </a:spcBef>
-              <a:spcAft>
-                <a:spcPts val="0"/>
-              </a:spcAft>
-            </a:defPPr>
-            <a:lvl1pPr marR="0" lvl="0" algn="l" rtl="0">
-              <a:lnSpc>
-                <a:spcPct val="100000"/>
-              </a:lnSpc>
-              <a:spcBef>
-                <a:spcPts val="0"/>
-              </a:spcBef>
-              <a:spcAft>
-                <a:spcPts val="0"/>
-              </a:spcAft>
-              <a:buClr>
-                <a:srgbClr val="000000"/>
-              </a:buClr>
-              <a:buFont typeface="Arial"/>
-              <a:defRPr sz="1400" b="0" i="0" u="none" strike="noStrike" cap="none">
-                <a:solidFill>
-                  <a:srgbClr val="000000"/>
-                </a:solidFill>
-                <a:latin typeface="Arial"/>
-                <a:ea typeface="Arial"/>
-                <a:cs typeface="Arial"/>
-                <a:sym typeface="Arial"/>
-              </a:defRPr>
-            </a:lvl1pPr>
-            <a:lvl2pPr marR="0" lvl="1" algn="l" rtl="0">
-              <a:lnSpc>
-                <a:spcPct val="100000"/>
-              </a:lnSpc>
-              <a:spcBef>
-                <a:spcPts val="0"/>
-              </a:spcBef>
-              <a:spcAft>
-                <a:spcPts val="0"/>
-              </a:spcAft>
-              <a:buClr>
-                <a:srgbClr val="000000"/>
-              </a:buClr>
-              <a:buFont typeface="Arial"/>
-              <a:defRPr sz="1400" b="0" i="0" u="none" strike="noStrike" cap="none">
-                <a:solidFill>
-                  <a:srgbClr val="000000"/>
-                </a:solidFill>
-                <a:latin typeface="Arial"/>
-                <a:ea typeface="Arial"/>
-                <a:cs typeface="Arial"/>
-                <a:sym typeface="Arial"/>
-              </a:defRPr>
-            </a:lvl2pPr>
-            <a:lvl3pPr marR="0" lvl="2" algn="l" rtl="0">
-              <a:lnSpc>
-                <a:spcPct val="100000"/>
-              </a:lnSpc>
-              <a:spcBef>
-                <a:spcPts val="0"/>
-              </a:spcBef>
-              <a:spcAft>
-                <a:spcPts val="0"/>
-              </a:spcAft>
-              <a:buClr>
-                <a:srgbClr val="000000"/>
-              </a:buClr>
-              <a:buFont typeface="Arial"/>
-              <a:defRPr sz="1400" b="0" i="0" u="none" strike="noStrike" cap="none">
-                <a:solidFill>
-                  <a:srgbClr val="000000"/>
-                </a:solidFill>
-                <a:latin typeface="Arial"/>
-                <a:ea typeface="Arial"/>
-                <a:cs typeface="Arial"/>
-                <a:sym typeface="Arial"/>
-              </a:defRPr>
-            </a:lvl3pPr>
-            <a:lvl4pPr marR="0" lvl="3" algn="l" rtl="0">
-              <a:lnSpc>
-                <a:spcPct val="100000"/>
-              </a:lnSpc>
-              <a:spcBef>
-                <a:spcPts val="0"/>
-              </a:spcBef>
-              <a:spcAft>
-                <a:spcPts val="0"/>
-              </a:spcAft>
-              <a:buClr>
-                <a:srgbClr val="000000"/>
-              </a:buClr>
-              <a:buFont typeface="Arial"/>
-              <a:defRPr sz="1400" b="0" i="0" u="none" strike="noStrike" cap="none">
-                <a:solidFill>
-                  <a:srgbClr val="000000"/>
-                </a:solidFill>
-                <a:latin typeface="Arial"/>
-                <a:ea typeface="Arial"/>
-                <a:cs typeface="Arial"/>
-                <a:sym typeface="Arial"/>
-              </a:defRPr>
-            </a:lvl4pPr>
-            <a:lvl5pPr marR="0" lvl="4" algn="l" rtl="0">
-              <a:lnSpc>
-                <a:spcPct val="100000"/>
-              </a:lnSpc>
-              <a:spcBef>
-                <a:spcPts val="0"/>
-              </a:spcBef>
-              <a:spcAft>
-                <a:spcPts val="0"/>
-              </a:spcAft>
-              <a:buClr>
-                <a:srgbClr val="000000"/>
-              </a:buClr>
-              <a:buFont typeface="Arial"/>
-              <a:defRPr sz="1400" b="0" i="0" u="none" strike="noStrike" cap="none">
-                <a:solidFill>
-                  <a:srgbClr val="000000"/>
-                </a:solidFill>
-                <a:latin typeface="Arial"/>
-                <a:ea typeface="Arial"/>
-                <a:cs typeface="Arial"/>
-                <a:sym typeface="Arial"/>
-              </a:defRPr>
-            </a:lvl5pPr>
-            <a:lvl6pPr marR="0" lvl="5" algn="l" rtl="0">
-              <a:lnSpc>
-                <a:spcPct val="100000"/>
-              </a:lnSpc>
-              <a:spcBef>
-                <a:spcPts val="0"/>
-              </a:spcBef>
-              <a:spcAft>
-                <a:spcPts val="0"/>
-              </a:spcAft>
-              <a:buClr>
-                <a:srgbClr val="000000"/>
-              </a:buClr>
-              <a:buFont typeface="Arial"/>
-              <a:defRPr sz="1400" b="0" i="0" u="none" strike="noStrike" cap="none">
-                <a:solidFill>
-                  <a:srgbClr val="000000"/>
-                </a:solidFill>
-                <a:latin typeface="Arial"/>
-                <a:ea typeface="Arial"/>
-                <a:cs typeface="Arial"/>
-                <a:sym typeface="Arial"/>
-              </a:defRPr>
-            </a:lvl6pPr>
-            <a:lvl7pPr marR="0" lvl="6" algn="l" rtl="0">
-              <a:lnSpc>
-                <a:spcPct val="100000"/>
-              </a:lnSpc>
-              <a:spcBef>
-                <a:spcPts val="0"/>
-              </a:spcBef>
-              <a:spcAft>
-                <a:spcPts val="0"/>
-              </a:spcAft>
-              <a:buClr>
-                <a:srgbClr val="000000"/>
-              </a:buClr>
-              <a:buFont typeface="Arial"/>
-              <a:defRPr sz="1400" b="0" i="0" u="none" strike="noStrike" cap="none">
-                <a:solidFill>
-                  <a:srgbClr val="000000"/>
-                </a:solidFill>
-                <a:latin typeface="Arial"/>
-                <a:ea typeface="Arial"/>
-                <a:cs typeface="Arial"/>
-                <a:sym typeface="Arial"/>
-              </a:defRPr>
-            </a:lvl7pPr>
-            <a:lvl8pPr marR="0" lvl="7" algn="l" rtl="0">
-              <a:lnSpc>
-                <a:spcPct val="100000"/>
-              </a:lnSpc>
-              <a:spcBef>
-                <a:spcPts val="0"/>
-              </a:spcBef>
-              <a:spcAft>
-                <a:spcPts val="0"/>
-              </a:spcAft>
-              <a:buClr>
-                <a:srgbClr val="000000"/>
-              </a:buClr>
-              <a:buFont typeface="Arial"/>
-              <a:defRPr sz="1400" b="0" i="0" u="none" strike="noStrike" cap="none">
-                <a:solidFill>
-                  <a:srgbClr val="000000"/>
-                </a:solidFill>
-                <a:latin typeface="Arial"/>
-                <a:ea typeface="Arial"/>
-                <a:cs typeface="Arial"/>
-                <a:sym typeface="Arial"/>
-              </a:defRPr>
-            </a:lvl8pPr>
-            <a:lvl9pPr marR="0" lvl="8" algn="l" rtl="0">
-              <a:lnSpc>
-                <a:spcPct val="100000"/>
-              </a:lnSpc>
-              <a:spcBef>
-                <a:spcPts val="0"/>
-              </a:spcBef>
-              <a:spcAft>
-                <a:spcPts val="0"/>
-              </a:spcAft>
-              <a:buClr>
-                <a:srgbClr val="000000"/>
-              </a:buClr>
-              <a:buFont typeface="Arial"/>
-              <a:defRPr sz="1400" b="0" i="0" u="none" strike="noStrike" cap="none">
-                <a:solidFill>
-                  <a:srgbClr val="000000"/>
-                </a:solidFill>
-                <a:latin typeface="Arial"/>
-                <a:ea typeface="Arial"/>
-                <a:cs typeface="Arial"/>
-                <a:sym typeface="Arial"/>
-              </a:defRPr>
-            </a:lvl9pPr>
-          </a:lstStyle>
-          <a:p>
-            <a:pPr algn="ctr"/>
-            <a:r>
-              <a:rPr lang="pt-PT" sz="4800" b="1" dirty="0">
-                <a:solidFill>
-                  <a:schemeClr val="accent2"/>
-                </a:solidFill>
-                <a:latin typeface="Hammersmith One" panose="02010703030501060504" pitchFamily="2" charset="0"/>
-              </a:rPr>
-              <a:t>THANKS!</a:t>
-            </a:r>
-          </a:p>
-        </p:txBody>
-      </p:sp>
-      <p:sp>
-        <p:nvSpPr>
-          <p:cNvPr id="6" name="Google Shape;1334;p56">
-            <a:extLst>
-              <a:ext uri="{FF2B5EF4-FFF2-40B4-BE49-F238E27FC236}">
-                <a16:creationId xmlns:a16="http://schemas.microsoft.com/office/drawing/2014/main" id="{204DB14C-28C9-9827-FA0C-099171C8F1BF}"/>
-              </a:ext>
-            </a:extLst>
-          </p:cNvPr>
-          <p:cNvSpPr txBox="1">
-            <a:spLocks/>
-          </p:cNvSpPr>
-          <p:nvPr/>
-        </p:nvSpPr>
-        <p:spPr>
-          <a:xfrm>
-            <a:off x="0" y="1771361"/>
-            <a:ext cx="7717500" cy="541500"/>
-          </a:xfrm>
-          <a:prstGeom prst="rect">
-            <a:avLst/>
-          </a:prstGeom>
-        </p:spPr>
-        <p:txBody>
-          <a:bodyPr spcFirstLastPara="1" wrap="square" lIns="91425" tIns="91425" rIns="91425" bIns="91425" anchor="b" anchorCtr="0">
-            <a:noAutofit/>
-          </a:bodyPr>
-          <a:lstStyle>
-            <a:defPPr marR="0" lvl="0" algn="l" rtl="0">
-              <a:lnSpc>
-                <a:spcPct val="100000"/>
-              </a:lnSpc>
-              <a:spcBef>
-                <a:spcPts val="0"/>
-              </a:spcBef>
-              <a:spcAft>
-                <a:spcPts val="0"/>
-              </a:spcAft>
-            </a:defPPr>
-            <a:lvl1pPr marR="0" lvl="0" algn="l" rtl="0">
-              <a:lnSpc>
-                <a:spcPct val="100000"/>
-              </a:lnSpc>
-              <a:spcBef>
-                <a:spcPts val="0"/>
-              </a:spcBef>
-              <a:spcAft>
-                <a:spcPts val="0"/>
-              </a:spcAft>
-              <a:buClr>
-                <a:srgbClr val="000000"/>
-              </a:buClr>
-              <a:buFont typeface="Arial"/>
-              <a:defRPr sz="1400" b="0" i="0" u="none" strike="noStrike" cap="none">
-                <a:solidFill>
-                  <a:srgbClr val="000000"/>
-                </a:solidFill>
-                <a:latin typeface="Arial"/>
-                <a:ea typeface="Arial"/>
-                <a:cs typeface="Arial"/>
-                <a:sym typeface="Arial"/>
-              </a:defRPr>
-            </a:lvl1pPr>
-            <a:lvl2pPr marR="0" lvl="1" algn="l" rtl="0">
-              <a:lnSpc>
-                <a:spcPct val="100000"/>
-              </a:lnSpc>
-              <a:spcBef>
-                <a:spcPts val="0"/>
-              </a:spcBef>
-              <a:spcAft>
-                <a:spcPts val="0"/>
-              </a:spcAft>
-              <a:buClr>
-                <a:srgbClr val="000000"/>
-              </a:buClr>
-              <a:buFont typeface="Arial"/>
-              <a:defRPr sz="1400" b="0" i="0" u="none" strike="noStrike" cap="none">
-                <a:solidFill>
-                  <a:srgbClr val="000000"/>
-                </a:solidFill>
-                <a:latin typeface="Arial"/>
-                <a:ea typeface="Arial"/>
-                <a:cs typeface="Arial"/>
-                <a:sym typeface="Arial"/>
-              </a:defRPr>
-            </a:lvl2pPr>
-            <a:lvl3pPr marR="0" lvl="2" algn="l" rtl="0">
-              <a:lnSpc>
-                <a:spcPct val="100000"/>
-              </a:lnSpc>
-              <a:spcBef>
-                <a:spcPts val="0"/>
-              </a:spcBef>
-              <a:spcAft>
-                <a:spcPts val="0"/>
-              </a:spcAft>
-              <a:buClr>
-                <a:srgbClr val="000000"/>
-              </a:buClr>
-              <a:buFont typeface="Arial"/>
-              <a:defRPr sz="1400" b="0" i="0" u="none" strike="noStrike" cap="none">
-                <a:solidFill>
-                  <a:srgbClr val="000000"/>
-                </a:solidFill>
-                <a:latin typeface="Arial"/>
-                <a:ea typeface="Arial"/>
-                <a:cs typeface="Arial"/>
-                <a:sym typeface="Arial"/>
-              </a:defRPr>
-            </a:lvl3pPr>
-            <a:lvl4pPr marR="0" lvl="3" algn="l" rtl="0">
-              <a:lnSpc>
-                <a:spcPct val="100000"/>
-              </a:lnSpc>
-              <a:spcBef>
-                <a:spcPts val="0"/>
-              </a:spcBef>
-              <a:spcAft>
-                <a:spcPts val="0"/>
-              </a:spcAft>
-              <a:buClr>
-                <a:srgbClr val="000000"/>
-              </a:buClr>
-              <a:buFont typeface="Arial"/>
-              <a:defRPr sz="1400" b="0" i="0" u="none" strike="noStrike" cap="none">
-                <a:solidFill>
-                  <a:srgbClr val="000000"/>
-                </a:solidFill>
-                <a:latin typeface="Arial"/>
-                <a:ea typeface="Arial"/>
-                <a:cs typeface="Arial"/>
-                <a:sym typeface="Arial"/>
-              </a:defRPr>
-            </a:lvl4pPr>
-            <a:lvl5pPr marR="0" lvl="4" algn="l" rtl="0">
-              <a:lnSpc>
-                <a:spcPct val="100000"/>
-              </a:lnSpc>
-              <a:spcBef>
-                <a:spcPts val="0"/>
-              </a:spcBef>
-              <a:spcAft>
-                <a:spcPts val="0"/>
-              </a:spcAft>
-              <a:buClr>
-                <a:srgbClr val="000000"/>
-              </a:buClr>
-              <a:buFont typeface="Arial"/>
-              <a:defRPr sz="1400" b="0" i="0" u="none" strike="noStrike" cap="none">
-                <a:solidFill>
-                  <a:srgbClr val="000000"/>
-                </a:solidFill>
-                <a:latin typeface="Arial"/>
-                <a:ea typeface="Arial"/>
-                <a:cs typeface="Arial"/>
-                <a:sym typeface="Arial"/>
-              </a:defRPr>
-            </a:lvl5pPr>
-            <a:lvl6pPr marR="0" lvl="5" algn="l" rtl="0">
-              <a:lnSpc>
-                <a:spcPct val="100000"/>
-              </a:lnSpc>
-              <a:spcBef>
-                <a:spcPts val="0"/>
-              </a:spcBef>
-              <a:spcAft>
-                <a:spcPts val="0"/>
-              </a:spcAft>
-              <a:buClr>
-                <a:srgbClr val="000000"/>
-              </a:buClr>
-              <a:buFont typeface="Arial"/>
-              <a:defRPr sz="1400" b="0" i="0" u="none" strike="noStrike" cap="none">
-                <a:solidFill>
-                  <a:srgbClr val="000000"/>
-                </a:solidFill>
-                <a:latin typeface="Arial"/>
-                <a:ea typeface="Arial"/>
-                <a:cs typeface="Arial"/>
-                <a:sym typeface="Arial"/>
-              </a:defRPr>
-            </a:lvl6pPr>
-            <a:lvl7pPr marR="0" lvl="6" algn="l" rtl="0">
-              <a:lnSpc>
-                <a:spcPct val="100000"/>
-              </a:lnSpc>
-              <a:spcBef>
-                <a:spcPts val="0"/>
-              </a:spcBef>
-              <a:spcAft>
-                <a:spcPts val="0"/>
-              </a:spcAft>
-              <a:buClr>
-                <a:srgbClr val="000000"/>
-              </a:buClr>
-              <a:buFont typeface="Arial"/>
-              <a:defRPr sz="1400" b="0" i="0" u="none" strike="noStrike" cap="none">
-                <a:solidFill>
-                  <a:srgbClr val="000000"/>
-                </a:solidFill>
-                <a:latin typeface="Arial"/>
-                <a:ea typeface="Arial"/>
-                <a:cs typeface="Arial"/>
-                <a:sym typeface="Arial"/>
-              </a:defRPr>
-            </a:lvl7pPr>
-            <a:lvl8pPr marR="0" lvl="7" algn="l" rtl="0">
-              <a:lnSpc>
-                <a:spcPct val="100000"/>
-              </a:lnSpc>
-              <a:spcBef>
-                <a:spcPts val="0"/>
-              </a:spcBef>
-              <a:spcAft>
-                <a:spcPts val="0"/>
-              </a:spcAft>
-              <a:buClr>
-                <a:srgbClr val="000000"/>
-              </a:buClr>
-              <a:buFont typeface="Arial"/>
-              <a:defRPr sz="1400" b="0" i="0" u="none" strike="noStrike" cap="none">
-                <a:solidFill>
-                  <a:srgbClr val="000000"/>
-                </a:solidFill>
-                <a:latin typeface="Arial"/>
-                <a:ea typeface="Arial"/>
-                <a:cs typeface="Arial"/>
-                <a:sym typeface="Arial"/>
-              </a:defRPr>
-            </a:lvl8pPr>
-            <a:lvl9pPr marR="0" lvl="8" algn="l" rtl="0">
-              <a:lnSpc>
-                <a:spcPct val="100000"/>
-              </a:lnSpc>
-              <a:spcBef>
-                <a:spcPts val="0"/>
-              </a:spcBef>
-              <a:spcAft>
-                <a:spcPts val="0"/>
-              </a:spcAft>
-              <a:buClr>
-                <a:srgbClr val="000000"/>
-              </a:buClr>
-              <a:buFont typeface="Arial"/>
-              <a:defRPr sz="1400" b="0" i="0" u="none" strike="noStrike" cap="none">
-                <a:solidFill>
-                  <a:srgbClr val="000000"/>
-                </a:solidFill>
-                <a:latin typeface="Arial"/>
-                <a:ea typeface="Arial"/>
-                <a:cs typeface="Arial"/>
-                <a:sym typeface="Arial"/>
-              </a:defRPr>
-            </a:lvl9pPr>
-          </a:lstStyle>
-          <a:p>
-            <a:pPr algn="ctr"/>
-            <a:r>
-              <a:rPr lang="pt-PT" sz="2000" b="1" dirty="0">
-                <a:solidFill>
-                  <a:schemeClr val="accent2"/>
-                </a:solidFill>
-                <a:latin typeface="Hammersmith One" panose="02010703030501060504" pitchFamily="2" charset="0"/>
-              </a:rPr>
-              <a:t>Questions?</a:t>
-            </a:r>
-            <a:endParaRPr lang="pt-PT" sz="4800" b="1" dirty="0">
-              <a:solidFill>
-                <a:schemeClr val="accent2"/>
-              </a:solidFill>
-              <a:latin typeface="Hammersmith One" panose="02010703030501060504" pitchFamily="2" charset="0"/>
-            </a:endParaRPr>
-          </a:p>
-        </p:txBody>
-      </p:sp>
-      <p:sp>
-        <p:nvSpPr>
-          <p:cNvPr id="7" name="Google Shape;1334;p56">
-            <a:extLst>
-              <a:ext uri="{FF2B5EF4-FFF2-40B4-BE49-F238E27FC236}">
-                <a16:creationId xmlns:a16="http://schemas.microsoft.com/office/drawing/2014/main" id="{4D2AE37F-3791-23B6-CFC0-C2B4F432F15E}"/>
-              </a:ext>
-            </a:extLst>
-          </p:cNvPr>
-          <p:cNvSpPr txBox="1">
-            <a:spLocks/>
-          </p:cNvSpPr>
-          <p:nvPr/>
-        </p:nvSpPr>
-        <p:spPr>
-          <a:xfrm>
-            <a:off x="-60730" y="2233044"/>
-            <a:ext cx="7717500" cy="541500"/>
-          </a:xfrm>
-          <a:prstGeom prst="rect">
-            <a:avLst/>
-          </a:prstGeom>
-        </p:spPr>
-        <p:txBody>
-          <a:bodyPr spcFirstLastPara="1" wrap="square" lIns="91425" tIns="91425" rIns="91425" bIns="91425" anchor="b" anchorCtr="0">
-            <a:noAutofit/>
-          </a:bodyPr>
-          <a:lstStyle>
-            <a:defPPr marR="0" lvl="0" algn="l" rtl="0">
-              <a:lnSpc>
-                <a:spcPct val="100000"/>
-              </a:lnSpc>
-              <a:spcBef>
-                <a:spcPts val="0"/>
-              </a:spcBef>
-              <a:spcAft>
-                <a:spcPts val="0"/>
-              </a:spcAft>
-            </a:defPPr>
-            <a:lvl1pPr marR="0" lvl="0" algn="l" rtl="0">
-              <a:lnSpc>
-                <a:spcPct val="100000"/>
-              </a:lnSpc>
-              <a:spcBef>
-                <a:spcPts val="0"/>
-              </a:spcBef>
-              <a:spcAft>
-                <a:spcPts val="0"/>
-              </a:spcAft>
-              <a:buClr>
-                <a:srgbClr val="000000"/>
-              </a:buClr>
-              <a:buFont typeface="Arial"/>
-              <a:defRPr sz="1400" b="0" i="0" u="none" strike="noStrike" cap="none">
-                <a:solidFill>
-                  <a:srgbClr val="000000"/>
-                </a:solidFill>
-                <a:latin typeface="Arial"/>
-                <a:ea typeface="Arial"/>
-                <a:cs typeface="Arial"/>
-                <a:sym typeface="Arial"/>
-              </a:defRPr>
-            </a:lvl1pPr>
-            <a:lvl2pPr marR="0" lvl="1" algn="l" rtl="0">
-              <a:lnSpc>
-                <a:spcPct val="100000"/>
-              </a:lnSpc>
-              <a:spcBef>
-                <a:spcPts val="0"/>
-              </a:spcBef>
-              <a:spcAft>
-                <a:spcPts val="0"/>
-              </a:spcAft>
-              <a:buClr>
-                <a:srgbClr val="000000"/>
-              </a:buClr>
-              <a:buFont typeface="Arial"/>
-              <a:defRPr sz="1400" b="0" i="0" u="none" strike="noStrike" cap="none">
-                <a:solidFill>
-                  <a:srgbClr val="000000"/>
-                </a:solidFill>
-                <a:latin typeface="Arial"/>
-                <a:ea typeface="Arial"/>
-                <a:cs typeface="Arial"/>
-                <a:sym typeface="Arial"/>
-              </a:defRPr>
-            </a:lvl2pPr>
-            <a:lvl3pPr marR="0" lvl="2" algn="l" rtl="0">
-              <a:lnSpc>
-                <a:spcPct val="100000"/>
-              </a:lnSpc>
-              <a:spcBef>
-                <a:spcPts val="0"/>
-              </a:spcBef>
-              <a:spcAft>
-                <a:spcPts val="0"/>
-              </a:spcAft>
-              <a:buClr>
-                <a:srgbClr val="000000"/>
-              </a:buClr>
-              <a:buFont typeface="Arial"/>
-              <a:defRPr sz="1400" b="0" i="0" u="none" strike="noStrike" cap="none">
-                <a:solidFill>
-                  <a:srgbClr val="000000"/>
-                </a:solidFill>
-                <a:latin typeface="Arial"/>
-                <a:ea typeface="Arial"/>
-                <a:cs typeface="Arial"/>
-                <a:sym typeface="Arial"/>
-              </a:defRPr>
-            </a:lvl3pPr>
-            <a:lvl4pPr marR="0" lvl="3" algn="l" rtl="0">
-              <a:lnSpc>
-                <a:spcPct val="100000"/>
-              </a:lnSpc>
-              <a:spcBef>
-                <a:spcPts val="0"/>
-              </a:spcBef>
-              <a:spcAft>
-                <a:spcPts val="0"/>
-              </a:spcAft>
-              <a:buClr>
-                <a:srgbClr val="000000"/>
-              </a:buClr>
-              <a:buFont typeface="Arial"/>
-              <a:defRPr sz="1400" b="0" i="0" u="none" strike="noStrike" cap="none">
-                <a:solidFill>
-                  <a:srgbClr val="000000"/>
-                </a:solidFill>
-                <a:latin typeface="Arial"/>
-                <a:ea typeface="Arial"/>
-                <a:cs typeface="Arial"/>
-                <a:sym typeface="Arial"/>
-              </a:defRPr>
-            </a:lvl4pPr>
-            <a:lvl5pPr marR="0" lvl="4" algn="l" rtl="0">
-              <a:lnSpc>
-                <a:spcPct val="100000"/>
-              </a:lnSpc>
-              <a:spcBef>
-                <a:spcPts val="0"/>
-              </a:spcBef>
-              <a:spcAft>
-                <a:spcPts val="0"/>
-              </a:spcAft>
-              <a:buClr>
-                <a:srgbClr val="000000"/>
-              </a:buClr>
-              <a:buFont typeface="Arial"/>
-              <a:defRPr sz="1400" b="0" i="0" u="none" strike="noStrike" cap="none">
-                <a:solidFill>
-                  <a:srgbClr val="000000"/>
-                </a:solidFill>
-                <a:latin typeface="Arial"/>
-                <a:ea typeface="Arial"/>
-                <a:cs typeface="Arial"/>
-                <a:sym typeface="Arial"/>
-              </a:defRPr>
-            </a:lvl5pPr>
-            <a:lvl6pPr marR="0" lvl="5" algn="l" rtl="0">
-              <a:lnSpc>
-                <a:spcPct val="100000"/>
-              </a:lnSpc>
-              <a:spcBef>
-                <a:spcPts val="0"/>
-              </a:spcBef>
-              <a:spcAft>
-                <a:spcPts val="0"/>
-              </a:spcAft>
-              <a:buClr>
-                <a:srgbClr val="000000"/>
-              </a:buClr>
-              <a:buFont typeface="Arial"/>
-              <a:defRPr sz="1400" b="0" i="0" u="none" strike="noStrike" cap="none">
-                <a:solidFill>
-                  <a:srgbClr val="000000"/>
-                </a:solidFill>
-                <a:latin typeface="Arial"/>
-                <a:ea typeface="Arial"/>
-                <a:cs typeface="Arial"/>
-                <a:sym typeface="Arial"/>
-              </a:defRPr>
-            </a:lvl6pPr>
-            <a:lvl7pPr marR="0" lvl="6" algn="l" rtl="0">
-              <a:lnSpc>
-                <a:spcPct val="100000"/>
-              </a:lnSpc>
-              <a:spcBef>
-                <a:spcPts val="0"/>
-              </a:spcBef>
-              <a:spcAft>
-                <a:spcPts val="0"/>
-              </a:spcAft>
-              <a:buClr>
-                <a:srgbClr val="000000"/>
-              </a:buClr>
-              <a:buFont typeface="Arial"/>
-              <a:defRPr sz="1400" b="0" i="0" u="none" strike="noStrike" cap="none">
-                <a:solidFill>
-                  <a:srgbClr val="000000"/>
-                </a:solidFill>
-                <a:latin typeface="Arial"/>
-                <a:ea typeface="Arial"/>
-                <a:cs typeface="Arial"/>
-                <a:sym typeface="Arial"/>
-              </a:defRPr>
-            </a:lvl7pPr>
-            <a:lvl8pPr marR="0" lvl="7" algn="l" rtl="0">
-              <a:lnSpc>
-                <a:spcPct val="100000"/>
-              </a:lnSpc>
-              <a:spcBef>
-                <a:spcPts val="0"/>
-              </a:spcBef>
-              <a:spcAft>
-                <a:spcPts val="0"/>
-              </a:spcAft>
-              <a:buClr>
-                <a:srgbClr val="000000"/>
-              </a:buClr>
-              <a:buFont typeface="Arial"/>
-              <a:defRPr sz="1400" b="0" i="0" u="none" strike="noStrike" cap="none">
-                <a:solidFill>
-                  <a:srgbClr val="000000"/>
-                </a:solidFill>
-                <a:latin typeface="Arial"/>
-                <a:ea typeface="Arial"/>
-                <a:cs typeface="Arial"/>
-                <a:sym typeface="Arial"/>
-              </a:defRPr>
-            </a:lvl8pPr>
-            <a:lvl9pPr marR="0" lvl="8" algn="l" rtl="0">
-              <a:lnSpc>
-                <a:spcPct val="100000"/>
-              </a:lnSpc>
-              <a:spcBef>
-                <a:spcPts val="0"/>
-              </a:spcBef>
-              <a:spcAft>
-                <a:spcPts val="0"/>
-              </a:spcAft>
-              <a:buClr>
-                <a:srgbClr val="000000"/>
-              </a:buClr>
-              <a:buFont typeface="Arial"/>
-              <a:defRPr sz="1400" b="0" i="0" u="none" strike="noStrike" cap="none">
-                <a:solidFill>
-                  <a:srgbClr val="000000"/>
-                </a:solidFill>
-                <a:latin typeface="Arial"/>
-                <a:ea typeface="Arial"/>
-                <a:cs typeface="Arial"/>
-                <a:sym typeface="Arial"/>
-              </a:defRPr>
-            </a:lvl9pPr>
-          </a:lstStyle>
-          <a:p>
-            <a:pPr algn="ctr"/>
-            <a:r>
-              <a:rPr lang="pt-PT" b="1" dirty="0">
-                <a:solidFill>
-                  <a:schemeClr val="accent2"/>
-                </a:solidFill>
-                <a:latin typeface="Hammersmith One" panose="02010703030501060504" pitchFamily="2" charset="0"/>
-              </a:rPr>
-              <a:t>Diogo Jesus (97596) </a:t>
-            </a:r>
-          </a:p>
-          <a:p>
-            <a:pPr algn="ctr"/>
-            <a:r>
-              <a:rPr lang="pt-PT" b="1" dirty="0">
-                <a:solidFill>
-                  <a:schemeClr val="accent2"/>
-                </a:solidFill>
-                <a:latin typeface="Hammersmith One" panose="02010703030501060504" pitchFamily="2" charset="0"/>
-              </a:rPr>
-              <a:t>Pedro Rodrigues (92338)</a:t>
-            </a:r>
-            <a:endParaRPr lang="pt-PT" sz="3600" b="1" dirty="0">
-              <a:solidFill>
-                <a:schemeClr val="accent2"/>
-              </a:solidFill>
-              <a:latin typeface="Hammersmith One" panose="02010703030501060504" pitchFamily="2" charset="0"/>
-            </a:endParaRPr>
-          </a:p>
-        </p:txBody>
-      </p:sp>
-    </p:spTree>
   </p:cSld>
   <p:clrMapOvr>
     <a:masterClrMapping/>
@@ -19532,44 +14368,6 @@
       </p:grpSpPr>
       <p:sp>
         <p:nvSpPr>
-          <p:cNvPr id="1326" name="Google Shape;1326;p55"/>
-          <p:cNvSpPr txBox="1">
-            <a:spLocks noGrp="1"/>
-          </p:cNvSpPr>
-          <p:nvPr>
-            <p:ph type="body" idx="1"/>
-          </p:nvPr>
-        </p:nvSpPr>
-        <p:spPr>
-          <a:xfrm>
-            <a:off x="713250" y="1152475"/>
-            <a:ext cx="7717500" cy="3416400"/>
-          </a:xfrm>
-          <a:prstGeom prst="rect">
-            <a:avLst/>
-          </a:prstGeom>
-        </p:spPr>
-        <p:txBody>
-          <a:bodyPr spcFirstLastPara="1" wrap="square" lIns="91425" tIns="91425" rIns="91425" bIns="91425" anchor="t" anchorCtr="0">
-            <a:noAutofit/>
-          </a:bodyPr>
-          <a:lstStyle/>
-          <a:p>
-            <a:pPr marL="0" lvl="0" indent="0" algn="l" rtl="0">
-              <a:spcBef>
-                <a:spcPts val="0"/>
-              </a:spcBef>
-              <a:spcAft>
-                <a:spcPts val="0"/>
-              </a:spcAft>
-              <a:buNone/>
-            </a:pPr>
-            <a:endParaRPr dirty="0"/>
-          </a:p>
-        </p:txBody>
-      </p:sp>
-      <p:sp>
-        <p:nvSpPr>
           <p:cNvPr id="1327" name="Google Shape;1327;p55"/>
           <p:cNvSpPr txBox="1">
             <a:spLocks noGrp="1"/>
@@ -19603,10 +14401,338 @@
               <a:buNone/>
             </a:pPr>
             <a:r>
-              <a:rPr lang="en" dirty="0"/>
-              <a:t>Introduction</a:t>
+              <a:rPr lang="pt-PT" dirty="0"/>
+              <a:t>Introdução</a:t>
             </a:r>
             <a:endParaRPr dirty="0"/>
+          </a:p>
+        </p:txBody>
+      </p:sp>
+      <p:sp>
+        <p:nvSpPr>
+          <p:cNvPr id="4" name="Google Shape;1321;p54">
+            <a:extLst>
+              <a:ext uri="{FF2B5EF4-FFF2-40B4-BE49-F238E27FC236}">
+                <a16:creationId xmlns:a16="http://schemas.microsoft.com/office/drawing/2014/main" id="{880F7B85-A9D4-4664-88DD-EC331929EE94}"/>
+              </a:ext>
+            </a:extLst>
+          </p:cNvPr>
+          <p:cNvSpPr txBox="1">
+            <a:spLocks/>
+          </p:cNvSpPr>
+          <p:nvPr/>
+        </p:nvSpPr>
+        <p:spPr>
+          <a:xfrm>
+            <a:off x="713250" y="1256930"/>
+            <a:ext cx="7262506" cy="3305769"/>
+          </a:xfrm>
+          <a:prstGeom prst="rect">
+            <a:avLst/>
+          </a:prstGeom>
+          <a:noFill/>
+          <a:ln>
+            <a:noFill/>
+          </a:ln>
+        </p:spPr>
+        <p:txBody>
+          <a:bodyPr spcFirstLastPara="1" wrap="square" lIns="91425" tIns="91425" rIns="91425" bIns="91425" anchor="t" anchorCtr="0">
+            <a:noAutofit/>
+          </a:bodyPr>
+          <a:lstStyle>
+            <a:defPPr marR="0" lvl="0" algn="l" rtl="0">
+              <a:lnSpc>
+                <a:spcPct val="100000"/>
+              </a:lnSpc>
+              <a:spcBef>
+                <a:spcPts val="0"/>
+              </a:spcBef>
+              <a:spcAft>
+                <a:spcPts val="0"/>
+              </a:spcAft>
+            </a:defPPr>
+            <a:lvl1pPr marL="457200" marR="0" lvl="0" indent="-304800" algn="l" rtl="0">
+              <a:lnSpc>
+                <a:spcPct val="100000"/>
+              </a:lnSpc>
+              <a:spcBef>
+                <a:spcPts val="0"/>
+              </a:spcBef>
+              <a:spcAft>
+                <a:spcPts val="0"/>
+              </a:spcAft>
+              <a:buClr>
+                <a:schemeClr val="accent1"/>
+              </a:buClr>
+              <a:buSzPts val="1200"/>
+              <a:buFont typeface="Manjari"/>
+              <a:buAutoNum type="arabicPeriod"/>
+              <a:defRPr sz="1200" b="0" i="0" u="none" strike="noStrike" cap="none">
+                <a:solidFill>
+                  <a:schemeClr val="accent2"/>
+                </a:solidFill>
+                <a:latin typeface="Manjari"/>
+                <a:ea typeface="Manjari"/>
+                <a:cs typeface="Manjari"/>
+                <a:sym typeface="Manjari"/>
+              </a:defRPr>
+            </a:lvl1pPr>
+            <a:lvl2pPr marL="914400" marR="0" lvl="1" indent="-304800" algn="l" rtl="0">
+              <a:lnSpc>
+                <a:spcPct val="100000"/>
+              </a:lnSpc>
+              <a:spcBef>
+                <a:spcPts val="0"/>
+              </a:spcBef>
+              <a:spcAft>
+                <a:spcPts val="0"/>
+              </a:spcAft>
+              <a:buClr>
+                <a:srgbClr val="434343"/>
+              </a:buClr>
+              <a:buSzPts val="1200"/>
+              <a:buFont typeface="Roboto Condensed Light"/>
+              <a:buAutoNum type="alphaLcPeriod"/>
+              <a:defRPr sz="1400" b="0" i="0" u="none" strike="noStrike" cap="none">
+                <a:solidFill>
+                  <a:schemeClr val="accent2"/>
+                </a:solidFill>
+                <a:latin typeface="Manjari"/>
+                <a:ea typeface="Manjari"/>
+                <a:cs typeface="Manjari"/>
+                <a:sym typeface="Manjari"/>
+              </a:defRPr>
+            </a:lvl2pPr>
+            <a:lvl3pPr marL="1371600" marR="0" lvl="2" indent="-304800" algn="l" rtl="0">
+              <a:lnSpc>
+                <a:spcPct val="100000"/>
+              </a:lnSpc>
+              <a:spcBef>
+                <a:spcPts val="0"/>
+              </a:spcBef>
+              <a:spcAft>
+                <a:spcPts val="0"/>
+              </a:spcAft>
+              <a:buClr>
+                <a:srgbClr val="434343"/>
+              </a:buClr>
+              <a:buSzPts val="1200"/>
+              <a:buFont typeface="Roboto Condensed Light"/>
+              <a:buAutoNum type="romanLcPeriod"/>
+              <a:defRPr sz="1400" b="0" i="0" u="none" strike="noStrike" cap="none">
+                <a:solidFill>
+                  <a:schemeClr val="accent2"/>
+                </a:solidFill>
+                <a:latin typeface="Manjari"/>
+                <a:ea typeface="Manjari"/>
+                <a:cs typeface="Manjari"/>
+                <a:sym typeface="Manjari"/>
+              </a:defRPr>
+            </a:lvl3pPr>
+            <a:lvl4pPr marL="1828800" marR="0" lvl="3" indent="-304800" algn="l" rtl="0">
+              <a:lnSpc>
+                <a:spcPct val="100000"/>
+              </a:lnSpc>
+              <a:spcBef>
+                <a:spcPts val="0"/>
+              </a:spcBef>
+              <a:spcAft>
+                <a:spcPts val="0"/>
+              </a:spcAft>
+              <a:buClr>
+                <a:srgbClr val="434343"/>
+              </a:buClr>
+              <a:buSzPts val="1200"/>
+              <a:buFont typeface="Roboto Condensed Light"/>
+              <a:buAutoNum type="arabicPeriod"/>
+              <a:defRPr sz="1400" b="0" i="0" u="none" strike="noStrike" cap="none">
+                <a:solidFill>
+                  <a:schemeClr val="accent2"/>
+                </a:solidFill>
+                <a:latin typeface="Manjari"/>
+                <a:ea typeface="Manjari"/>
+                <a:cs typeface="Manjari"/>
+                <a:sym typeface="Manjari"/>
+              </a:defRPr>
+            </a:lvl4pPr>
+            <a:lvl5pPr marL="2286000" marR="0" lvl="4" indent="-304800" algn="l" rtl="0">
+              <a:lnSpc>
+                <a:spcPct val="100000"/>
+              </a:lnSpc>
+              <a:spcBef>
+                <a:spcPts val="0"/>
+              </a:spcBef>
+              <a:spcAft>
+                <a:spcPts val="0"/>
+              </a:spcAft>
+              <a:buClr>
+                <a:srgbClr val="434343"/>
+              </a:buClr>
+              <a:buSzPts val="1200"/>
+              <a:buFont typeface="Roboto Condensed Light"/>
+              <a:buAutoNum type="alphaLcPeriod"/>
+              <a:defRPr sz="1400" b="0" i="0" u="none" strike="noStrike" cap="none">
+                <a:solidFill>
+                  <a:schemeClr val="accent2"/>
+                </a:solidFill>
+                <a:latin typeface="Manjari"/>
+                <a:ea typeface="Manjari"/>
+                <a:cs typeface="Manjari"/>
+                <a:sym typeface="Manjari"/>
+              </a:defRPr>
+            </a:lvl5pPr>
+            <a:lvl6pPr marL="2743200" marR="0" lvl="5" indent="-304800" algn="l" rtl="0">
+              <a:lnSpc>
+                <a:spcPct val="100000"/>
+              </a:lnSpc>
+              <a:spcBef>
+                <a:spcPts val="0"/>
+              </a:spcBef>
+              <a:spcAft>
+                <a:spcPts val="0"/>
+              </a:spcAft>
+              <a:buClr>
+                <a:srgbClr val="434343"/>
+              </a:buClr>
+              <a:buSzPts val="1200"/>
+              <a:buFont typeface="Roboto Condensed Light"/>
+              <a:buAutoNum type="romanLcPeriod"/>
+              <a:defRPr sz="1400" b="0" i="0" u="none" strike="noStrike" cap="none">
+                <a:solidFill>
+                  <a:schemeClr val="accent2"/>
+                </a:solidFill>
+                <a:latin typeface="Manjari"/>
+                <a:ea typeface="Manjari"/>
+                <a:cs typeface="Manjari"/>
+                <a:sym typeface="Manjari"/>
+              </a:defRPr>
+            </a:lvl6pPr>
+            <a:lvl7pPr marL="3200400" marR="0" lvl="6" indent="-304800" algn="l" rtl="0">
+              <a:lnSpc>
+                <a:spcPct val="100000"/>
+              </a:lnSpc>
+              <a:spcBef>
+                <a:spcPts val="0"/>
+              </a:spcBef>
+              <a:spcAft>
+                <a:spcPts val="0"/>
+              </a:spcAft>
+              <a:buClr>
+                <a:srgbClr val="434343"/>
+              </a:buClr>
+              <a:buSzPts val="1200"/>
+              <a:buFont typeface="Roboto Condensed Light"/>
+              <a:buAutoNum type="arabicPeriod"/>
+              <a:defRPr sz="1400" b="0" i="0" u="none" strike="noStrike" cap="none">
+                <a:solidFill>
+                  <a:schemeClr val="accent2"/>
+                </a:solidFill>
+                <a:latin typeface="Manjari"/>
+                <a:ea typeface="Manjari"/>
+                <a:cs typeface="Manjari"/>
+                <a:sym typeface="Manjari"/>
+              </a:defRPr>
+            </a:lvl7pPr>
+            <a:lvl8pPr marL="3657600" marR="0" lvl="7" indent="-304800" algn="l" rtl="0">
+              <a:lnSpc>
+                <a:spcPct val="100000"/>
+              </a:lnSpc>
+              <a:spcBef>
+                <a:spcPts val="0"/>
+              </a:spcBef>
+              <a:spcAft>
+                <a:spcPts val="0"/>
+              </a:spcAft>
+              <a:buClr>
+                <a:srgbClr val="434343"/>
+              </a:buClr>
+              <a:buSzPts val="1200"/>
+              <a:buFont typeface="Roboto Condensed Light"/>
+              <a:buAutoNum type="alphaLcPeriod"/>
+              <a:defRPr sz="1400" b="0" i="0" u="none" strike="noStrike" cap="none">
+                <a:solidFill>
+                  <a:schemeClr val="accent2"/>
+                </a:solidFill>
+                <a:latin typeface="Manjari"/>
+                <a:ea typeface="Manjari"/>
+                <a:cs typeface="Manjari"/>
+                <a:sym typeface="Manjari"/>
+              </a:defRPr>
+            </a:lvl8pPr>
+            <a:lvl9pPr marL="4114800" marR="0" lvl="8" indent="-304800" algn="l" rtl="0">
+              <a:lnSpc>
+                <a:spcPct val="100000"/>
+              </a:lnSpc>
+              <a:spcBef>
+                <a:spcPts val="0"/>
+              </a:spcBef>
+              <a:spcAft>
+                <a:spcPts val="0"/>
+              </a:spcAft>
+              <a:buClr>
+                <a:srgbClr val="434343"/>
+              </a:buClr>
+              <a:buSzPts val="1200"/>
+              <a:buFont typeface="Roboto Condensed Light"/>
+              <a:buAutoNum type="romanLcPeriod"/>
+              <a:defRPr sz="1400" b="0" i="0" u="none" strike="noStrike" cap="none">
+                <a:solidFill>
+                  <a:schemeClr val="accent2"/>
+                </a:solidFill>
+                <a:latin typeface="Manjari"/>
+                <a:ea typeface="Manjari"/>
+                <a:cs typeface="Manjari"/>
+                <a:sym typeface="Manjari"/>
+              </a:defRPr>
+            </a:lvl9pPr>
+          </a:lstStyle>
+          <a:p>
+            <a:pPr marL="0" indent="0" algn="just">
+              <a:buClr>
+                <a:schemeClr val="dk1"/>
+              </a:buClr>
+              <a:buSzPts val="1100"/>
+              <a:buNone/>
+            </a:pPr>
+            <a:r>
+              <a:rPr lang="pt-PT" sz="1600" dirty="0"/>
+              <a:t>- Interface de consulta de jogos de futebol, também é possivel consultar informações relativas a cada jogo (desempenho de cada equipa no jogo, desempenho de cada jogador no jogo).</a:t>
+            </a:r>
+          </a:p>
+          <a:p>
+            <a:pPr marL="0" indent="0" algn="just">
+              <a:buClr>
+                <a:schemeClr val="dk1"/>
+              </a:buClr>
+              <a:buSzPts val="1100"/>
+              <a:buNone/>
+            </a:pPr>
+            <a:r>
+              <a:rPr lang="pt-PT" sz="1600" dirty="0"/>
+              <a:t>- É possivel também adicionar vários Jogadores, Estádios, Jogos, Competições, etc..</a:t>
+            </a:r>
+          </a:p>
+          <a:p>
+            <a:pPr marL="285750" indent="-285750" algn="just">
+              <a:buClr>
+                <a:schemeClr val="dk1"/>
+              </a:buClr>
+              <a:buSzPts val="1100"/>
+              <a:buFontTx/>
+              <a:buChar char="-"/>
+            </a:pPr>
+            <a:endParaRPr lang="pt-PT" sz="1600" dirty="0"/>
+          </a:p>
+          <a:p>
+            <a:pPr marL="0" indent="0" algn="just">
+              <a:buClr>
+                <a:schemeClr val="dk1"/>
+              </a:buClr>
+              <a:buSzPts val="1100"/>
+              <a:buFont typeface="Arial"/>
+              <a:buNone/>
+            </a:pPr>
+            <a:endParaRPr lang="pt-PT" dirty="0"/>
           </a:p>
         </p:txBody>
       </p:sp>
